--- a/Documents/Presentation.pptx
+++ b/Documents/Presentation.pptx
@@ -1,26 +1,2426 @@
 
 <file path=ppt/presentation.xml><?xml version="1.0" encoding="utf-8"?>
-<p:presentation xmlns:a="http://schemas.openxmlformats.org/drawingml/2006/main" xmlns:p="http://schemas.openxmlformats.org/presentationml/2006/main" xmlns:r="http://schemas.openxmlformats.org/officeDocument/2006/relationships" xmlns:p14="http://schemas.microsoft.com/office/powerpoint/2010/main" xmlns:p15="http://schemas.microsoft.com/office/powerpoint/2012/main" xmlns:mc="http://schemas.openxmlformats.org/markup-compatibility/2006">
+<p:presentation xmlns:a="http://schemas.openxmlformats.org/drawingml/2006/main" xmlns:r="http://schemas.openxmlformats.org/officeDocument/2006/relationships" xmlns:p="http://schemas.openxmlformats.org/presentationml/2006/main">
   <p:sldMasterIdLst>
-    <p:sldMasterId id="2147483648" r:id="rId2"/>
-    <p:sldMasterId id="2147483661" r:id="rId3"/>
+    <p:sldMasterId id="2147483648" r:id="rId1"/>
+    <p:sldMasterId id="2147483661" r:id="rId2"/>
   </p:sldMasterIdLst>
+  <p:notesMasterIdLst>
+    <p:notesMasterId r:id="rId12"/>
+  </p:notesMasterIdLst>
   <p:sldIdLst>
-    <p:sldId id="256" r:id="rId4"/>
-    <p:sldId id="257" r:id="rId5"/>
-    <p:sldId id="258" r:id="rId6"/>
-    <p:sldId id="259" r:id="rId7"/>
-    <p:sldId id="260" r:id="rId8"/>
-    <p:sldId id="261" r:id="rId9"/>
-    <p:sldId id="262" r:id="rId10"/>
+    <p:sldId id="256" r:id="rId3"/>
+    <p:sldId id="257" r:id="rId4"/>
+    <p:sldId id="263" r:id="rId5"/>
+    <p:sldId id="264" r:id="rId6"/>
+    <p:sldId id="258" r:id="rId7"/>
+    <p:sldId id="259" r:id="rId8"/>
+    <p:sldId id="260" r:id="rId9"/>
+    <p:sldId id="261" r:id="rId10"/>
+    <p:sldId id="262" r:id="rId11"/>
   </p:sldIdLst>
   <p:sldSz cx="12192000" cy="6858000"/>
   <p:notesSz cx="7559675" cy="10691813"/>
+  <p:defaultTextStyle>
+    <a:defPPr>
+      <a:defRPr lang="en-US"/>
+    </a:defPPr>
+    <a:lvl1pPr marL="0" algn="l" defTabSz="914400" rtl="0" eaLnBrk="1" latinLnBrk="0" hangingPunct="1">
+      <a:defRPr sz="1800" kern="1200">
+        <a:solidFill>
+          <a:schemeClr val="tx1"/>
+        </a:solidFill>
+        <a:latin typeface="+mn-lt"/>
+        <a:ea typeface="+mn-ea"/>
+        <a:cs typeface="+mn-cs"/>
+      </a:defRPr>
+    </a:lvl1pPr>
+    <a:lvl2pPr marL="457200" algn="l" defTabSz="914400" rtl="0" eaLnBrk="1" latinLnBrk="0" hangingPunct="1">
+      <a:defRPr sz="1800" kern="1200">
+        <a:solidFill>
+          <a:schemeClr val="tx1"/>
+        </a:solidFill>
+        <a:latin typeface="+mn-lt"/>
+        <a:ea typeface="+mn-ea"/>
+        <a:cs typeface="+mn-cs"/>
+      </a:defRPr>
+    </a:lvl2pPr>
+    <a:lvl3pPr marL="914400" algn="l" defTabSz="914400" rtl="0" eaLnBrk="1" latinLnBrk="0" hangingPunct="1">
+      <a:defRPr sz="1800" kern="1200">
+        <a:solidFill>
+          <a:schemeClr val="tx1"/>
+        </a:solidFill>
+        <a:latin typeface="+mn-lt"/>
+        <a:ea typeface="+mn-ea"/>
+        <a:cs typeface="+mn-cs"/>
+      </a:defRPr>
+    </a:lvl3pPr>
+    <a:lvl4pPr marL="1371600" algn="l" defTabSz="914400" rtl="0" eaLnBrk="1" latinLnBrk="0" hangingPunct="1">
+      <a:defRPr sz="1800" kern="1200">
+        <a:solidFill>
+          <a:schemeClr val="tx1"/>
+        </a:solidFill>
+        <a:latin typeface="+mn-lt"/>
+        <a:ea typeface="+mn-ea"/>
+        <a:cs typeface="+mn-cs"/>
+      </a:defRPr>
+    </a:lvl4pPr>
+    <a:lvl5pPr marL="1828800" algn="l" defTabSz="914400" rtl="0" eaLnBrk="1" latinLnBrk="0" hangingPunct="1">
+      <a:defRPr sz="1800" kern="1200">
+        <a:solidFill>
+          <a:schemeClr val="tx1"/>
+        </a:solidFill>
+        <a:latin typeface="+mn-lt"/>
+        <a:ea typeface="+mn-ea"/>
+        <a:cs typeface="+mn-cs"/>
+      </a:defRPr>
+    </a:lvl5pPr>
+    <a:lvl6pPr marL="2286000" algn="l" defTabSz="914400" rtl="0" eaLnBrk="1" latinLnBrk="0" hangingPunct="1">
+      <a:defRPr sz="1800" kern="1200">
+        <a:solidFill>
+          <a:schemeClr val="tx1"/>
+        </a:solidFill>
+        <a:latin typeface="+mn-lt"/>
+        <a:ea typeface="+mn-ea"/>
+        <a:cs typeface="+mn-cs"/>
+      </a:defRPr>
+    </a:lvl6pPr>
+    <a:lvl7pPr marL="2743200" algn="l" defTabSz="914400" rtl="0" eaLnBrk="1" latinLnBrk="0" hangingPunct="1">
+      <a:defRPr sz="1800" kern="1200">
+        <a:solidFill>
+          <a:schemeClr val="tx1"/>
+        </a:solidFill>
+        <a:latin typeface="+mn-lt"/>
+        <a:ea typeface="+mn-ea"/>
+        <a:cs typeface="+mn-cs"/>
+      </a:defRPr>
+    </a:lvl7pPr>
+    <a:lvl8pPr marL="3200400" algn="l" defTabSz="914400" rtl="0" eaLnBrk="1" latinLnBrk="0" hangingPunct="1">
+      <a:defRPr sz="1800" kern="1200">
+        <a:solidFill>
+          <a:schemeClr val="tx1"/>
+        </a:solidFill>
+        <a:latin typeface="+mn-lt"/>
+        <a:ea typeface="+mn-ea"/>
+        <a:cs typeface="+mn-cs"/>
+      </a:defRPr>
+    </a:lvl8pPr>
+    <a:lvl9pPr marL="3657600" algn="l" defTabSz="914400" rtl="0" eaLnBrk="1" latinLnBrk="0" hangingPunct="1">
+      <a:defRPr sz="1800" kern="1200">
+        <a:solidFill>
+          <a:schemeClr val="tx1"/>
+        </a:solidFill>
+        <a:latin typeface="+mn-lt"/>
+        <a:ea typeface="+mn-ea"/>
+        <a:cs typeface="+mn-cs"/>
+      </a:defRPr>
+    </a:lvl9pPr>
+  </p:defaultTextStyle>
 </p:presentation>
 </file>
 
+<file path=ppt/revisionInfo.xml><?xml version="1.0" encoding="utf-8"?>
+<p1510:revInfo xmlns:a="http://schemas.openxmlformats.org/drawingml/2006/main" xmlns:r="http://schemas.openxmlformats.org/officeDocument/2006/relationships" xmlns:p1510="http://schemas.microsoft.com/office/powerpoint/2015/10/main">
+  <p1510:revLst>
+    <p1510:client id="{A81A3F7E-5F45-4672-999E-3D543B6A1F75}" v="30" dt="2024-05-19T04:27:40.033"/>
+  </p1510:revLst>
+</p1510:revInfo>
+</file>
+
+<file path=ppt/changesInfos/changesInfo1.xml><?xml version="1.0" encoding="utf-8"?>
+<pc:chgInfo xmlns:a="http://schemas.openxmlformats.org/drawingml/2006/main" xmlns:r="http://schemas.openxmlformats.org/officeDocument/2006/relationships" xmlns:ac="http://schemas.microsoft.com/office/drawing/2013/main/command" xmlns:pc="http://schemas.microsoft.com/office/powerpoint/2013/main/command">
+  <pc:docChgLst>
+    <pc:chgData name="Dom Cutajar" userId="6aa5a505-6b72-4ddc-963b-1e21bcbb8d12" providerId="ADAL" clId="{A81A3F7E-5F45-4672-999E-3D543B6A1F75}"/>
+    <pc:docChg chg="undo custSel addSld modSld">
+      <pc:chgData name="Dom Cutajar" userId="6aa5a505-6b72-4ddc-963b-1e21bcbb8d12" providerId="ADAL" clId="{A81A3F7E-5F45-4672-999E-3D543B6A1F75}" dt="2024-05-19T04:27:40.999" v="186" actId="20577"/>
+      <pc:docMkLst>
+        <pc:docMk/>
+      </pc:docMkLst>
+      <pc:sldChg chg="modSp mod modNotesTx">
+        <pc:chgData name="Dom Cutajar" userId="6aa5a505-6b72-4ddc-963b-1e21bcbb8d12" providerId="ADAL" clId="{A81A3F7E-5F45-4672-999E-3D543B6A1F75}" dt="2024-05-19T03:54:24.230" v="70" actId="20577"/>
+        <pc:sldMkLst>
+          <pc:docMk/>
+          <pc:sldMk cId="0" sldId="257"/>
+        </pc:sldMkLst>
+        <pc:spChg chg="mod">
+          <ac:chgData name="Dom Cutajar" userId="6aa5a505-6b72-4ddc-963b-1e21bcbb8d12" providerId="ADAL" clId="{A81A3F7E-5F45-4672-999E-3D543B6A1F75}" dt="2024-05-19T03:53:42.526" v="53" actId="20577"/>
+          <ac:spMkLst>
+            <pc:docMk/>
+            <pc:sldMk cId="0" sldId="257"/>
+            <ac:spMk id="93" creationId="{00000000-0000-0000-0000-000000000000}"/>
+          </ac:spMkLst>
+        </pc:spChg>
+        <pc:spChg chg="mod">
+          <ac:chgData name="Dom Cutajar" userId="6aa5a505-6b72-4ddc-963b-1e21bcbb8d12" providerId="ADAL" clId="{A81A3F7E-5F45-4672-999E-3D543B6A1F75}" dt="2024-05-19T03:30:16.850" v="45" actId="20577"/>
+          <ac:spMkLst>
+            <pc:docMk/>
+            <pc:sldMk cId="0" sldId="257"/>
+            <ac:spMk id="94" creationId="{00000000-0000-0000-0000-000000000000}"/>
+          </ac:spMkLst>
+        </pc:spChg>
+      </pc:sldChg>
+      <pc:sldChg chg="modSp mod">
+        <pc:chgData name="Dom Cutajar" userId="6aa5a505-6b72-4ddc-963b-1e21bcbb8d12" providerId="ADAL" clId="{A81A3F7E-5F45-4672-999E-3D543B6A1F75}" dt="2024-05-19T03:26:22.900" v="8" actId="6549"/>
+        <pc:sldMkLst>
+          <pc:docMk/>
+          <pc:sldMk cId="0" sldId="258"/>
+        </pc:sldMkLst>
+        <pc:spChg chg="mod">
+          <ac:chgData name="Dom Cutajar" userId="6aa5a505-6b72-4ddc-963b-1e21bcbb8d12" providerId="ADAL" clId="{A81A3F7E-5F45-4672-999E-3D543B6A1F75}" dt="2024-05-19T03:26:22.900" v="8" actId="6549"/>
+          <ac:spMkLst>
+            <pc:docMk/>
+            <pc:sldMk cId="0" sldId="258"/>
+            <ac:spMk id="96" creationId="{00000000-0000-0000-0000-000000000000}"/>
+          </ac:spMkLst>
+        </pc:spChg>
+      </pc:sldChg>
+      <pc:sldChg chg="modSp mod">
+        <pc:chgData name="Dom Cutajar" userId="6aa5a505-6b72-4ddc-963b-1e21bcbb8d12" providerId="ADAL" clId="{A81A3F7E-5F45-4672-999E-3D543B6A1F75}" dt="2024-05-19T03:26:30.890" v="9" actId="6549"/>
+        <pc:sldMkLst>
+          <pc:docMk/>
+          <pc:sldMk cId="0" sldId="259"/>
+        </pc:sldMkLst>
+        <pc:spChg chg="mod">
+          <ac:chgData name="Dom Cutajar" userId="6aa5a505-6b72-4ddc-963b-1e21bcbb8d12" providerId="ADAL" clId="{A81A3F7E-5F45-4672-999E-3D543B6A1F75}" dt="2024-05-19T03:26:30.890" v="9" actId="6549"/>
+          <ac:spMkLst>
+            <pc:docMk/>
+            <pc:sldMk cId="0" sldId="259"/>
+            <ac:spMk id="98" creationId="{00000000-0000-0000-0000-000000000000}"/>
+          </ac:spMkLst>
+        </pc:spChg>
+      </pc:sldChg>
+      <pc:sldChg chg="modSp mod">
+        <pc:chgData name="Dom Cutajar" userId="6aa5a505-6b72-4ddc-963b-1e21bcbb8d12" providerId="ADAL" clId="{A81A3F7E-5F45-4672-999E-3D543B6A1F75}" dt="2024-05-19T03:26:34.556" v="10" actId="6549"/>
+        <pc:sldMkLst>
+          <pc:docMk/>
+          <pc:sldMk cId="0" sldId="260"/>
+        </pc:sldMkLst>
+        <pc:spChg chg="mod">
+          <ac:chgData name="Dom Cutajar" userId="6aa5a505-6b72-4ddc-963b-1e21bcbb8d12" providerId="ADAL" clId="{A81A3F7E-5F45-4672-999E-3D543B6A1F75}" dt="2024-05-19T03:26:34.556" v="10" actId="6549"/>
+          <ac:spMkLst>
+            <pc:docMk/>
+            <pc:sldMk cId="0" sldId="260"/>
+            <ac:spMk id="100" creationId="{00000000-0000-0000-0000-000000000000}"/>
+          </ac:spMkLst>
+        </pc:spChg>
+      </pc:sldChg>
+      <pc:sldChg chg="modSp mod">
+        <pc:chgData name="Dom Cutajar" userId="6aa5a505-6b72-4ddc-963b-1e21bcbb8d12" providerId="ADAL" clId="{A81A3F7E-5F45-4672-999E-3D543B6A1F75}" dt="2024-05-19T03:26:38.153" v="11" actId="6549"/>
+        <pc:sldMkLst>
+          <pc:docMk/>
+          <pc:sldMk cId="0" sldId="261"/>
+        </pc:sldMkLst>
+        <pc:spChg chg="mod">
+          <ac:chgData name="Dom Cutajar" userId="6aa5a505-6b72-4ddc-963b-1e21bcbb8d12" providerId="ADAL" clId="{A81A3F7E-5F45-4672-999E-3D543B6A1F75}" dt="2024-05-19T03:26:38.153" v="11" actId="6549"/>
+          <ac:spMkLst>
+            <pc:docMk/>
+            <pc:sldMk cId="0" sldId="261"/>
+            <ac:spMk id="102" creationId="{00000000-0000-0000-0000-000000000000}"/>
+          </ac:spMkLst>
+        </pc:spChg>
+      </pc:sldChg>
+      <pc:sldChg chg="modSp mod">
+        <pc:chgData name="Dom Cutajar" userId="6aa5a505-6b72-4ddc-963b-1e21bcbb8d12" providerId="ADAL" clId="{A81A3F7E-5F45-4672-999E-3D543B6A1F75}" dt="2024-05-19T03:28:26.725" v="36" actId="6549"/>
+        <pc:sldMkLst>
+          <pc:docMk/>
+          <pc:sldMk cId="0" sldId="262"/>
+        </pc:sldMkLst>
+        <pc:spChg chg="mod">
+          <ac:chgData name="Dom Cutajar" userId="6aa5a505-6b72-4ddc-963b-1e21bcbb8d12" providerId="ADAL" clId="{A81A3F7E-5F45-4672-999E-3D543B6A1F75}" dt="2024-05-19T03:28:22.634" v="35" actId="20577"/>
+          <ac:spMkLst>
+            <pc:docMk/>
+            <pc:sldMk cId="0" sldId="262"/>
+            <ac:spMk id="103" creationId="{00000000-0000-0000-0000-000000000000}"/>
+          </ac:spMkLst>
+        </pc:spChg>
+        <pc:spChg chg="mod">
+          <ac:chgData name="Dom Cutajar" userId="6aa5a505-6b72-4ddc-963b-1e21bcbb8d12" providerId="ADAL" clId="{A81A3F7E-5F45-4672-999E-3D543B6A1F75}" dt="2024-05-19T03:28:26.725" v="36" actId="6549"/>
+          <ac:spMkLst>
+            <pc:docMk/>
+            <pc:sldMk cId="0" sldId="262"/>
+            <ac:spMk id="104" creationId="{00000000-0000-0000-0000-000000000000}"/>
+          </ac:spMkLst>
+        </pc:spChg>
+      </pc:sldChg>
+      <pc:sldChg chg="modSp add mod modNotesTx">
+        <pc:chgData name="Dom Cutajar" userId="6aa5a505-6b72-4ddc-963b-1e21bcbb8d12" providerId="ADAL" clId="{A81A3F7E-5F45-4672-999E-3D543B6A1F75}" dt="2024-05-19T04:27:40.999" v="186" actId="20577"/>
+        <pc:sldMkLst>
+          <pc:docMk/>
+          <pc:sldMk cId="3974403521" sldId="263"/>
+        </pc:sldMkLst>
+        <pc:spChg chg="mod">
+          <ac:chgData name="Dom Cutajar" userId="6aa5a505-6b72-4ddc-963b-1e21bcbb8d12" providerId="ADAL" clId="{A81A3F7E-5F45-4672-999E-3D543B6A1F75}" dt="2024-05-19T03:53:54.277" v="61" actId="20577"/>
+          <ac:spMkLst>
+            <pc:docMk/>
+            <pc:sldMk cId="3974403521" sldId="263"/>
+            <ac:spMk id="93" creationId="{00000000-0000-0000-0000-000000000000}"/>
+          </ac:spMkLst>
+        </pc:spChg>
+        <pc:spChg chg="mod">
+          <ac:chgData name="Dom Cutajar" userId="6aa5a505-6b72-4ddc-963b-1e21bcbb8d12" providerId="ADAL" clId="{A81A3F7E-5F45-4672-999E-3D543B6A1F75}" dt="2024-05-19T04:26:38.688" v="185" actId="20577"/>
+          <ac:spMkLst>
+            <pc:docMk/>
+            <pc:sldMk cId="3974403521" sldId="263"/>
+            <ac:spMk id="94" creationId="{00000000-0000-0000-0000-000000000000}"/>
+          </ac:spMkLst>
+        </pc:spChg>
+      </pc:sldChg>
+      <pc:sldChg chg="modSp add mod modNotesTx">
+        <pc:chgData name="Dom Cutajar" userId="6aa5a505-6b72-4ddc-963b-1e21bcbb8d12" providerId="ADAL" clId="{A81A3F7E-5F45-4672-999E-3D543B6A1F75}" dt="2024-05-19T03:54:39.422" v="74" actId="20577"/>
+        <pc:sldMkLst>
+          <pc:docMk/>
+          <pc:sldMk cId="3100188678" sldId="264"/>
+        </pc:sldMkLst>
+        <pc:spChg chg="mod">
+          <ac:chgData name="Dom Cutajar" userId="6aa5a505-6b72-4ddc-963b-1e21bcbb8d12" providerId="ADAL" clId="{A81A3F7E-5F45-4672-999E-3D543B6A1F75}" dt="2024-05-19T03:54:08.157" v="68" actId="20577"/>
+          <ac:spMkLst>
+            <pc:docMk/>
+            <pc:sldMk cId="3100188678" sldId="264"/>
+            <ac:spMk id="93" creationId="{00000000-0000-0000-0000-000000000000}"/>
+          </ac:spMkLst>
+        </pc:spChg>
+      </pc:sldChg>
+    </pc:docChg>
+  </pc:docChgLst>
+</pc:chgInfo>
+</file>
+
+<file path=ppt/notesMasters/notesMaster1.xml><?xml version="1.0" encoding="utf-8"?>
+<p:notesMaster xmlns:a="http://schemas.openxmlformats.org/drawingml/2006/main" xmlns:r="http://schemas.openxmlformats.org/officeDocument/2006/relationships" xmlns:p="http://schemas.openxmlformats.org/presentationml/2006/main">
+  <p:cSld>
+    <p:bg>
+      <p:bgRef idx="1001">
+        <a:schemeClr val="bg1"/>
+      </p:bgRef>
+    </p:bg>
+    <p:spTree>
+      <p:nvGrpSpPr>
+        <p:cNvPr id="1" name=""/>
+        <p:cNvGrpSpPr/>
+        <p:nvPr/>
+      </p:nvGrpSpPr>
+      <p:grpSpPr>
+        <a:xfrm>
+          <a:off x="0" y="0"/>
+          <a:ext cx="0" cy="0"/>
+          <a:chOff x="0" y="0"/>
+          <a:chExt cx="0" cy="0"/>
+        </a:xfrm>
+      </p:grpSpPr>
+      <p:sp>
+        <p:nvSpPr>
+          <p:cNvPr id="2" name="Header Placeholder 1"/>
+          <p:cNvSpPr>
+            <a:spLocks noGrp="1"/>
+          </p:cNvSpPr>
+          <p:nvPr>
+            <p:ph type="hdr" sz="quarter"/>
+          </p:nvPr>
+        </p:nvSpPr>
+        <p:spPr>
+          <a:xfrm>
+            <a:off x="0" y="0"/>
+            <a:ext cx="3276600" cy="536575"/>
+          </a:xfrm>
+          <a:prstGeom prst="rect">
+            <a:avLst/>
+          </a:prstGeom>
+        </p:spPr>
+        <p:txBody>
+          <a:bodyPr vert="horz" lIns="91440" tIns="45720" rIns="91440" bIns="45720" rtlCol="0"/>
+          <a:lstStyle>
+            <a:lvl1pPr algn="l">
+              <a:defRPr sz="1200"/>
+            </a:lvl1pPr>
+          </a:lstStyle>
+          <a:p>
+            <a:endParaRPr lang="en-AU"/>
+          </a:p>
+        </p:txBody>
+      </p:sp>
+      <p:sp>
+        <p:nvSpPr>
+          <p:cNvPr id="3" name="Date Placeholder 2"/>
+          <p:cNvSpPr>
+            <a:spLocks noGrp="1"/>
+          </p:cNvSpPr>
+          <p:nvPr>
+            <p:ph type="dt" idx="1"/>
+          </p:nvPr>
+        </p:nvSpPr>
+        <p:spPr>
+          <a:xfrm>
+            <a:off x="4281488" y="0"/>
+            <a:ext cx="3276600" cy="536575"/>
+          </a:xfrm>
+          <a:prstGeom prst="rect">
+            <a:avLst/>
+          </a:prstGeom>
+        </p:spPr>
+        <p:txBody>
+          <a:bodyPr vert="horz" lIns="91440" tIns="45720" rIns="91440" bIns="45720" rtlCol="0"/>
+          <a:lstStyle>
+            <a:lvl1pPr algn="r">
+              <a:defRPr sz="1200"/>
+            </a:lvl1pPr>
+          </a:lstStyle>
+          <a:p>
+            <a:fld id="{541F43F8-24B4-4CCE-87CA-06CCD80D0157}" type="datetimeFigureOut">
+              <a:rPr lang="en-AU" smtClean="0"/>
+              <a:t>19/05/2024</a:t>
+            </a:fld>
+            <a:endParaRPr lang="en-AU"/>
+          </a:p>
+        </p:txBody>
+      </p:sp>
+      <p:sp>
+        <p:nvSpPr>
+          <p:cNvPr id="4" name="Slide Image Placeholder 3"/>
+          <p:cNvSpPr>
+            <a:spLocks noGrp="1" noRot="1" noChangeAspect="1"/>
+          </p:cNvSpPr>
+          <p:nvPr>
+            <p:ph type="sldImg" idx="2"/>
+          </p:nvPr>
+        </p:nvSpPr>
+        <p:spPr>
+          <a:xfrm>
+            <a:off x="573088" y="1336675"/>
+            <a:ext cx="6413500" cy="3608388"/>
+          </a:xfrm>
+          <a:prstGeom prst="rect">
+            <a:avLst/>
+          </a:prstGeom>
+          <a:noFill/>
+          <a:ln w="12700">
+            <a:solidFill>
+              <a:prstClr val="black"/>
+            </a:solidFill>
+          </a:ln>
+        </p:spPr>
+        <p:txBody>
+          <a:bodyPr vert="horz" lIns="91440" tIns="45720" rIns="91440" bIns="45720" rtlCol="0" anchor="ctr"/>
+          <a:lstStyle/>
+          <a:p>
+            <a:endParaRPr lang="en-AU"/>
+          </a:p>
+        </p:txBody>
+      </p:sp>
+      <p:sp>
+        <p:nvSpPr>
+          <p:cNvPr id="5" name="Notes Placeholder 4"/>
+          <p:cNvSpPr>
+            <a:spLocks noGrp="1"/>
+          </p:cNvSpPr>
+          <p:nvPr>
+            <p:ph type="body" sz="quarter" idx="3"/>
+          </p:nvPr>
+        </p:nvSpPr>
+        <p:spPr>
+          <a:xfrm>
+            <a:off x="755650" y="5145088"/>
+            <a:ext cx="6048375" cy="4210050"/>
+          </a:xfrm>
+          <a:prstGeom prst="rect">
+            <a:avLst/>
+          </a:prstGeom>
+        </p:spPr>
+        <p:txBody>
+          <a:bodyPr vert="horz" lIns="91440" tIns="45720" rIns="91440" bIns="45720" rtlCol="0"/>
+          <a:lstStyle/>
+          <a:p>
+            <a:pPr lvl="0"/>
+            <a:r>
+              <a:rPr lang="en-US"/>
+              <a:t>Click to edit Master text styles</a:t>
+            </a:r>
+          </a:p>
+          <a:p>
+            <a:pPr lvl="1"/>
+            <a:r>
+              <a:rPr lang="en-US"/>
+              <a:t>Second level</a:t>
+            </a:r>
+          </a:p>
+          <a:p>
+            <a:pPr lvl="2"/>
+            <a:r>
+              <a:rPr lang="en-US"/>
+              <a:t>Third level</a:t>
+            </a:r>
+          </a:p>
+          <a:p>
+            <a:pPr lvl="3"/>
+            <a:r>
+              <a:rPr lang="en-US"/>
+              <a:t>Fourth level</a:t>
+            </a:r>
+          </a:p>
+          <a:p>
+            <a:pPr lvl="4"/>
+            <a:r>
+              <a:rPr lang="en-US"/>
+              <a:t>Fifth level</a:t>
+            </a:r>
+            <a:endParaRPr lang="en-AU"/>
+          </a:p>
+        </p:txBody>
+      </p:sp>
+      <p:sp>
+        <p:nvSpPr>
+          <p:cNvPr id="6" name="Footer Placeholder 5"/>
+          <p:cNvSpPr>
+            <a:spLocks noGrp="1"/>
+          </p:cNvSpPr>
+          <p:nvPr>
+            <p:ph type="ftr" sz="quarter" idx="4"/>
+          </p:nvPr>
+        </p:nvSpPr>
+        <p:spPr>
+          <a:xfrm>
+            <a:off x="0" y="10155238"/>
+            <a:ext cx="3276600" cy="536575"/>
+          </a:xfrm>
+          <a:prstGeom prst="rect">
+            <a:avLst/>
+          </a:prstGeom>
+        </p:spPr>
+        <p:txBody>
+          <a:bodyPr vert="horz" lIns="91440" tIns="45720" rIns="91440" bIns="45720" rtlCol="0" anchor="b"/>
+          <a:lstStyle>
+            <a:lvl1pPr algn="l">
+              <a:defRPr sz="1200"/>
+            </a:lvl1pPr>
+          </a:lstStyle>
+          <a:p>
+            <a:endParaRPr lang="en-AU"/>
+          </a:p>
+        </p:txBody>
+      </p:sp>
+      <p:sp>
+        <p:nvSpPr>
+          <p:cNvPr id="7" name="Slide Number Placeholder 6"/>
+          <p:cNvSpPr>
+            <a:spLocks noGrp="1"/>
+          </p:cNvSpPr>
+          <p:nvPr>
+            <p:ph type="sldNum" sz="quarter" idx="5"/>
+          </p:nvPr>
+        </p:nvSpPr>
+        <p:spPr>
+          <a:xfrm>
+            <a:off x="4281488" y="10155238"/>
+            <a:ext cx="3276600" cy="536575"/>
+          </a:xfrm>
+          <a:prstGeom prst="rect">
+            <a:avLst/>
+          </a:prstGeom>
+        </p:spPr>
+        <p:txBody>
+          <a:bodyPr vert="horz" lIns="91440" tIns="45720" rIns="91440" bIns="45720" rtlCol="0" anchor="b"/>
+          <a:lstStyle>
+            <a:lvl1pPr algn="r">
+              <a:defRPr sz="1200"/>
+            </a:lvl1pPr>
+          </a:lstStyle>
+          <a:p>
+            <a:fld id="{5C502F12-CA8B-4AB1-BEF7-F35D688B910D}" type="slidenum">
+              <a:rPr lang="en-AU" smtClean="0"/>
+              <a:t>‹#›</a:t>
+            </a:fld>
+            <a:endParaRPr lang="en-AU"/>
+          </a:p>
+        </p:txBody>
+      </p:sp>
+    </p:spTree>
+    <p:extLst>
+      <p:ext uri="{BB962C8B-B14F-4D97-AF65-F5344CB8AC3E}">
+        <p14:creationId xmlns:p14="http://schemas.microsoft.com/office/powerpoint/2010/main" val="3588975487"/>
+      </p:ext>
+    </p:extLst>
+  </p:cSld>
+  <p:clrMap bg1="lt1" tx1="dk1" bg2="lt2" tx2="dk2" accent1="accent1" accent2="accent2" accent3="accent3" accent4="accent4" accent5="accent5" accent6="accent6" hlink="hlink" folHlink="folHlink"/>
+  <p:notesStyle>
+    <a:lvl1pPr marL="0" algn="l" defTabSz="914400" rtl="0" eaLnBrk="1" latinLnBrk="0" hangingPunct="1">
+      <a:defRPr sz="1200" kern="1200">
+        <a:solidFill>
+          <a:schemeClr val="tx1"/>
+        </a:solidFill>
+        <a:latin typeface="+mn-lt"/>
+        <a:ea typeface="+mn-ea"/>
+        <a:cs typeface="+mn-cs"/>
+      </a:defRPr>
+    </a:lvl1pPr>
+    <a:lvl2pPr marL="457200" algn="l" defTabSz="914400" rtl="0" eaLnBrk="1" latinLnBrk="0" hangingPunct="1">
+      <a:defRPr sz="1200" kern="1200">
+        <a:solidFill>
+          <a:schemeClr val="tx1"/>
+        </a:solidFill>
+        <a:latin typeface="+mn-lt"/>
+        <a:ea typeface="+mn-ea"/>
+        <a:cs typeface="+mn-cs"/>
+      </a:defRPr>
+    </a:lvl2pPr>
+    <a:lvl3pPr marL="914400" algn="l" defTabSz="914400" rtl="0" eaLnBrk="1" latinLnBrk="0" hangingPunct="1">
+      <a:defRPr sz="1200" kern="1200">
+        <a:solidFill>
+          <a:schemeClr val="tx1"/>
+        </a:solidFill>
+        <a:latin typeface="+mn-lt"/>
+        <a:ea typeface="+mn-ea"/>
+        <a:cs typeface="+mn-cs"/>
+      </a:defRPr>
+    </a:lvl3pPr>
+    <a:lvl4pPr marL="1371600" algn="l" defTabSz="914400" rtl="0" eaLnBrk="1" latinLnBrk="0" hangingPunct="1">
+      <a:defRPr sz="1200" kern="1200">
+        <a:solidFill>
+          <a:schemeClr val="tx1"/>
+        </a:solidFill>
+        <a:latin typeface="+mn-lt"/>
+        <a:ea typeface="+mn-ea"/>
+        <a:cs typeface="+mn-cs"/>
+      </a:defRPr>
+    </a:lvl4pPr>
+    <a:lvl5pPr marL="1828800" algn="l" defTabSz="914400" rtl="0" eaLnBrk="1" latinLnBrk="0" hangingPunct="1">
+      <a:defRPr sz="1200" kern="1200">
+        <a:solidFill>
+          <a:schemeClr val="tx1"/>
+        </a:solidFill>
+        <a:latin typeface="+mn-lt"/>
+        <a:ea typeface="+mn-ea"/>
+        <a:cs typeface="+mn-cs"/>
+      </a:defRPr>
+    </a:lvl5pPr>
+    <a:lvl6pPr marL="2286000" algn="l" defTabSz="914400" rtl="0" eaLnBrk="1" latinLnBrk="0" hangingPunct="1">
+      <a:defRPr sz="1200" kern="1200">
+        <a:solidFill>
+          <a:schemeClr val="tx1"/>
+        </a:solidFill>
+        <a:latin typeface="+mn-lt"/>
+        <a:ea typeface="+mn-ea"/>
+        <a:cs typeface="+mn-cs"/>
+      </a:defRPr>
+    </a:lvl6pPr>
+    <a:lvl7pPr marL="2743200" algn="l" defTabSz="914400" rtl="0" eaLnBrk="1" latinLnBrk="0" hangingPunct="1">
+      <a:defRPr sz="1200" kern="1200">
+        <a:solidFill>
+          <a:schemeClr val="tx1"/>
+        </a:solidFill>
+        <a:latin typeface="+mn-lt"/>
+        <a:ea typeface="+mn-ea"/>
+        <a:cs typeface="+mn-cs"/>
+      </a:defRPr>
+    </a:lvl7pPr>
+    <a:lvl8pPr marL="3200400" algn="l" defTabSz="914400" rtl="0" eaLnBrk="1" latinLnBrk="0" hangingPunct="1">
+      <a:defRPr sz="1200" kern="1200">
+        <a:solidFill>
+          <a:schemeClr val="tx1"/>
+        </a:solidFill>
+        <a:latin typeface="+mn-lt"/>
+        <a:ea typeface="+mn-ea"/>
+        <a:cs typeface="+mn-cs"/>
+      </a:defRPr>
+    </a:lvl8pPr>
+    <a:lvl9pPr marL="3657600" algn="l" defTabSz="914400" rtl="0" eaLnBrk="1" latinLnBrk="0" hangingPunct="1">
+      <a:defRPr sz="1200" kern="1200">
+        <a:solidFill>
+          <a:schemeClr val="tx1"/>
+        </a:solidFill>
+        <a:latin typeface="+mn-lt"/>
+        <a:ea typeface="+mn-ea"/>
+        <a:cs typeface="+mn-cs"/>
+      </a:defRPr>
+    </a:lvl9pPr>
+  </p:notesStyle>
+</p:notesMaster>
+</file>
+
+<file path=ppt/notesSlides/notesSlide1.xml><?xml version="1.0" encoding="utf-8"?>
+<p:notes xmlns:a="http://schemas.openxmlformats.org/drawingml/2006/main" xmlns:r="http://schemas.openxmlformats.org/officeDocument/2006/relationships" xmlns:p="http://schemas.openxmlformats.org/presentationml/2006/main">
+  <p:cSld>
+    <p:spTree>
+      <p:nvGrpSpPr>
+        <p:cNvPr id="1" name=""/>
+        <p:cNvGrpSpPr/>
+        <p:nvPr/>
+      </p:nvGrpSpPr>
+      <p:grpSpPr>
+        <a:xfrm>
+          <a:off x="0" y="0"/>
+          <a:ext cx="0" cy="0"/>
+          <a:chOff x="0" y="0"/>
+          <a:chExt cx="0" cy="0"/>
+        </a:xfrm>
+      </p:grpSpPr>
+      <p:sp>
+        <p:nvSpPr>
+          <p:cNvPr id="2" name="Slide Image Placeholder 1"/>
+          <p:cNvSpPr>
+            <a:spLocks noGrp="1" noRot="1" noChangeAspect="1"/>
+          </p:cNvSpPr>
+          <p:nvPr>
+            <p:ph type="sldImg"/>
+          </p:nvPr>
+        </p:nvSpPr>
+        <p:spPr/>
+      </p:sp>
+      <p:sp>
+        <p:nvSpPr>
+          <p:cNvPr id="3" name="Notes Placeholder 2"/>
+          <p:cNvSpPr>
+            <a:spLocks noGrp="1"/>
+          </p:cNvSpPr>
+          <p:nvPr>
+            <p:ph type="body" idx="1"/>
+          </p:nvPr>
+        </p:nvSpPr>
+        <p:spPr/>
+        <p:txBody>
+          <a:bodyPr/>
+          <a:lstStyle/>
+          <a:p>
+            <a:pPr marL="91440" indent="-91440">
+              <a:lnSpc>
+                <a:spcPct val="90000"/>
+              </a:lnSpc>
+              <a:spcBef>
+                <a:spcPts val="1199"/>
+              </a:spcBef>
+              <a:spcAft>
+                <a:spcPts val="201"/>
+              </a:spcAft>
+              <a:buClr>
+                <a:srgbClr val="E48312"/>
+              </a:buClr>
+              <a:buFont typeface="Calibri"/>
+              <a:buChar char=" "/>
+            </a:pPr>
+            <a:r>
+              <a:rPr lang="en-AU" sz="1200" b="0" strike="noStrike" spc="-1" dirty="0">
+                <a:solidFill>
+                  <a:srgbClr val="404040"/>
+                </a:solidFill>
+                <a:latin typeface="Calibri"/>
+              </a:rPr>
+              <a:t>What it is, what it does, what it looks like</a:t>
+            </a:r>
+            <a:endParaRPr lang="en-US" sz="1200" b="0" strike="noStrike" spc="-1" dirty="0">
+              <a:solidFill>
+                <a:srgbClr val="404040"/>
+              </a:solidFill>
+              <a:latin typeface="Calibri"/>
+            </a:endParaRPr>
+          </a:p>
+          <a:p>
+            <a:pPr marL="91440" indent="-91440">
+              <a:lnSpc>
+                <a:spcPct val="90000"/>
+              </a:lnSpc>
+              <a:spcBef>
+                <a:spcPts val="1199"/>
+              </a:spcBef>
+              <a:spcAft>
+                <a:spcPts val="201"/>
+              </a:spcAft>
+              <a:buClr>
+                <a:srgbClr val="E48312"/>
+              </a:buClr>
+              <a:buFont typeface="Calibri"/>
+              <a:buChar char=" "/>
+            </a:pPr>
+            <a:r>
+              <a:rPr lang="en-AU" sz="1200" b="0" strike="noStrike" spc="-1" dirty="0">
+                <a:solidFill>
+                  <a:srgbClr val="404040"/>
+                </a:solidFill>
+                <a:latin typeface="Calibri"/>
+              </a:rPr>
+              <a:t>You should include a screenshot</a:t>
+            </a:r>
+            <a:endParaRPr lang="en-US" sz="1200" b="0" strike="noStrike" spc="-1" dirty="0">
+              <a:solidFill>
+                <a:srgbClr val="404040"/>
+              </a:solidFill>
+              <a:latin typeface="Calibri"/>
+            </a:endParaRPr>
+          </a:p>
+          <a:p>
+            <a:pPr marL="91440" indent="-91440">
+              <a:lnSpc>
+                <a:spcPct val="90000"/>
+              </a:lnSpc>
+              <a:spcBef>
+                <a:spcPts val="1199"/>
+              </a:spcBef>
+              <a:spcAft>
+                <a:spcPts val="201"/>
+              </a:spcAft>
+              <a:buClr>
+                <a:srgbClr val="E48312"/>
+              </a:buClr>
+              <a:buFont typeface="Calibri"/>
+              <a:buChar char=" "/>
+            </a:pPr>
+            <a:r>
+              <a:rPr lang="en-AU" sz="1200" b="0" strike="noStrike" spc="-1" dirty="0">
+                <a:solidFill>
+                  <a:srgbClr val="404040"/>
+                </a:solidFill>
+                <a:latin typeface="Calibri"/>
+              </a:rPr>
+              <a:t>List of key features as bullet points</a:t>
+            </a:r>
+          </a:p>
+          <a:p>
+            <a:pPr marL="91440" indent="-91440">
+              <a:lnSpc>
+                <a:spcPct val="90000"/>
+              </a:lnSpc>
+              <a:spcBef>
+                <a:spcPts val="1199"/>
+              </a:spcBef>
+              <a:spcAft>
+                <a:spcPts val="201"/>
+              </a:spcAft>
+              <a:buClr>
+                <a:srgbClr val="E48312"/>
+              </a:buClr>
+              <a:buFont typeface="Calibri"/>
+              <a:buChar char=" "/>
+            </a:pPr>
+            <a:endParaRPr lang="en-US" b="0" i="0" dirty="0">
+              <a:solidFill>
+                <a:srgbClr val="2D3B45"/>
+              </a:solidFill>
+              <a:effectLst/>
+              <a:highlight>
+                <a:srgbClr val="FFFFFF"/>
+              </a:highlight>
+              <a:latin typeface="LatoWeb"/>
+            </a:endParaRPr>
+          </a:p>
+          <a:p>
+            <a:pPr marL="91440" indent="-91440">
+              <a:lnSpc>
+                <a:spcPct val="90000"/>
+              </a:lnSpc>
+              <a:spcBef>
+                <a:spcPts val="1199"/>
+              </a:spcBef>
+              <a:spcAft>
+                <a:spcPts val="201"/>
+              </a:spcAft>
+              <a:buClr>
+                <a:srgbClr val="E48312"/>
+              </a:buClr>
+              <a:buFont typeface="Calibri"/>
+              <a:buChar char=" "/>
+            </a:pPr>
+            <a:r>
+              <a:rPr lang="en-US" b="0" i="0" dirty="0">
+                <a:solidFill>
+                  <a:srgbClr val="2D3B45"/>
+                </a:solidFill>
+                <a:effectLst/>
+                <a:highlight>
+                  <a:srgbClr val="FFFFFF"/>
+                </a:highlight>
+                <a:latin typeface="LatoWeb"/>
+              </a:rPr>
+              <a:t>what the projects aims to achieve</a:t>
+            </a:r>
+            <a:endParaRPr lang="en-AU" dirty="0"/>
+          </a:p>
+        </p:txBody>
+      </p:sp>
+      <p:sp>
+        <p:nvSpPr>
+          <p:cNvPr id="4" name="Slide Number Placeholder 3"/>
+          <p:cNvSpPr>
+            <a:spLocks noGrp="1"/>
+          </p:cNvSpPr>
+          <p:nvPr>
+            <p:ph type="sldNum" sz="quarter" idx="5"/>
+          </p:nvPr>
+        </p:nvSpPr>
+        <p:spPr/>
+        <p:txBody>
+          <a:bodyPr/>
+          <a:lstStyle/>
+          <a:p>
+            <a:fld id="{5C502F12-CA8B-4AB1-BEF7-F35D688B910D}" type="slidenum">
+              <a:rPr lang="en-AU" smtClean="0"/>
+              <a:t>2</a:t>
+            </a:fld>
+            <a:endParaRPr lang="en-AU"/>
+          </a:p>
+        </p:txBody>
+      </p:sp>
+    </p:spTree>
+    <p:extLst>
+      <p:ext uri="{BB962C8B-B14F-4D97-AF65-F5344CB8AC3E}">
+        <p14:creationId xmlns:p14="http://schemas.microsoft.com/office/powerpoint/2010/main" val="1813589100"/>
+      </p:ext>
+    </p:extLst>
+  </p:cSld>
+  <p:clrMapOvr>
+    <a:masterClrMapping/>
+  </p:clrMapOvr>
+</p:notes>
+</file>
+
+<file path=ppt/notesSlides/notesSlide2.xml><?xml version="1.0" encoding="utf-8"?>
+<p:notes xmlns:a="http://schemas.openxmlformats.org/drawingml/2006/main" xmlns:r="http://schemas.openxmlformats.org/officeDocument/2006/relationships" xmlns:p="http://schemas.openxmlformats.org/presentationml/2006/main">
+  <p:cSld>
+    <p:spTree>
+      <p:nvGrpSpPr>
+        <p:cNvPr id="1" name=""/>
+        <p:cNvGrpSpPr/>
+        <p:nvPr/>
+      </p:nvGrpSpPr>
+      <p:grpSpPr>
+        <a:xfrm>
+          <a:off x="0" y="0"/>
+          <a:ext cx="0" cy="0"/>
+          <a:chOff x="0" y="0"/>
+          <a:chExt cx="0" cy="0"/>
+        </a:xfrm>
+      </p:grpSpPr>
+      <p:sp>
+        <p:nvSpPr>
+          <p:cNvPr id="2" name="Slide Image Placeholder 1"/>
+          <p:cNvSpPr>
+            <a:spLocks noGrp="1" noRot="1" noChangeAspect="1"/>
+          </p:cNvSpPr>
+          <p:nvPr>
+            <p:ph type="sldImg"/>
+          </p:nvPr>
+        </p:nvSpPr>
+        <p:spPr/>
+      </p:sp>
+      <p:sp>
+        <p:nvSpPr>
+          <p:cNvPr id="3" name="Notes Placeholder 2"/>
+          <p:cNvSpPr>
+            <a:spLocks noGrp="1"/>
+          </p:cNvSpPr>
+          <p:nvPr>
+            <p:ph type="body" idx="1"/>
+          </p:nvPr>
+        </p:nvSpPr>
+        <p:spPr/>
+        <p:txBody>
+          <a:bodyPr/>
+          <a:lstStyle/>
+          <a:p>
+            <a:pPr marL="91440" indent="-91440">
+              <a:lnSpc>
+                <a:spcPct val="90000"/>
+              </a:lnSpc>
+              <a:spcBef>
+                <a:spcPts val="1199"/>
+              </a:spcBef>
+              <a:spcAft>
+                <a:spcPts val="201"/>
+              </a:spcAft>
+              <a:buClr>
+                <a:srgbClr val="E48312"/>
+              </a:buClr>
+              <a:buFont typeface="Calibri"/>
+              <a:buChar char=" "/>
+            </a:pPr>
+            <a:r>
+              <a:rPr lang="en-AU" sz="1200" b="0" strike="noStrike" spc="-1" dirty="0">
+                <a:solidFill>
+                  <a:srgbClr val="404040"/>
+                </a:solidFill>
+                <a:latin typeface="Calibri"/>
+              </a:rPr>
+              <a:t>What it is, what it does, what it looks like</a:t>
+            </a:r>
+            <a:endParaRPr lang="en-US" sz="1200" b="0" strike="noStrike" spc="-1" dirty="0">
+              <a:solidFill>
+                <a:srgbClr val="404040"/>
+              </a:solidFill>
+              <a:latin typeface="Calibri"/>
+            </a:endParaRPr>
+          </a:p>
+          <a:p>
+            <a:pPr marL="91440" indent="-91440">
+              <a:lnSpc>
+                <a:spcPct val="90000"/>
+              </a:lnSpc>
+              <a:spcBef>
+                <a:spcPts val="1199"/>
+              </a:spcBef>
+              <a:spcAft>
+                <a:spcPts val="201"/>
+              </a:spcAft>
+              <a:buClr>
+                <a:srgbClr val="E48312"/>
+              </a:buClr>
+              <a:buFont typeface="Calibri"/>
+              <a:buChar char=" "/>
+            </a:pPr>
+            <a:r>
+              <a:rPr lang="en-AU" sz="1200" b="0" strike="noStrike" spc="-1" dirty="0">
+                <a:solidFill>
+                  <a:srgbClr val="404040"/>
+                </a:solidFill>
+                <a:latin typeface="Calibri"/>
+              </a:rPr>
+              <a:t>You should include a screenshot</a:t>
+            </a:r>
+            <a:endParaRPr lang="en-US" sz="1200" b="0" strike="noStrike" spc="-1" dirty="0">
+              <a:solidFill>
+                <a:srgbClr val="404040"/>
+              </a:solidFill>
+              <a:latin typeface="Calibri"/>
+            </a:endParaRPr>
+          </a:p>
+          <a:p>
+            <a:pPr marL="91440" indent="-91440">
+              <a:lnSpc>
+                <a:spcPct val="90000"/>
+              </a:lnSpc>
+              <a:spcBef>
+                <a:spcPts val="1199"/>
+              </a:spcBef>
+              <a:spcAft>
+                <a:spcPts val="201"/>
+              </a:spcAft>
+              <a:buClr>
+                <a:srgbClr val="E48312"/>
+              </a:buClr>
+              <a:buFont typeface="Calibri"/>
+              <a:buChar char=" "/>
+            </a:pPr>
+            <a:r>
+              <a:rPr lang="en-AU" sz="1200" b="0" strike="noStrike" spc="-1" dirty="0">
+                <a:solidFill>
+                  <a:srgbClr val="404040"/>
+                </a:solidFill>
+                <a:latin typeface="Calibri"/>
+              </a:rPr>
+              <a:t>List of key features as bullet points</a:t>
+            </a:r>
+          </a:p>
+          <a:p>
+            <a:pPr marL="91440" indent="-91440">
+              <a:lnSpc>
+                <a:spcPct val="90000"/>
+              </a:lnSpc>
+              <a:spcBef>
+                <a:spcPts val="1199"/>
+              </a:spcBef>
+              <a:spcAft>
+                <a:spcPts val="201"/>
+              </a:spcAft>
+              <a:buClr>
+                <a:srgbClr val="E48312"/>
+              </a:buClr>
+              <a:buFont typeface="Calibri"/>
+              <a:buChar char=" "/>
+            </a:pPr>
+            <a:endParaRPr lang="en-AU" sz="1200" b="0" i="0" strike="noStrike" spc="-1" dirty="0">
+              <a:solidFill>
+                <a:srgbClr val="404040"/>
+              </a:solidFill>
+              <a:effectLst/>
+              <a:highlight>
+                <a:srgbClr val="FFFFFF"/>
+              </a:highlight>
+              <a:latin typeface="Calibri"/>
+            </a:endParaRPr>
+          </a:p>
+          <a:p>
+            <a:pPr marL="91440" indent="-91440">
+              <a:lnSpc>
+                <a:spcPct val="90000"/>
+              </a:lnSpc>
+              <a:spcBef>
+                <a:spcPts val="1199"/>
+              </a:spcBef>
+              <a:spcAft>
+                <a:spcPts val="201"/>
+              </a:spcAft>
+              <a:buClr>
+                <a:srgbClr val="E48312"/>
+              </a:buClr>
+              <a:buFont typeface="Calibri"/>
+              <a:buChar char=" "/>
+            </a:pPr>
+            <a:r>
+              <a:rPr lang="en-US" b="0" i="0" dirty="0">
+                <a:solidFill>
+                  <a:srgbClr val="2D3B45"/>
+                </a:solidFill>
+                <a:effectLst/>
+                <a:highlight>
+                  <a:srgbClr val="FFFFFF"/>
+                </a:highlight>
+                <a:latin typeface="LatoWeb"/>
+              </a:rPr>
+              <a:t>what the team decided </a:t>
+            </a:r>
+            <a:r>
+              <a:rPr lang="en-US" b="0" i="0">
+                <a:solidFill>
+                  <a:srgbClr val="2D3B45"/>
+                </a:solidFill>
+                <a:effectLst/>
+                <a:highlight>
+                  <a:srgbClr val="FFFFFF"/>
+                </a:highlight>
+                <a:latin typeface="LatoWeb"/>
+              </a:rPr>
+              <a:t>to implement</a:t>
+            </a:r>
+          </a:p>
+          <a:p>
+            <a:pPr marL="91440" indent="-91440">
+              <a:lnSpc>
+                <a:spcPct val="90000"/>
+              </a:lnSpc>
+              <a:spcBef>
+                <a:spcPts val="1199"/>
+              </a:spcBef>
+              <a:spcAft>
+                <a:spcPts val="201"/>
+              </a:spcAft>
+              <a:buClr>
+                <a:srgbClr val="E48312"/>
+              </a:buClr>
+              <a:buFont typeface="Calibri"/>
+              <a:buChar char=" "/>
+            </a:pPr>
+            <a:r>
+              <a:rPr lang="en-US" b="0" i="0">
+                <a:solidFill>
+                  <a:srgbClr val="2D3B45"/>
+                </a:solidFill>
+                <a:effectLst/>
+                <a:highlight>
+                  <a:srgbClr val="FFFFFF"/>
+                </a:highlight>
+                <a:latin typeface="LatoWeb"/>
+              </a:rPr>
+              <a:t>Features </a:t>
+            </a:r>
+            <a:r>
+              <a:rPr lang="en-US" b="0" i="0" dirty="0">
+                <a:solidFill>
+                  <a:srgbClr val="2D3B45"/>
+                </a:solidFill>
+                <a:effectLst/>
+                <a:highlight>
+                  <a:srgbClr val="FFFFFF"/>
+                </a:highlight>
+                <a:latin typeface="LatoWeb"/>
+              </a:rPr>
+              <a:t>are listed and discussed exhaustively and convincingly</a:t>
+            </a:r>
+            <a:endParaRPr lang="en-AU" dirty="0"/>
+          </a:p>
+        </p:txBody>
+      </p:sp>
+      <p:sp>
+        <p:nvSpPr>
+          <p:cNvPr id="4" name="Slide Number Placeholder 3"/>
+          <p:cNvSpPr>
+            <a:spLocks noGrp="1"/>
+          </p:cNvSpPr>
+          <p:nvPr>
+            <p:ph type="sldNum" sz="quarter" idx="5"/>
+          </p:nvPr>
+        </p:nvSpPr>
+        <p:spPr/>
+        <p:txBody>
+          <a:bodyPr/>
+          <a:lstStyle/>
+          <a:p>
+            <a:fld id="{5C502F12-CA8B-4AB1-BEF7-F35D688B910D}" type="slidenum">
+              <a:rPr lang="en-AU" smtClean="0"/>
+              <a:t>3</a:t>
+            </a:fld>
+            <a:endParaRPr lang="en-AU"/>
+          </a:p>
+        </p:txBody>
+      </p:sp>
+    </p:spTree>
+    <p:extLst>
+      <p:ext uri="{BB962C8B-B14F-4D97-AF65-F5344CB8AC3E}">
+        <p14:creationId xmlns:p14="http://schemas.microsoft.com/office/powerpoint/2010/main" val="1267581864"/>
+      </p:ext>
+    </p:extLst>
+  </p:cSld>
+  <p:clrMapOvr>
+    <a:masterClrMapping/>
+  </p:clrMapOvr>
+</p:notes>
+</file>
+
+<file path=ppt/notesSlides/notesSlide3.xml><?xml version="1.0" encoding="utf-8"?>
+<p:notes xmlns:a="http://schemas.openxmlformats.org/drawingml/2006/main" xmlns:r="http://schemas.openxmlformats.org/officeDocument/2006/relationships" xmlns:p="http://schemas.openxmlformats.org/presentationml/2006/main">
+  <p:cSld>
+    <p:spTree>
+      <p:nvGrpSpPr>
+        <p:cNvPr id="1" name=""/>
+        <p:cNvGrpSpPr/>
+        <p:nvPr/>
+      </p:nvGrpSpPr>
+      <p:grpSpPr>
+        <a:xfrm>
+          <a:off x="0" y="0"/>
+          <a:ext cx="0" cy="0"/>
+          <a:chOff x="0" y="0"/>
+          <a:chExt cx="0" cy="0"/>
+        </a:xfrm>
+      </p:grpSpPr>
+      <p:sp>
+        <p:nvSpPr>
+          <p:cNvPr id="2" name="Slide Image Placeholder 1"/>
+          <p:cNvSpPr>
+            <a:spLocks noGrp="1" noRot="1" noChangeAspect="1"/>
+          </p:cNvSpPr>
+          <p:nvPr>
+            <p:ph type="sldImg"/>
+          </p:nvPr>
+        </p:nvSpPr>
+        <p:spPr/>
+      </p:sp>
+      <p:sp>
+        <p:nvSpPr>
+          <p:cNvPr id="3" name="Notes Placeholder 2"/>
+          <p:cNvSpPr>
+            <a:spLocks noGrp="1"/>
+          </p:cNvSpPr>
+          <p:nvPr>
+            <p:ph type="body" idx="1"/>
+          </p:nvPr>
+        </p:nvSpPr>
+        <p:spPr/>
+        <p:txBody>
+          <a:bodyPr/>
+          <a:lstStyle/>
+          <a:p>
+            <a:pPr marL="91440" indent="-91440">
+              <a:lnSpc>
+                <a:spcPct val="90000"/>
+              </a:lnSpc>
+              <a:spcBef>
+                <a:spcPts val="1199"/>
+              </a:spcBef>
+              <a:spcAft>
+                <a:spcPts val="201"/>
+              </a:spcAft>
+              <a:buClr>
+                <a:srgbClr val="E48312"/>
+              </a:buClr>
+              <a:buFont typeface="Calibri"/>
+              <a:buChar char=" "/>
+            </a:pPr>
+            <a:r>
+              <a:rPr lang="en-AU" sz="1200" b="0" strike="noStrike" spc="-1" dirty="0">
+                <a:solidFill>
+                  <a:srgbClr val="404040"/>
+                </a:solidFill>
+                <a:latin typeface="Calibri"/>
+              </a:rPr>
+              <a:t>What it is, what it does, what it looks like</a:t>
+            </a:r>
+            <a:endParaRPr lang="en-US" sz="1200" b="0" strike="noStrike" spc="-1" dirty="0">
+              <a:solidFill>
+                <a:srgbClr val="404040"/>
+              </a:solidFill>
+              <a:latin typeface="Calibri"/>
+            </a:endParaRPr>
+          </a:p>
+          <a:p>
+            <a:pPr marL="91440" indent="-91440">
+              <a:lnSpc>
+                <a:spcPct val="90000"/>
+              </a:lnSpc>
+              <a:spcBef>
+                <a:spcPts val="1199"/>
+              </a:spcBef>
+              <a:spcAft>
+                <a:spcPts val="201"/>
+              </a:spcAft>
+              <a:buClr>
+                <a:srgbClr val="E48312"/>
+              </a:buClr>
+              <a:buFont typeface="Calibri"/>
+              <a:buChar char=" "/>
+            </a:pPr>
+            <a:r>
+              <a:rPr lang="en-AU" sz="1200" b="0" strike="noStrike" spc="-1" dirty="0">
+                <a:solidFill>
+                  <a:srgbClr val="404040"/>
+                </a:solidFill>
+                <a:latin typeface="Calibri"/>
+              </a:rPr>
+              <a:t>You should include a screenshot</a:t>
+            </a:r>
+            <a:endParaRPr lang="en-US" sz="1200" b="0" strike="noStrike" spc="-1" dirty="0">
+              <a:solidFill>
+                <a:srgbClr val="404040"/>
+              </a:solidFill>
+              <a:latin typeface="Calibri"/>
+            </a:endParaRPr>
+          </a:p>
+          <a:p>
+            <a:pPr marL="91440" indent="-91440">
+              <a:lnSpc>
+                <a:spcPct val="90000"/>
+              </a:lnSpc>
+              <a:spcBef>
+                <a:spcPts val="1199"/>
+              </a:spcBef>
+              <a:spcAft>
+                <a:spcPts val="201"/>
+              </a:spcAft>
+              <a:buClr>
+                <a:srgbClr val="E48312"/>
+              </a:buClr>
+              <a:buFont typeface="Calibri"/>
+              <a:buChar char=" "/>
+            </a:pPr>
+            <a:r>
+              <a:rPr lang="en-AU" sz="1200" b="0" strike="noStrike" spc="-1" dirty="0">
+                <a:solidFill>
+                  <a:srgbClr val="404040"/>
+                </a:solidFill>
+                <a:latin typeface="Calibri"/>
+              </a:rPr>
+              <a:t>List of key features as bullet points</a:t>
+            </a:r>
+          </a:p>
+          <a:p>
+            <a:pPr marL="91440" indent="-91440">
+              <a:lnSpc>
+                <a:spcPct val="90000"/>
+              </a:lnSpc>
+              <a:spcBef>
+                <a:spcPts val="1199"/>
+              </a:spcBef>
+              <a:spcAft>
+                <a:spcPts val="201"/>
+              </a:spcAft>
+              <a:buClr>
+                <a:srgbClr val="E48312"/>
+              </a:buClr>
+              <a:buFont typeface="Calibri"/>
+              <a:buChar char=" "/>
+            </a:pPr>
+            <a:endParaRPr lang="en-AU" sz="1200" b="0" i="0" strike="noStrike" spc="-1" dirty="0">
+              <a:solidFill>
+                <a:srgbClr val="404040"/>
+              </a:solidFill>
+              <a:effectLst/>
+              <a:highlight>
+                <a:srgbClr val="FFFFFF"/>
+              </a:highlight>
+              <a:latin typeface="Calibri"/>
+            </a:endParaRPr>
+          </a:p>
+          <a:p>
+            <a:pPr marL="91440" indent="-91440">
+              <a:lnSpc>
+                <a:spcPct val="90000"/>
+              </a:lnSpc>
+              <a:spcBef>
+                <a:spcPts val="1199"/>
+              </a:spcBef>
+              <a:spcAft>
+                <a:spcPts val="201"/>
+              </a:spcAft>
+              <a:buClr>
+                <a:srgbClr val="E48312"/>
+              </a:buClr>
+              <a:buFont typeface="Calibri"/>
+              <a:buChar char=" "/>
+            </a:pPr>
+            <a:r>
+              <a:rPr lang="en-US" b="0" i="0" dirty="0">
+                <a:solidFill>
+                  <a:srgbClr val="2D3B45"/>
+                </a:solidFill>
+                <a:effectLst/>
+                <a:highlight>
+                  <a:srgbClr val="FFFFFF"/>
+                </a:highlight>
+                <a:latin typeface="LatoWeb"/>
+              </a:rPr>
+              <a:t>why the project/Application is needed</a:t>
+            </a:r>
+            <a:endParaRPr lang="en-AU" dirty="0"/>
+          </a:p>
+        </p:txBody>
+      </p:sp>
+      <p:sp>
+        <p:nvSpPr>
+          <p:cNvPr id="4" name="Slide Number Placeholder 3"/>
+          <p:cNvSpPr>
+            <a:spLocks noGrp="1"/>
+          </p:cNvSpPr>
+          <p:nvPr>
+            <p:ph type="sldNum" sz="quarter" idx="5"/>
+          </p:nvPr>
+        </p:nvSpPr>
+        <p:spPr/>
+        <p:txBody>
+          <a:bodyPr/>
+          <a:lstStyle/>
+          <a:p>
+            <a:fld id="{5C502F12-CA8B-4AB1-BEF7-F35D688B910D}" type="slidenum">
+              <a:rPr lang="en-AU" smtClean="0"/>
+              <a:t>4</a:t>
+            </a:fld>
+            <a:endParaRPr lang="en-AU"/>
+          </a:p>
+        </p:txBody>
+      </p:sp>
+    </p:spTree>
+    <p:extLst>
+      <p:ext uri="{BB962C8B-B14F-4D97-AF65-F5344CB8AC3E}">
+        <p14:creationId xmlns:p14="http://schemas.microsoft.com/office/powerpoint/2010/main" val="806006919"/>
+      </p:ext>
+    </p:extLst>
+  </p:cSld>
+  <p:clrMapOvr>
+    <a:masterClrMapping/>
+  </p:clrMapOvr>
+</p:notes>
+</file>
+
+<file path=ppt/notesSlides/notesSlide4.xml><?xml version="1.0" encoding="utf-8"?>
+<p:notes xmlns:a="http://schemas.openxmlformats.org/drawingml/2006/main" xmlns:r="http://schemas.openxmlformats.org/officeDocument/2006/relationships" xmlns:p="http://schemas.openxmlformats.org/presentationml/2006/main">
+  <p:cSld>
+    <p:spTree>
+      <p:nvGrpSpPr>
+        <p:cNvPr id="1" name=""/>
+        <p:cNvGrpSpPr/>
+        <p:nvPr/>
+      </p:nvGrpSpPr>
+      <p:grpSpPr>
+        <a:xfrm>
+          <a:off x="0" y="0"/>
+          <a:ext cx="0" cy="0"/>
+          <a:chOff x="0" y="0"/>
+          <a:chExt cx="0" cy="0"/>
+        </a:xfrm>
+      </p:grpSpPr>
+      <p:sp>
+        <p:nvSpPr>
+          <p:cNvPr id="2" name="Slide Image Placeholder 1"/>
+          <p:cNvSpPr>
+            <a:spLocks noGrp="1" noRot="1" noChangeAspect="1"/>
+          </p:cNvSpPr>
+          <p:nvPr>
+            <p:ph type="sldImg"/>
+          </p:nvPr>
+        </p:nvSpPr>
+        <p:spPr/>
+      </p:sp>
+      <p:sp>
+        <p:nvSpPr>
+          <p:cNvPr id="3" name="Notes Placeholder 2"/>
+          <p:cNvSpPr>
+            <a:spLocks noGrp="1"/>
+          </p:cNvSpPr>
+          <p:nvPr>
+            <p:ph type="body" idx="1"/>
+          </p:nvPr>
+        </p:nvSpPr>
+        <p:spPr/>
+        <p:txBody>
+          <a:bodyPr/>
+          <a:lstStyle/>
+          <a:p>
+            <a:pPr marL="91440" indent="-91440">
+              <a:lnSpc>
+                <a:spcPct val="90000"/>
+              </a:lnSpc>
+              <a:spcBef>
+                <a:spcPts val="1199"/>
+              </a:spcBef>
+              <a:spcAft>
+                <a:spcPts val="201"/>
+              </a:spcAft>
+              <a:buClr>
+                <a:srgbClr val="E48312"/>
+              </a:buClr>
+              <a:buFont typeface="Calibri"/>
+              <a:buChar char=" "/>
+            </a:pPr>
+            <a:r>
+              <a:rPr lang="en-AU" sz="2000" b="0" strike="noStrike" spc="-1" dirty="0">
+                <a:solidFill>
+                  <a:srgbClr val="404040"/>
+                </a:solidFill>
+                <a:latin typeface="Calibri"/>
+              </a:rPr>
+              <a:t>Describe the planning process: </a:t>
+            </a:r>
+            <a:endParaRPr lang="en-US" sz="2000" b="0" strike="noStrike" spc="-1" dirty="0">
+              <a:solidFill>
+                <a:srgbClr val="404040"/>
+              </a:solidFill>
+              <a:latin typeface="Calibri"/>
+            </a:endParaRPr>
+          </a:p>
+          <a:p>
+            <a:pPr marL="384120" lvl="1" indent="-182880">
+              <a:lnSpc>
+                <a:spcPct val="90000"/>
+              </a:lnSpc>
+              <a:spcBef>
+                <a:spcPts val="201"/>
+              </a:spcBef>
+              <a:spcAft>
+                <a:spcPts val="400"/>
+              </a:spcAft>
+              <a:buClr>
+                <a:srgbClr val="E48312"/>
+              </a:buClr>
+              <a:buFont typeface="Calibri"/>
+              <a:buChar char="◦"/>
+            </a:pPr>
+            <a:r>
+              <a:rPr lang="en-AU" sz="1800" b="0" strike="noStrike" spc="-1" dirty="0">
+                <a:solidFill>
+                  <a:srgbClr val="404040"/>
+                </a:solidFill>
+                <a:latin typeface="Calibri"/>
+              </a:rPr>
+              <a:t>How did you decide what to do?</a:t>
+            </a:r>
+            <a:endParaRPr lang="en-US" sz="1800" b="0" strike="noStrike" spc="-1" dirty="0">
+              <a:solidFill>
+                <a:srgbClr val="404040"/>
+              </a:solidFill>
+              <a:latin typeface="Calibri"/>
+            </a:endParaRPr>
+          </a:p>
+          <a:p>
+            <a:pPr marL="384120" lvl="1" indent="-182880">
+              <a:lnSpc>
+                <a:spcPct val="90000"/>
+              </a:lnSpc>
+              <a:spcBef>
+                <a:spcPts val="201"/>
+              </a:spcBef>
+              <a:spcAft>
+                <a:spcPts val="400"/>
+              </a:spcAft>
+              <a:buClr>
+                <a:srgbClr val="E48312"/>
+              </a:buClr>
+              <a:buFont typeface="Calibri"/>
+              <a:buChar char="◦"/>
+            </a:pPr>
+            <a:r>
+              <a:rPr lang="en-AU" sz="1800" b="0" strike="noStrike" spc="-1" dirty="0">
+                <a:solidFill>
+                  <a:srgbClr val="404040"/>
+                </a:solidFill>
+                <a:latin typeface="Calibri"/>
+              </a:rPr>
+              <a:t>Did the plan work throughout the semester? </a:t>
+            </a:r>
+            <a:endParaRPr lang="en-US" sz="1800" b="0" strike="noStrike" spc="-1" dirty="0">
+              <a:solidFill>
+                <a:srgbClr val="404040"/>
+              </a:solidFill>
+              <a:latin typeface="Calibri"/>
+            </a:endParaRPr>
+          </a:p>
+          <a:p>
+            <a:pPr marL="384120" lvl="1" indent="-182880">
+              <a:lnSpc>
+                <a:spcPct val="90000"/>
+              </a:lnSpc>
+              <a:spcBef>
+                <a:spcPts val="201"/>
+              </a:spcBef>
+              <a:spcAft>
+                <a:spcPts val="400"/>
+              </a:spcAft>
+              <a:buClr>
+                <a:srgbClr val="E48312"/>
+              </a:buClr>
+              <a:buFont typeface="Calibri"/>
+              <a:buChar char="◦"/>
+            </a:pPr>
+            <a:r>
+              <a:rPr lang="en-AU" sz="1800" b="0" strike="noStrike" spc="-1" dirty="0">
+                <a:solidFill>
+                  <a:srgbClr val="404040"/>
+                </a:solidFill>
+                <a:latin typeface="Calibri"/>
+              </a:rPr>
+              <a:t>What adaptations did you have to make? </a:t>
+            </a:r>
+            <a:endParaRPr lang="en-US" sz="1800" b="0" strike="noStrike" spc="-1" dirty="0">
+              <a:solidFill>
+                <a:srgbClr val="404040"/>
+              </a:solidFill>
+              <a:latin typeface="Calibri"/>
+            </a:endParaRPr>
+          </a:p>
+          <a:p>
+            <a:pPr>
+              <a:lnSpc>
+                <a:spcPct val="90000"/>
+              </a:lnSpc>
+              <a:spcBef>
+                <a:spcPts val="1417"/>
+              </a:spcBef>
+              <a:buNone/>
+            </a:pPr>
+            <a:endParaRPr lang="en-US" sz="1800" b="0" strike="noStrike" spc="-1" dirty="0">
+              <a:solidFill>
+                <a:srgbClr val="404040"/>
+              </a:solidFill>
+              <a:latin typeface="Calibri"/>
+            </a:endParaRPr>
+          </a:p>
+          <a:p>
+            <a:pPr marL="91440" indent="-91440">
+              <a:lnSpc>
+                <a:spcPct val="90000"/>
+              </a:lnSpc>
+              <a:spcBef>
+                <a:spcPts val="1199"/>
+              </a:spcBef>
+              <a:spcAft>
+                <a:spcPts val="201"/>
+              </a:spcAft>
+              <a:buClr>
+                <a:srgbClr val="E48312"/>
+              </a:buClr>
+              <a:buFont typeface="Calibri"/>
+              <a:buChar char=" "/>
+            </a:pPr>
+            <a:r>
+              <a:rPr lang="en-AU" sz="2000" b="0" strike="noStrike" spc="-1" dirty="0">
+                <a:solidFill>
+                  <a:srgbClr val="404040"/>
+                </a:solidFill>
+                <a:latin typeface="Calibri"/>
+              </a:rPr>
+              <a:t>You should include examples of requirements, user stories, other planning artefacts if any</a:t>
+            </a:r>
+            <a:endParaRPr lang="en-US" sz="2000" b="0" strike="noStrike" spc="-1" dirty="0">
+              <a:solidFill>
+                <a:srgbClr val="404040"/>
+              </a:solidFill>
+              <a:latin typeface="Calibri"/>
+            </a:endParaRPr>
+          </a:p>
+          <a:p>
+            <a:endParaRPr lang="en-AU" dirty="0"/>
+          </a:p>
+        </p:txBody>
+      </p:sp>
+      <p:sp>
+        <p:nvSpPr>
+          <p:cNvPr id="4" name="Slide Number Placeholder 3"/>
+          <p:cNvSpPr>
+            <a:spLocks noGrp="1"/>
+          </p:cNvSpPr>
+          <p:nvPr>
+            <p:ph type="sldNum" sz="quarter" idx="5"/>
+          </p:nvPr>
+        </p:nvSpPr>
+        <p:spPr/>
+        <p:txBody>
+          <a:bodyPr/>
+          <a:lstStyle/>
+          <a:p>
+            <a:fld id="{5C502F12-CA8B-4AB1-BEF7-F35D688B910D}" type="slidenum">
+              <a:rPr lang="en-AU" smtClean="0"/>
+              <a:t>5</a:t>
+            </a:fld>
+            <a:endParaRPr lang="en-AU"/>
+          </a:p>
+        </p:txBody>
+      </p:sp>
+    </p:spTree>
+    <p:extLst>
+      <p:ext uri="{BB962C8B-B14F-4D97-AF65-F5344CB8AC3E}">
+        <p14:creationId xmlns:p14="http://schemas.microsoft.com/office/powerpoint/2010/main" val="1453523963"/>
+      </p:ext>
+    </p:extLst>
+  </p:cSld>
+  <p:clrMapOvr>
+    <a:masterClrMapping/>
+  </p:clrMapOvr>
+</p:notes>
+</file>
+
+<file path=ppt/notesSlides/notesSlide5.xml><?xml version="1.0" encoding="utf-8"?>
+<p:notes xmlns:a="http://schemas.openxmlformats.org/drawingml/2006/main" xmlns:r="http://schemas.openxmlformats.org/officeDocument/2006/relationships" xmlns:p="http://schemas.openxmlformats.org/presentationml/2006/main">
+  <p:cSld>
+    <p:spTree>
+      <p:nvGrpSpPr>
+        <p:cNvPr id="1" name=""/>
+        <p:cNvGrpSpPr/>
+        <p:nvPr/>
+      </p:nvGrpSpPr>
+      <p:grpSpPr>
+        <a:xfrm>
+          <a:off x="0" y="0"/>
+          <a:ext cx="0" cy="0"/>
+          <a:chOff x="0" y="0"/>
+          <a:chExt cx="0" cy="0"/>
+        </a:xfrm>
+      </p:grpSpPr>
+      <p:sp>
+        <p:nvSpPr>
+          <p:cNvPr id="2" name="Slide Image Placeholder 1"/>
+          <p:cNvSpPr>
+            <a:spLocks noGrp="1" noRot="1" noChangeAspect="1"/>
+          </p:cNvSpPr>
+          <p:nvPr>
+            <p:ph type="sldImg"/>
+          </p:nvPr>
+        </p:nvSpPr>
+        <p:spPr/>
+      </p:sp>
+      <p:sp>
+        <p:nvSpPr>
+          <p:cNvPr id="3" name="Notes Placeholder 2"/>
+          <p:cNvSpPr>
+            <a:spLocks noGrp="1"/>
+          </p:cNvSpPr>
+          <p:nvPr>
+            <p:ph type="body" idx="1"/>
+          </p:nvPr>
+        </p:nvSpPr>
+        <p:spPr/>
+        <p:txBody>
+          <a:bodyPr/>
+          <a:lstStyle/>
+          <a:p>
+            <a:pPr marL="91440" indent="-91440">
+              <a:lnSpc>
+                <a:spcPct val="90000"/>
+              </a:lnSpc>
+              <a:spcBef>
+                <a:spcPts val="1199"/>
+              </a:spcBef>
+              <a:spcAft>
+                <a:spcPts val="201"/>
+              </a:spcAft>
+              <a:buClr>
+                <a:srgbClr val="E48312"/>
+              </a:buClr>
+              <a:buFont typeface="Calibri"/>
+              <a:buChar char=" "/>
+            </a:pPr>
+            <a:r>
+              <a:rPr lang="en-AU" sz="1200" b="0" strike="noStrike" spc="-1" dirty="0">
+                <a:solidFill>
+                  <a:srgbClr val="404040"/>
+                </a:solidFill>
+                <a:latin typeface="Calibri"/>
+              </a:rPr>
+              <a:t>Present in more details the technologies used in the system, motivate your technical decisions, list and comment on the supporting software/libraries you needed to use (if any)</a:t>
+            </a:r>
+            <a:endParaRPr lang="en-US" sz="1200" b="0" strike="noStrike" spc="-1" dirty="0">
+              <a:solidFill>
+                <a:srgbClr val="404040"/>
+              </a:solidFill>
+              <a:latin typeface="Calibri"/>
+            </a:endParaRPr>
+          </a:p>
+          <a:p>
+            <a:pPr marL="91440" indent="-91440">
+              <a:lnSpc>
+                <a:spcPct val="90000"/>
+              </a:lnSpc>
+              <a:spcBef>
+                <a:spcPts val="1199"/>
+              </a:spcBef>
+              <a:spcAft>
+                <a:spcPts val="201"/>
+              </a:spcAft>
+              <a:buClr>
+                <a:srgbClr val="E48312"/>
+              </a:buClr>
+              <a:buFont typeface="Calibri"/>
+              <a:buChar char=" "/>
+            </a:pPr>
+            <a:r>
+              <a:rPr lang="en-AU" sz="1200" b="0" strike="noStrike" spc="-1" dirty="0">
+                <a:solidFill>
+                  <a:srgbClr val="404040"/>
+                </a:solidFill>
+                <a:latin typeface="Calibri"/>
+              </a:rPr>
+              <a:t>You should include a visual representation of the main component, and how they interrelate</a:t>
+            </a:r>
+            <a:endParaRPr lang="en-US" sz="1200" b="0" strike="noStrike" spc="-1" dirty="0">
+              <a:solidFill>
+                <a:srgbClr val="404040"/>
+              </a:solidFill>
+              <a:latin typeface="Calibri"/>
+            </a:endParaRPr>
+          </a:p>
+          <a:p>
+            <a:endParaRPr lang="en-AU" dirty="0"/>
+          </a:p>
+        </p:txBody>
+      </p:sp>
+      <p:sp>
+        <p:nvSpPr>
+          <p:cNvPr id="4" name="Slide Number Placeholder 3"/>
+          <p:cNvSpPr>
+            <a:spLocks noGrp="1"/>
+          </p:cNvSpPr>
+          <p:nvPr>
+            <p:ph type="sldNum" sz="quarter" idx="5"/>
+          </p:nvPr>
+        </p:nvSpPr>
+        <p:spPr/>
+        <p:txBody>
+          <a:bodyPr/>
+          <a:lstStyle/>
+          <a:p>
+            <a:fld id="{5C502F12-CA8B-4AB1-BEF7-F35D688B910D}" type="slidenum">
+              <a:rPr lang="en-AU" smtClean="0"/>
+              <a:t>6</a:t>
+            </a:fld>
+            <a:endParaRPr lang="en-AU"/>
+          </a:p>
+        </p:txBody>
+      </p:sp>
+    </p:spTree>
+    <p:extLst>
+      <p:ext uri="{BB962C8B-B14F-4D97-AF65-F5344CB8AC3E}">
+        <p14:creationId xmlns:p14="http://schemas.microsoft.com/office/powerpoint/2010/main" val="1184763004"/>
+      </p:ext>
+    </p:extLst>
+  </p:cSld>
+  <p:clrMapOvr>
+    <a:masterClrMapping/>
+  </p:clrMapOvr>
+</p:notes>
+</file>
+
+<file path=ppt/notesSlides/notesSlide6.xml><?xml version="1.0" encoding="utf-8"?>
+<p:notes xmlns:a="http://schemas.openxmlformats.org/drawingml/2006/main" xmlns:r="http://schemas.openxmlformats.org/officeDocument/2006/relationships" xmlns:p="http://schemas.openxmlformats.org/presentationml/2006/main">
+  <p:cSld>
+    <p:spTree>
+      <p:nvGrpSpPr>
+        <p:cNvPr id="1" name=""/>
+        <p:cNvGrpSpPr/>
+        <p:nvPr/>
+      </p:nvGrpSpPr>
+      <p:grpSpPr>
+        <a:xfrm>
+          <a:off x="0" y="0"/>
+          <a:ext cx="0" cy="0"/>
+          <a:chOff x="0" y="0"/>
+          <a:chExt cx="0" cy="0"/>
+        </a:xfrm>
+      </p:grpSpPr>
+      <p:sp>
+        <p:nvSpPr>
+          <p:cNvPr id="2" name="Slide Image Placeholder 1"/>
+          <p:cNvSpPr>
+            <a:spLocks noGrp="1" noRot="1" noChangeAspect="1"/>
+          </p:cNvSpPr>
+          <p:nvPr>
+            <p:ph type="sldImg"/>
+          </p:nvPr>
+        </p:nvSpPr>
+        <p:spPr/>
+      </p:sp>
+      <p:sp>
+        <p:nvSpPr>
+          <p:cNvPr id="3" name="Notes Placeholder 2"/>
+          <p:cNvSpPr>
+            <a:spLocks noGrp="1"/>
+          </p:cNvSpPr>
+          <p:nvPr>
+            <p:ph type="body" idx="1"/>
+          </p:nvPr>
+        </p:nvSpPr>
+        <p:spPr/>
+        <p:txBody>
+          <a:bodyPr/>
+          <a:lstStyle/>
+          <a:p>
+            <a:pPr marL="91440" indent="-91440">
+              <a:lnSpc>
+                <a:spcPct val="90000"/>
+              </a:lnSpc>
+              <a:spcBef>
+                <a:spcPts val="1199"/>
+              </a:spcBef>
+              <a:spcAft>
+                <a:spcPts val="201"/>
+              </a:spcAft>
+              <a:buClr>
+                <a:srgbClr val="E48312"/>
+              </a:buClr>
+              <a:buFont typeface="Calibri"/>
+              <a:buChar char=" "/>
+            </a:pPr>
+            <a:r>
+              <a:rPr lang="en-AU" sz="2000" b="0" strike="noStrike" spc="-1" dirty="0">
+                <a:solidFill>
+                  <a:srgbClr val="404040"/>
+                </a:solidFill>
+                <a:latin typeface="Calibri"/>
+              </a:rPr>
+              <a:t>Detail your approach to ensuring project quality</a:t>
+            </a:r>
+            <a:endParaRPr lang="en-US" sz="2000" b="0" strike="noStrike" spc="-1" dirty="0">
+              <a:solidFill>
+                <a:srgbClr val="404040"/>
+              </a:solidFill>
+              <a:latin typeface="Calibri"/>
+            </a:endParaRPr>
+          </a:p>
+          <a:p>
+            <a:pPr marL="384120" lvl="1" indent="-182880">
+              <a:lnSpc>
+                <a:spcPct val="90000"/>
+              </a:lnSpc>
+              <a:spcBef>
+                <a:spcPts val="201"/>
+              </a:spcBef>
+              <a:spcAft>
+                <a:spcPts val="400"/>
+              </a:spcAft>
+              <a:buClr>
+                <a:srgbClr val="E48312"/>
+              </a:buClr>
+              <a:buFont typeface="Calibri"/>
+              <a:buChar char="◦"/>
+            </a:pPr>
+            <a:r>
+              <a:rPr lang="en-AU" sz="1800" b="0" strike="noStrike" spc="-1" dirty="0">
+                <a:solidFill>
+                  <a:srgbClr val="404040"/>
+                </a:solidFill>
+                <a:latin typeface="Calibri"/>
+              </a:rPr>
+              <a:t>Agile Practices adopted</a:t>
+            </a:r>
+            <a:endParaRPr lang="en-US" sz="1800" b="0" strike="noStrike" spc="-1" dirty="0">
+              <a:solidFill>
+                <a:srgbClr val="404040"/>
+              </a:solidFill>
+              <a:latin typeface="Calibri"/>
+            </a:endParaRPr>
+          </a:p>
+          <a:p>
+            <a:pPr marL="384120" lvl="1" indent="-182880">
+              <a:lnSpc>
+                <a:spcPct val="90000"/>
+              </a:lnSpc>
+              <a:spcBef>
+                <a:spcPts val="201"/>
+              </a:spcBef>
+              <a:spcAft>
+                <a:spcPts val="400"/>
+              </a:spcAft>
+              <a:buClr>
+                <a:srgbClr val="E48312"/>
+              </a:buClr>
+              <a:buFont typeface="Calibri"/>
+              <a:buChar char="◦"/>
+            </a:pPr>
+            <a:r>
+              <a:rPr lang="en-AU" sz="1800" b="0" strike="noStrike" spc="-1" dirty="0">
+                <a:solidFill>
+                  <a:srgbClr val="404040"/>
+                </a:solidFill>
+                <a:latin typeface="Calibri"/>
+              </a:rPr>
+              <a:t>Your reflections on what worked well for your project</a:t>
+            </a:r>
+            <a:endParaRPr lang="en-US" sz="1800" b="0" strike="noStrike" spc="-1" dirty="0">
+              <a:solidFill>
+                <a:srgbClr val="404040"/>
+              </a:solidFill>
+              <a:latin typeface="Calibri"/>
+            </a:endParaRPr>
+          </a:p>
+          <a:p>
+            <a:pPr marL="384120" lvl="1" indent="-182880">
+              <a:lnSpc>
+                <a:spcPct val="90000"/>
+              </a:lnSpc>
+              <a:spcBef>
+                <a:spcPts val="201"/>
+              </a:spcBef>
+              <a:spcAft>
+                <a:spcPts val="400"/>
+              </a:spcAft>
+              <a:buClr>
+                <a:srgbClr val="E48312"/>
+              </a:buClr>
+              <a:buFont typeface="Calibri"/>
+              <a:buChar char="◦"/>
+            </a:pPr>
+            <a:r>
+              <a:rPr lang="en-AU" sz="1800" b="0" strike="noStrike" spc="-1" dirty="0">
+                <a:solidFill>
+                  <a:srgbClr val="404040"/>
+                </a:solidFill>
+                <a:latin typeface="Calibri"/>
+              </a:rPr>
+              <a:t>You should include one example</a:t>
+            </a:r>
+            <a:endParaRPr lang="en-US" sz="1800" b="0" strike="noStrike" spc="-1" dirty="0">
+              <a:solidFill>
+                <a:srgbClr val="404040"/>
+              </a:solidFill>
+              <a:latin typeface="Calibri"/>
+            </a:endParaRPr>
+          </a:p>
+          <a:p>
+            <a:endParaRPr lang="en-AU" dirty="0"/>
+          </a:p>
+        </p:txBody>
+      </p:sp>
+      <p:sp>
+        <p:nvSpPr>
+          <p:cNvPr id="4" name="Slide Number Placeholder 3"/>
+          <p:cNvSpPr>
+            <a:spLocks noGrp="1"/>
+          </p:cNvSpPr>
+          <p:nvPr>
+            <p:ph type="sldNum" sz="quarter" idx="5"/>
+          </p:nvPr>
+        </p:nvSpPr>
+        <p:spPr/>
+        <p:txBody>
+          <a:bodyPr/>
+          <a:lstStyle/>
+          <a:p>
+            <a:fld id="{5C502F12-CA8B-4AB1-BEF7-F35D688B910D}" type="slidenum">
+              <a:rPr lang="en-AU" smtClean="0"/>
+              <a:t>7</a:t>
+            </a:fld>
+            <a:endParaRPr lang="en-AU"/>
+          </a:p>
+        </p:txBody>
+      </p:sp>
+    </p:spTree>
+    <p:extLst>
+      <p:ext uri="{BB962C8B-B14F-4D97-AF65-F5344CB8AC3E}">
+        <p14:creationId xmlns:p14="http://schemas.microsoft.com/office/powerpoint/2010/main" val="3159926870"/>
+      </p:ext>
+    </p:extLst>
+  </p:cSld>
+  <p:clrMapOvr>
+    <a:masterClrMapping/>
+  </p:clrMapOvr>
+</p:notes>
+</file>
+
+<file path=ppt/notesSlides/notesSlide7.xml><?xml version="1.0" encoding="utf-8"?>
+<p:notes xmlns:a="http://schemas.openxmlformats.org/drawingml/2006/main" xmlns:r="http://schemas.openxmlformats.org/officeDocument/2006/relationships" xmlns:p="http://schemas.openxmlformats.org/presentationml/2006/main">
+  <p:cSld>
+    <p:spTree>
+      <p:nvGrpSpPr>
+        <p:cNvPr id="1" name=""/>
+        <p:cNvGrpSpPr/>
+        <p:nvPr/>
+      </p:nvGrpSpPr>
+      <p:grpSpPr>
+        <a:xfrm>
+          <a:off x="0" y="0"/>
+          <a:ext cx="0" cy="0"/>
+          <a:chOff x="0" y="0"/>
+          <a:chExt cx="0" cy="0"/>
+        </a:xfrm>
+      </p:grpSpPr>
+      <p:sp>
+        <p:nvSpPr>
+          <p:cNvPr id="2" name="Slide Image Placeholder 1"/>
+          <p:cNvSpPr>
+            <a:spLocks noGrp="1" noRot="1" noChangeAspect="1"/>
+          </p:cNvSpPr>
+          <p:nvPr>
+            <p:ph type="sldImg"/>
+          </p:nvPr>
+        </p:nvSpPr>
+        <p:spPr/>
+      </p:sp>
+      <p:sp>
+        <p:nvSpPr>
+          <p:cNvPr id="3" name="Notes Placeholder 2"/>
+          <p:cNvSpPr>
+            <a:spLocks noGrp="1"/>
+          </p:cNvSpPr>
+          <p:nvPr>
+            <p:ph type="body" idx="1"/>
+          </p:nvPr>
+        </p:nvSpPr>
+        <p:spPr/>
+        <p:txBody>
+          <a:bodyPr/>
+          <a:lstStyle/>
+          <a:p>
+            <a:pPr marL="91440" indent="-91440">
+              <a:lnSpc>
+                <a:spcPct val="90000"/>
+              </a:lnSpc>
+              <a:spcBef>
+                <a:spcPts val="1199"/>
+              </a:spcBef>
+              <a:spcAft>
+                <a:spcPts val="201"/>
+              </a:spcAft>
+              <a:buClr>
+                <a:srgbClr val="E48312"/>
+              </a:buClr>
+              <a:buFont typeface="Calibri"/>
+              <a:buChar char=" "/>
+            </a:pPr>
+            <a:r>
+              <a:rPr lang="en-AU" sz="2000" b="0" strike="noStrike" spc="-1" dirty="0">
+                <a:solidFill>
+                  <a:srgbClr val="404040"/>
+                </a:solidFill>
+                <a:latin typeface="Calibri"/>
+              </a:rPr>
+              <a:t>Discuss your approach for improving teamwork</a:t>
+            </a:r>
+            <a:endParaRPr lang="en-US" sz="2000" b="0" strike="noStrike" spc="-1" dirty="0">
+              <a:solidFill>
+                <a:srgbClr val="404040"/>
+              </a:solidFill>
+              <a:latin typeface="Calibri"/>
+            </a:endParaRPr>
+          </a:p>
+          <a:p>
+            <a:pPr marL="384120" lvl="1" indent="-182880">
+              <a:lnSpc>
+                <a:spcPct val="90000"/>
+              </a:lnSpc>
+              <a:spcBef>
+                <a:spcPts val="201"/>
+              </a:spcBef>
+              <a:spcAft>
+                <a:spcPts val="400"/>
+              </a:spcAft>
+              <a:buClr>
+                <a:srgbClr val="E48312"/>
+              </a:buClr>
+              <a:buFont typeface="Calibri"/>
+              <a:buChar char="◦"/>
+            </a:pPr>
+            <a:r>
+              <a:rPr lang="en-AU" sz="1800" b="0" strike="noStrike" spc="-1" dirty="0">
+                <a:solidFill>
+                  <a:srgbClr val="404040"/>
+                </a:solidFill>
+                <a:latin typeface="Calibri"/>
+              </a:rPr>
+              <a:t>What tools did you adopt? </a:t>
+            </a:r>
+            <a:endParaRPr lang="en-US" sz="1800" b="0" strike="noStrike" spc="-1" dirty="0">
+              <a:solidFill>
+                <a:srgbClr val="404040"/>
+              </a:solidFill>
+              <a:latin typeface="Calibri"/>
+            </a:endParaRPr>
+          </a:p>
+          <a:p>
+            <a:pPr marL="384120" lvl="1" indent="-182880">
+              <a:lnSpc>
+                <a:spcPct val="90000"/>
+              </a:lnSpc>
+              <a:spcBef>
+                <a:spcPts val="201"/>
+              </a:spcBef>
+              <a:spcAft>
+                <a:spcPts val="400"/>
+              </a:spcAft>
+              <a:buClr>
+                <a:srgbClr val="E48312"/>
+              </a:buClr>
+              <a:buFont typeface="Calibri"/>
+              <a:buChar char="◦"/>
+            </a:pPr>
+            <a:r>
+              <a:rPr lang="en-AU" sz="1800" b="0" strike="noStrike" spc="-1" dirty="0">
+                <a:solidFill>
+                  <a:srgbClr val="404040"/>
+                </a:solidFill>
+                <a:latin typeface="Calibri"/>
+              </a:rPr>
+              <a:t>What challenges did you encounter? </a:t>
+            </a:r>
+            <a:endParaRPr lang="en-US" sz="1800" b="0" strike="noStrike" spc="-1" dirty="0">
+              <a:solidFill>
+                <a:srgbClr val="404040"/>
+              </a:solidFill>
+              <a:latin typeface="Calibri"/>
+            </a:endParaRPr>
+          </a:p>
+          <a:p>
+            <a:pPr marL="384120" lvl="1" indent="-182880">
+              <a:lnSpc>
+                <a:spcPct val="90000"/>
+              </a:lnSpc>
+              <a:spcBef>
+                <a:spcPts val="201"/>
+              </a:spcBef>
+              <a:spcAft>
+                <a:spcPts val="400"/>
+              </a:spcAft>
+              <a:buClr>
+                <a:srgbClr val="E48312"/>
+              </a:buClr>
+              <a:buFont typeface="Calibri"/>
+              <a:buChar char="◦"/>
+            </a:pPr>
+            <a:r>
+              <a:rPr lang="en-AU" sz="1800" b="0" strike="noStrike" spc="-1" dirty="0">
+                <a:solidFill>
+                  <a:srgbClr val="404040"/>
+                </a:solidFill>
+                <a:latin typeface="Calibri"/>
+              </a:rPr>
+              <a:t>What did you do in response? </a:t>
+            </a:r>
+            <a:endParaRPr lang="en-US" sz="1800" b="0" strike="noStrike" spc="-1" dirty="0">
+              <a:solidFill>
+                <a:srgbClr val="404040"/>
+              </a:solidFill>
+              <a:latin typeface="Calibri"/>
+            </a:endParaRPr>
+          </a:p>
+          <a:p>
+            <a:pPr>
+              <a:lnSpc>
+                <a:spcPct val="90000"/>
+              </a:lnSpc>
+              <a:spcBef>
+                <a:spcPts val="1417"/>
+              </a:spcBef>
+              <a:buNone/>
+            </a:pPr>
+            <a:endParaRPr lang="en-US" sz="1800" b="0" strike="noStrike" spc="-1" dirty="0">
+              <a:solidFill>
+                <a:srgbClr val="404040"/>
+              </a:solidFill>
+              <a:latin typeface="Calibri"/>
+            </a:endParaRPr>
+          </a:p>
+          <a:p>
+            <a:pPr marL="91440" indent="-91440">
+              <a:lnSpc>
+                <a:spcPct val="90000"/>
+              </a:lnSpc>
+              <a:spcBef>
+                <a:spcPts val="1199"/>
+              </a:spcBef>
+              <a:spcAft>
+                <a:spcPts val="201"/>
+              </a:spcAft>
+              <a:buClr>
+                <a:srgbClr val="E48312"/>
+              </a:buClr>
+              <a:buFont typeface="Calibri"/>
+              <a:buChar char=" "/>
+            </a:pPr>
+            <a:r>
+              <a:rPr lang="en-AU" sz="2000" b="0" strike="noStrike" spc="-1" dirty="0">
+                <a:solidFill>
+                  <a:srgbClr val="404040"/>
+                </a:solidFill>
+                <a:latin typeface="Calibri"/>
+              </a:rPr>
+              <a:t>You should include an episode from the semester of a challenging/conflictual situation, and how the team addressed this problem</a:t>
+            </a:r>
+            <a:endParaRPr lang="en-US" sz="2000" b="0" strike="noStrike" spc="-1" dirty="0">
+              <a:solidFill>
+                <a:srgbClr val="404040"/>
+              </a:solidFill>
+              <a:latin typeface="Calibri"/>
+            </a:endParaRPr>
+          </a:p>
+          <a:p>
+            <a:endParaRPr lang="en-AU" dirty="0"/>
+          </a:p>
+        </p:txBody>
+      </p:sp>
+      <p:sp>
+        <p:nvSpPr>
+          <p:cNvPr id="4" name="Slide Number Placeholder 3"/>
+          <p:cNvSpPr>
+            <a:spLocks noGrp="1"/>
+          </p:cNvSpPr>
+          <p:nvPr>
+            <p:ph type="sldNum" sz="quarter" idx="5"/>
+          </p:nvPr>
+        </p:nvSpPr>
+        <p:spPr/>
+        <p:txBody>
+          <a:bodyPr/>
+          <a:lstStyle/>
+          <a:p>
+            <a:fld id="{5C502F12-CA8B-4AB1-BEF7-F35D688B910D}" type="slidenum">
+              <a:rPr lang="en-AU" smtClean="0"/>
+              <a:t>8</a:t>
+            </a:fld>
+            <a:endParaRPr lang="en-AU"/>
+          </a:p>
+        </p:txBody>
+      </p:sp>
+    </p:spTree>
+    <p:extLst>
+      <p:ext uri="{BB962C8B-B14F-4D97-AF65-F5344CB8AC3E}">
+        <p14:creationId xmlns:p14="http://schemas.microsoft.com/office/powerpoint/2010/main" val="334300885"/>
+      </p:ext>
+    </p:extLst>
+  </p:cSld>
+  <p:clrMapOvr>
+    <a:masterClrMapping/>
+  </p:clrMapOvr>
+</p:notes>
+</file>
+
+<file path=ppt/notesSlides/notesSlide8.xml><?xml version="1.0" encoding="utf-8"?>
+<p:notes xmlns:a="http://schemas.openxmlformats.org/drawingml/2006/main" xmlns:r="http://schemas.openxmlformats.org/officeDocument/2006/relationships" xmlns:p="http://schemas.openxmlformats.org/presentationml/2006/main">
+  <p:cSld>
+    <p:spTree>
+      <p:nvGrpSpPr>
+        <p:cNvPr id="1" name=""/>
+        <p:cNvGrpSpPr/>
+        <p:nvPr/>
+      </p:nvGrpSpPr>
+      <p:grpSpPr>
+        <a:xfrm>
+          <a:off x="0" y="0"/>
+          <a:ext cx="0" cy="0"/>
+          <a:chOff x="0" y="0"/>
+          <a:chExt cx="0" cy="0"/>
+        </a:xfrm>
+      </p:grpSpPr>
+      <p:sp>
+        <p:nvSpPr>
+          <p:cNvPr id="2" name="Slide Image Placeholder 1"/>
+          <p:cNvSpPr>
+            <a:spLocks noGrp="1" noRot="1" noChangeAspect="1"/>
+          </p:cNvSpPr>
+          <p:nvPr>
+            <p:ph type="sldImg"/>
+          </p:nvPr>
+        </p:nvSpPr>
+        <p:spPr/>
+      </p:sp>
+      <p:sp>
+        <p:nvSpPr>
+          <p:cNvPr id="3" name="Notes Placeholder 2"/>
+          <p:cNvSpPr>
+            <a:spLocks noGrp="1"/>
+          </p:cNvSpPr>
+          <p:nvPr>
+            <p:ph type="body" idx="1"/>
+          </p:nvPr>
+        </p:nvSpPr>
+        <p:spPr/>
+        <p:txBody>
+          <a:bodyPr/>
+          <a:lstStyle/>
+          <a:p>
+            <a:pPr marL="0" marR="0" lvl="0" indent="0" algn="l" defTabSz="914400" rtl="0" eaLnBrk="1" fontAlgn="auto" latinLnBrk="0" hangingPunct="1">
+              <a:lnSpc>
+                <a:spcPct val="100000"/>
+              </a:lnSpc>
+              <a:spcBef>
+                <a:spcPts val="0"/>
+              </a:spcBef>
+              <a:spcAft>
+                <a:spcPts val="0"/>
+              </a:spcAft>
+              <a:buClrTx/>
+              <a:buSzTx/>
+              <a:buFontTx/>
+              <a:buNone/>
+              <a:tabLst/>
+              <a:defRPr/>
+            </a:pPr>
+            <a:r>
+              <a:rPr lang="en-AU" sz="1200" b="0" strike="noStrike" spc="-1" dirty="0">
+                <a:solidFill>
+                  <a:srgbClr val="404040"/>
+                </a:solidFill>
+                <a:latin typeface="Calibri"/>
+              </a:rPr>
+              <a:t>State your team name, List team members, and if relevant tell us who focused on what parts, For Example, You may include a photo next to each name, to help us know who we are talking to and direct questions</a:t>
+            </a:r>
+            <a:endParaRPr lang="en-US" sz="1200" b="0" strike="noStrike" spc="-1" dirty="0">
+              <a:solidFill>
+                <a:srgbClr val="404040"/>
+              </a:solidFill>
+              <a:latin typeface="Calibri"/>
+            </a:endParaRPr>
+          </a:p>
+          <a:p>
+            <a:r>
+              <a:rPr lang="en-AU" sz="1200" b="0" strike="noStrike" spc="-52" dirty="0">
+                <a:solidFill>
+                  <a:srgbClr val="404040"/>
+                </a:solidFill>
+                <a:latin typeface="Calibri Light"/>
+              </a:rPr>
+              <a:t>(do not speak on this slide, live it open on the screen at the end)</a:t>
+            </a:r>
+            <a:endParaRPr lang="en-AU" dirty="0"/>
+          </a:p>
+        </p:txBody>
+      </p:sp>
+      <p:sp>
+        <p:nvSpPr>
+          <p:cNvPr id="4" name="Slide Number Placeholder 3"/>
+          <p:cNvSpPr>
+            <a:spLocks noGrp="1"/>
+          </p:cNvSpPr>
+          <p:nvPr>
+            <p:ph type="sldNum" sz="quarter" idx="5"/>
+          </p:nvPr>
+        </p:nvSpPr>
+        <p:spPr/>
+        <p:txBody>
+          <a:bodyPr/>
+          <a:lstStyle/>
+          <a:p>
+            <a:fld id="{5C502F12-CA8B-4AB1-BEF7-F35D688B910D}" type="slidenum">
+              <a:rPr lang="en-AU" smtClean="0"/>
+              <a:t>9</a:t>
+            </a:fld>
+            <a:endParaRPr lang="en-AU"/>
+          </a:p>
+        </p:txBody>
+      </p:sp>
+    </p:spTree>
+    <p:extLst>
+      <p:ext uri="{BB962C8B-B14F-4D97-AF65-F5344CB8AC3E}">
+        <p14:creationId xmlns:p14="http://schemas.microsoft.com/office/powerpoint/2010/main" val="573576538"/>
+      </p:ext>
+    </p:extLst>
+  </p:cSld>
+  <p:clrMapOvr>
+    <a:masterClrMapping/>
+  </p:clrMapOvr>
+</p:notes>
+</file>
+
 <file path=ppt/slideLayouts/slideLayout1.xml><?xml version="1.0" encoding="utf-8"?>
-<p:sldLayout xmlns:a="http://schemas.openxmlformats.org/drawingml/2006/main" xmlns:p="http://schemas.openxmlformats.org/presentationml/2006/main" xmlns:r="http://schemas.openxmlformats.org/officeDocument/2006/relationships" xmlns:p14="http://schemas.microsoft.com/office/powerpoint/2010/main" xmlns:p15="http://schemas.microsoft.com/office/powerpoint/2012/main" xmlns:mc="http://schemas.openxmlformats.org/markup-compatibility/2006" type="blank" preserve="1">
+<p:sldLayout xmlns:a="http://schemas.openxmlformats.org/drawingml/2006/main" xmlns:r="http://schemas.openxmlformats.org/officeDocument/2006/relationships" xmlns:p="http://schemas.openxmlformats.org/presentationml/2006/main" type="blank" preserve="1">
   <p:cSld name="Blank Slide">
     <p:spTree>
       <p:nvGrpSpPr>
@@ -49,6 +2449,7 @@
         <p:spPr/>
         <p:txBody>
           <a:bodyPr/>
+          <a:lstStyle/>
           <a:p>
             <a:r>
               <a:t>Footer</a:t>
@@ -69,10 +2470,12 @@
         <p:spPr/>
         <p:txBody>
           <a:bodyPr/>
+          <a:lstStyle/>
           <a:p>
             <a:fld id="{D4ECD95A-C148-42A2-8D80-50AB00967D67}" type="slidenum">
-              <a:t>&lt;#&gt;</a:t>
+              <a:t>‹#›</a:t>
             </a:fld>
+            <a:endParaRPr/>
           </a:p>
         </p:txBody>
       </p:sp>
@@ -89,21 +2492,22 @@
         <p:spPr/>
         <p:txBody>
           <a:bodyPr/>
-          <a:p>
-            <a:r>
-              <a:rPr lang="en-AU"/>
-              <a:t/>
-            </a:r>
+          <a:lstStyle/>
+          <a:p>
+            <a:endParaRPr/>
           </a:p>
         </p:txBody>
       </p:sp>
     </p:spTree>
   </p:cSld>
+  <p:clrMapOvr>
+    <a:masterClrMapping/>
+  </p:clrMapOvr>
 </p:sldLayout>
 </file>
 
 <file path=ppt/slideLayouts/slideLayout10.xml><?xml version="1.0" encoding="utf-8"?>
-<p:sldLayout xmlns:a="http://schemas.openxmlformats.org/drawingml/2006/main" xmlns:p="http://schemas.openxmlformats.org/presentationml/2006/main" xmlns:r="http://schemas.openxmlformats.org/officeDocument/2006/relationships" xmlns:p14="http://schemas.microsoft.com/office/powerpoint/2010/main" xmlns:p15="http://schemas.microsoft.com/office/powerpoint/2012/main" xmlns:mc="http://schemas.openxmlformats.org/markup-compatibility/2006" type="objOverTx" preserve="1">
+<p:sldLayout xmlns:a="http://schemas.openxmlformats.org/drawingml/2006/main" xmlns:r="http://schemas.openxmlformats.org/officeDocument/2006/relationships" xmlns:p="http://schemas.openxmlformats.org/presentationml/2006/main" type="objOverTx" preserve="1">
   <p:cSld name="Title, Content over Content">
     <p:spTree>
       <p:nvGrpSpPr>
@@ -143,11 +2547,12 @@
           </a:ln>
         </p:spPr>
         <p:txBody>
-          <a:bodyPr lIns="0" rIns="0" tIns="0" bIns="0" anchor="ctr">
+          <a:bodyPr lIns="0" tIns="0" rIns="0" bIns="0" anchor="ctr">
             <a:noAutofit/>
           </a:bodyPr>
-          <a:p>
-            <a:endParaRPr b="0" lang="en-US" sz="1800" spc="-1" strike="noStrike">
+          <a:lstStyle/>
+          <a:p>
+            <a:endParaRPr lang="en-US" sz="1800" b="0" strike="noStrike" spc="-1">
               <a:solidFill>
                 <a:srgbClr val="000000"/>
               </a:solidFill>
@@ -180,9 +2585,10 @@
           </a:ln>
         </p:spPr>
         <p:txBody>
-          <a:bodyPr lIns="0" rIns="0" tIns="0" bIns="0" anchor="t">
+          <a:bodyPr lIns="0" tIns="0" rIns="0" bIns="0" anchor="t">
             <a:normAutofit/>
           </a:bodyPr>
+          <a:lstStyle/>
           <a:p>
             <a:pPr>
               <a:lnSpc>
@@ -193,7 +2599,7 @@
               </a:spcBef>
               <a:buNone/>
             </a:pPr>
-            <a:endParaRPr b="0" lang="en-US" sz="2000" spc="-1" strike="noStrike">
+            <a:endParaRPr lang="en-US" sz="2000" b="0" strike="noStrike" spc="-1">
               <a:solidFill>
                 <a:srgbClr val="404040"/>
               </a:solidFill>
@@ -226,9 +2632,10 @@
           </a:ln>
         </p:spPr>
         <p:txBody>
-          <a:bodyPr lIns="0" rIns="0" tIns="0" bIns="0" anchor="t">
+          <a:bodyPr lIns="0" tIns="0" rIns="0" bIns="0" anchor="t">
             <a:normAutofit/>
           </a:bodyPr>
+          <a:lstStyle/>
           <a:p>
             <a:pPr>
               <a:lnSpc>
@@ -239,7 +2646,7 @@
               </a:spcBef>
               <a:buNone/>
             </a:pPr>
-            <a:endParaRPr b="0" lang="en-US" sz="2000" spc="-1" strike="noStrike">
+            <a:endParaRPr lang="en-US" sz="2000" b="0" strike="noStrike" spc="-1">
               <a:solidFill>
                 <a:srgbClr val="404040"/>
               </a:solidFill>
@@ -261,6 +2668,7 @@
         <p:spPr/>
         <p:txBody>
           <a:bodyPr/>
+          <a:lstStyle/>
           <a:p>
             <a:r>
               <a:t>Footer</a:t>
@@ -281,10 +2689,12 @@
         <p:spPr/>
         <p:txBody>
           <a:bodyPr/>
+          <a:lstStyle/>
           <a:p>
             <a:fld id="{886C3E07-B40E-4305-A80B-41B5EA76BA1A}" type="slidenum">
-              <a:t>&lt;#&gt;</a:t>
+              <a:t>‹#›</a:t>
             </a:fld>
+            <a:endParaRPr/>
           </a:p>
         </p:txBody>
       </p:sp>
@@ -301,21 +2711,22 @@
         <p:spPr/>
         <p:txBody>
           <a:bodyPr/>
-          <a:p>
-            <a:r>
-              <a:rPr lang="en-AU"/>
-              <a:t/>
-            </a:r>
+          <a:lstStyle/>
+          <a:p>
+            <a:endParaRPr/>
           </a:p>
         </p:txBody>
       </p:sp>
     </p:spTree>
   </p:cSld>
+  <p:clrMapOvr>
+    <a:masterClrMapping/>
+  </p:clrMapOvr>
 </p:sldLayout>
 </file>
 
 <file path=ppt/slideLayouts/slideLayout11.xml><?xml version="1.0" encoding="utf-8"?>
-<p:sldLayout xmlns:a="http://schemas.openxmlformats.org/drawingml/2006/main" xmlns:p="http://schemas.openxmlformats.org/presentationml/2006/main" xmlns:r="http://schemas.openxmlformats.org/officeDocument/2006/relationships" xmlns:p14="http://schemas.microsoft.com/office/powerpoint/2010/main" xmlns:p15="http://schemas.microsoft.com/office/powerpoint/2012/main" xmlns:mc="http://schemas.openxmlformats.org/markup-compatibility/2006" type="fourObj" preserve="1">
+<p:sldLayout xmlns:a="http://schemas.openxmlformats.org/drawingml/2006/main" xmlns:r="http://schemas.openxmlformats.org/officeDocument/2006/relationships" xmlns:p="http://schemas.openxmlformats.org/presentationml/2006/main" type="fourObj" preserve="1">
   <p:cSld name="Title, 4 Content">
     <p:spTree>
       <p:nvGrpSpPr>
@@ -355,11 +2766,12 @@
           </a:ln>
         </p:spPr>
         <p:txBody>
-          <a:bodyPr lIns="0" rIns="0" tIns="0" bIns="0" anchor="ctr">
+          <a:bodyPr lIns="0" tIns="0" rIns="0" bIns="0" anchor="ctr">
             <a:noAutofit/>
           </a:bodyPr>
-          <a:p>
-            <a:endParaRPr b="0" lang="en-US" sz="1800" spc="-1" strike="noStrike">
+          <a:lstStyle/>
+          <a:p>
+            <a:endParaRPr lang="en-US" sz="1800" b="0" strike="noStrike" spc="-1">
               <a:solidFill>
                 <a:srgbClr val="000000"/>
               </a:solidFill>
@@ -392,9 +2804,10 @@
           </a:ln>
         </p:spPr>
         <p:txBody>
-          <a:bodyPr lIns="0" rIns="0" tIns="0" bIns="0" anchor="t">
+          <a:bodyPr lIns="0" tIns="0" rIns="0" bIns="0" anchor="t">
             <a:normAutofit/>
           </a:bodyPr>
+          <a:lstStyle/>
           <a:p>
             <a:pPr>
               <a:lnSpc>
@@ -405,7 +2818,7 @@
               </a:spcBef>
               <a:buNone/>
             </a:pPr>
-            <a:endParaRPr b="0" lang="en-US" sz="2000" spc="-1" strike="noStrike">
+            <a:endParaRPr lang="en-US" sz="2000" b="0" strike="noStrike" spc="-1">
               <a:solidFill>
                 <a:srgbClr val="404040"/>
               </a:solidFill>
@@ -438,9 +2851,10 @@
           </a:ln>
         </p:spPr>
         <p:txBody>
-          <a:bodyPr lIns="0" rIns="0" tIns="0" bIns="0" anchor="t">
+          <a:bodyPr lIns="0" tIns="0" rIns="0" bIns="0" anchor="t">
             <a:normAutofit/>
           </a:bodyPr>
+          <a:lstStyle/>
           <a:p>
             <a:pPr>
               <a:lnSpc>
@@ -451,7 +2865,7 @@
               </a:spcBef>
               <a:buNone/>
             </a:pPr>
-            <a:endParaRPr b="0" lang="en-US" sz="2000" spc="-1" strike="noStrike">
+            <a:endParaRPr lang="en-US" sz="2000" b="0" strike="noStrike" spc="-1">
               <a:solidFill>
                 <a:srgbClr val="404040"/>
               </a:solidFill>
@@ -484,9 +2898,10 @@
           </a:ln>
         </p:spPr>
         <p:txBody>
-          <a:bodyPr lIns="0" rIns="0" tIns="0" bIns="0" anchor="t">
+          <a:bodyPr lIns="0" tIns="0" rIns="0" bIns="0" anchor="t">
             <a:normAutofit/>
           </a:bodyPr>
+          <a:lstStyle/>
           <a:p>
             <a:pPr>
               <a:lnSpc>
@@ -497,7 +2912,7 @@
               </a:spcBef>
               <a:buNone/>
             </a:pPr>
-            <a:endParaRPr b="0" lang="en-US" sz="2000" spc="-1" strike="noStrike">
+            <a:endParaRPr lang="en-US" sz="2000" b="0" strike="noStrike" spc="-1">
               <a:solidFill>
                 <a:srgbClr val="404040"/>
               </a:solidFill>
@@ -530,9 +2945,10 @@
           </a:ln>
         </p:spPr>
         <p:txBody>
-          <a:bodyPr lIns="0" rIns="0" tIns="0" bIns="0" anchor="t">
+          <a:bodyPr lIns="0" tIns="0" rIns="0" bIns="0" anchor="t">
             <a:normAutofit/>
           </a:bodyPr>
+          <a:lstStyle/>
           <a:p>
             <a:pPr>
               <a:lnSpc>
@@ -543,7 +2959,7 @@
               </a:spcBef>
               <a:buNone/>
             </a:pPr>
-            <a:endParaRPr b="0" lang="en-US" sz="2000" spc="-1" strike="noStrike">
+            <a:endParaRPr lang="en-US" sz="2000" b="0" strike="noStrike" spc="-1">
               <a:solidFill>
                 <a:srgbClr val="404040"/>
               </a:solidFill>
@@ -565,6 +2981,7 @@
         <p:spPr/>
         <p:txBody>
           <a:bodyPr/>
+          <a:lstStyle/>
           <a:p>
             <a:r>
               <a:t>Footer</a:t>
@@ -585,10 +3002,12 @@
         <p:spPr/>
         <p:txBody>
           <a:bodyPr/>
+          <a:lstStyle/>
           <a:p>
             <a:fld id="{E416FBFE-7280-46C4-9051-4C9ED561677A}" type="slidenum">
-              <a:t>&lt;#&gt;</a:t>
+              <a:t>‹#›</a:t>
             </a:fld>
+            <a:endParaRPr/>
           </a:p>
         </p:txBody>
       </p:sp>
@@ -605,21 +3024,22 @@
         <p:spPr/>
         <p:txBody>
           <a:bodyPr/>
-          <a:p>
-            <a:r>
-              <a:rPr lang="en-AU"/>
-              <a:t/>
-            </a:r>
+          <a:lstStyle/>
+          <a:p>
+            <a:endParaRPr/>
           </a:p>
         </p:txBody>
       </p:sp>
     </p:spTree>
   </p:cSld>
+  <p:clrMapOvr>
+    <a:masterClrMapping/>
+  </p:clrMapOvr>
 </p:sldLayout>
 </file>
 
 <file path=ppt/slideLayouts/slideLayout12.xml><?xml version="1.0" encoding="utf-8"?>
-<p:sldLayout xmlns:a="http://schemas.openxmlformats.org/drawingml/2006/main" xmlns:p="http://schemas.openxmlformats.org/presentationml/2006/main" xmlns:r="http://schemas.openxmlformats.org/officeDocument/2006/relationships" xmlns:p14="http://schemas.microsoft.com/office/powerpoint/2010/main" xmlns:p15="http://schemas.microsoft.com/office/powerpoint/2012/main" xmlns:mc="http://schemas.openxmlformats.org/markup-compatibility/2006" type="blank" preserve="1">
+<p:sldLayout xmlns:a="http://schemas.openxmlformats.org/drawingml/2006/main" xmlns:r="http://schemas.openxmlformats.org/officeDocument/2006/relationships" xmlns:p="http://schemas.openxmlformats.org/presentationml/2006/main" type="blank" preserve="1">
   <p:cSld name="Title, 6 Content">
     <p:spTree>
       <p:nvGrpSpPr>
@@ -659,11 +3079,12 @@
           </a:ln>
         </p:spPr>
         <p:txBody>
-          <a:bodyPr lIns="0" rIns="0" tIns="0" bIns="0" anchor="ctr">
+          <a:bodyPr lIns="0" tIns="0" rIns="0" bIns="0" anchor="ctr">
             <a:noAutofit/>
           </a:bodyPr>
-          <a:p>
-            <a:endParaRPr b="0" lang="en-US" sz="1800" spc="-1" strike="noStrike">
+          <a:lstStyle/>
+          <a:p>
+            <a:endParaRPr lang="en-US" sz="1800" b="0" strike="noStrike" spc="-1">
               <a:solidFill>
                 <a:srgbClr val="000000"/>
               </a:solidFill>
@@ -696,9 +3117,10 @@
           </a:ln>
         </p:spPr>
         <p:txBody>
-          <a:bodyPr lIns="0" rIns="0" tIns="0" bIns="0" anchor="t">
+          <a:bodyPr lIns="0" tIns="0" rIns="0" bIns="0" anchor="t">
             <a:normAutofit/>
           </a:bodyPr>
+          <a:lstStyle/>
           <a:p>
             <a:pPr>
               <a:lnSpc>
@@ -709,7 +3131,7 @@
               </a:spcBef>
               <a:buNone/>
             </a:pPr>
-            <a:endParaRPr b="0" lang="en-US" sz="2000" spc="-1" strike="noStrike">
+            <a:endParaRPr lang="en-US" sz="2000" b="0" strike="noStrike" spc="-1">
               <a:solidFill>
                 <a:srgbClr val="404040"/>
               </a:solidFill>
@@ -742,9 +3164,10 @@
           </a:ln>
         </p:spPr>
         <p:txBody>
-          <a:bodyPr lIns="0" rIns="0" tIns="0" bIns="0" anchor="t">
+          <a:bodyPr lIns="0" tIns="0" rIns="0" bIns="0" anchor="t">
             <a:normAutofit/>
           </a:bodyPr>
+          <a:lstStyle/>
           <a:p>
             <a:pPr>
               <a:lnSpc>
@@ -755,7 +3178,7 @@
               </a:spcBef>
               <a:buNone/>
             </a:pPr>
-            <a:endParaRPr b="0" lang="en-US" sz="2000" spc="-1" strike="noStrike">
+            <a:endParaRPr lang="en-US" sz="2000" b="0" strike="noStrike" spc="-1">
               <a:solidFill>
                 <a:srgbClr val="404040"/>
               </a:solidFill>
@@ -788,9 +3211,10 @@
           </a:ln>
         </p:spPr>
         <p:txBody>
-          <a:bodyPr lIns="0" rIns="0" tIns="0" bIns="0" anchor="t">
+          <a:bodyPr lIns="0" tIns="0" rIns="0" bIns="0" anchor="t">
             <a:normAutofit/>
           </a:bodyPr>
+          <a:lstStyle/>
           <a:p>
             <a:pPr>
               <a:lnSpc>
@@ -801,7 +3225,7 @@
               </a:spcBef>
               <a:buNone/>
             </a:pPr>
-            <a:endParaRPr b="0" lang="en-US" sz="2000" spc="-1" strike="noStrike">
+            <a:endParaRPr lang="en-US" sz="2000" b="0" strike="noStrike" spc="-1">
               <a:solidFill>
                 <a:srgbClr val="404040"/>
               </a:solidFill>
@@ -834,9 +3258,10 @@
           </a:ln>
         </p:spPr>
         <p:txBody>
-          <a:bodyPr lIns="0" rIns="0" tIns="0" bIns="0" anchor="t">
+          <a:bodyPr lIns="0" tIns="0" rIns="0" bIns="0" anchor="t">
             <a:normAutofit/>
           </a:bodyPr>
+          <a:lstStyle/>
           <a:p>
             <a:pPr>
               <a:lnSpc>
@@ -847,7 +3272,7 @@
               </a:spcBef>
               <a:buNone/>
             </a:pPr>
-            <a:endParaRPr b="0" lang="en-US" sz="2000" spc="-1" strike="noStrike">
+            <a:endParaRPr lang="en-US" sz="2000" b="0" strike="noStrike" spc="-1">
               <a:solidFill>
                 <a:srgbClr val="404040"/>
               </a:solidFill>
@@ -880,9 +3305,10 @@
           </a:ln>
         </p:spPr>
         <p:txBody>
-          <a:bodyPr lIns="0" rIns="0" tIns="0" bIns="0" anchor="t">
+          <a:bodyPr lIns="0" tIns="0" rIns="0" bIns="0" anchor="t">
             <a:normAutofit/>
           </a:bodyPr>
+          <a:lstStyle/>
           <a:p>
             <a:pPr>
               <a:lnSpc>
@@ -893,7 +3319,7 @@
               </a:spcBef>
               <a:buNone/>
             </a:pPr>
-            <a:endParaRPr b="0" lang="en-US" sz="2000" spc="-1" strike="noStrike">
+            <a:endParaRPr lang="en-US" sz="2000" b="0" strike="noStrike" spc="-1">
               <a:solidFill>
                 <a:srgbClr val="404040"/>
               </a:solidFill>
@@ -926,9 +3352,10 @@
           </a:ln>
         </p:spPr>
         <p:txBody>
-          <a:bodyPr lIns="0" rIns="0" tIns="0" bIns="0" anchor="t">
+          <a:bodyPr lIns="0" tIns="0" rIns="0" bIns="0" anchor="t">
             <a:normAutofit/>
           </a:bodyPr>
+          <a:lstStyle/>
           <a:p>
             <a:pPr>
               <a:lnSpc>
@@ -939,7 +3366,7 @@
               </a:spcBef>
               <a:buNone/>
             </a:pPr>
-            <a:endParaRPr b="0" lang="en-US" sz="2000" spc="-1" strike="noStrike">
+            <a:endParaRPr lang="en-US" sz="2000" b="0" strike="noStrike" spc="-1">
               <a:solidFill>
                 <a:srgbClr val="404040"/>
               </a:solidFill>
@@ -961,6 +3388,7 @@
         <p:spPr/>
         <p:txBody>
           <a:bodyPr/>
+          <a:lstStyle/>
           <a:p>
             <a:r>
               <a:t>Footer</a:t>
@@ -981,10 +3409,12 @@
         <p:spPr/>
         <p:txBody>
           <a:bodyPr/>
+          <a:lstStyle/>
           <a:p>
             <a:fld id="{DA734694-5BE2-4F31-A29B-35E4101B8A9F}" type="slidenum">
-              <a:t>&lt;#&gt;</a:t>
+              <a:t>‹#›</a:t>
             </a:fld>
+            <a:endParaRPr/>
           </a:p>
         </p:txBody>
       </p:sp>
@@ -1001,21 +3431,22 @@
         <p:spPr/>
         <p:txBody>
           <a:bodyPr/>
-          <a:p>
-            <a:r>
-              <a:rPr lang="en-AU"/>
-              <a:t/>
-            </a:r>
+          <a:lstStyle/>
+          <a:p>
+            <a:endParaRPr/>
           </a:p>
         </p:txBody>
       </p:sp>
     </p:spTree>
   </p:cSld>
+  <p:clrMapOvr>
+    <a:masterClrMapping/>
+  </p:clrMapOvr>
 </p:sldLayout>
 </file>
 
 <file path=ppt/slideLayouts/slideLayout13.xml><?xml version="1.0" encoding="utf-8"?>
-<p:sldLayout xmlns:a="http://schemas.openxmlformats.org/drawingml/2006/main" xmlns:p="http://schemas.openxmlformats.org/presentationml/2006/main" xmlns:r="http://schemas.openxmlformats.org/officeDocument/2006/relationships" xmlns:p14="http://schemas.microsoft.com/office/powerpoint/2010/main" xmlns:p15="http://schemas.microsoft.com/office/powerpoint/2012/main" xmlns:mc="http://schemas.openxmlformats.org/markup-compatibility/2006" type="blank" preserve="1">
+<p:sldLayout xmlns:a="http://schemas.openxmlformats.org/drawingml/2006/main" xmlns:r="http://schemas.openxmlformats.org/officeDocument/2006/relationships" xmlns:p="http://schemas.openxmlformats.org/presentationml/2006/main" type="blank" preserve="1">
   <p:cSld name="Blank Slide">
     <p:spTree>
       <p:nvGrpSpPr>
@@ -1044,6 +3475,7 @@
         <p:spPr/>
         <p:txBody>
           <a:bodyPr/>
+          <a:lstStyle/>
           <a:p>
             <a:r>
               <a:t>Footer</a:t>
@@ -1064,10 +3496,12 @@
         <p:spPr/>
         <p:txBody>
           <a:bodyPr/>
+          <a:lstStyle/>
           <a:p>
             <a:fld id="{237F3E56-BC55-48A9-9445-3BA736478239}" type="slidenum">
-              <a:t>&lt;#&gt;</a:t>
+              <a:t>‹#›</a:t>
             </a:fld>
+            <a:endParaRPr/>
           </a:p>
         </p:txBody>
       </p:sp>
@@ -1084,21 +3518,22 @@
         <p:spPr/>
         <p:txBody>
           <a:bodyPr/>
-          <a:p>
-            <a:r>
-              <a:rPr lang="en-AU"/>
-              <a:t/>
-            </a:r>
+          <a:lstStyle/>
+          <a:p>
+            <a:endParaRPr/>
           </a:p>
         </p:txBody>
       </p:sp>
     </p:spTree>
   </p:cSld>
+  <p:clrMapOvr>
+    <a:masterClrMapping/>
+  </p:clrMapOvr>
 </p:sldLayout>
 </file>
 
 <file path=ppt/slideLayouts/slideLayout14.xml><?xml version="1.0" encoding="utf-8"?>
-<p:sldLayout xmlns:a="http://schemas.openxmlformats.org/drawingml/2006/main" xmlns:p="http://schemas.openxmlformats.org/presentationml/2006/main" xmlns:r="http://schemas.openxmlformats.org/officeDocument/2006/relationships" xmlns:p14="http://schemas.microsoft.com/office/powerpoint/2010/main" xmlns:p15="http://schemas.microsoft.com/office/powerpoint/2012/main" xmlns:mc="http://schemas.openxmlformats.org/markup-compatibility/2006" type="tx" preserve="1">
+<p:sldLayout xmlns:a="http://schemas.openxmlformats.org/drawingml/2006/main" xmlns:r="http://schemas.openxmlformats.org/officeDocument/2006/relationships" xmlns:p="http://schemas.openxmlformats.org/presentationml/2006/main" type="tx" preserve="1">
   <p:cSld name="Title Slide">
     <p:spTree>
       <p:nvGrpSpPr>
@@ -1138,11 +3573,12 @@
           </a:ln>
         </p:spPr>
         <p:txBody>
-          <a:bodyPr lIns="0" rIns="0" tIns="0" bIns="0" anchor="ctr">
+          <a:bodyPr lIns="0" tIns="0" rIns="0" bIns="0" anchor="ctr">
             <a:noAutofit/>
           </a:bodyPr>
-          <a:p>
-            <a:endParaRPr b="0" lang="en-US" sz="1800" spc="-1" strike="noStrike">
+          <a:lstStyle/>
+          <a:p>
+            <a:endParaRPr lang="en-US" sz="1800" b="0" strike="noStrike" spc="-1">
               <a:solidFill>
                 <a:srgbClr val="000000"/>
               </a:solidFill>
@@ -1175,14 +3611,15 @@
           </a:ln>
         </p:spPr>
         <p:txBody>
-          <a:bodyPr lIns="0" rIns="0" tIns="0" bIns="0" anchor="ctr">
+          <a:bodyPr lIns="0" tIns="0" rIns="0" bIns="0" anchor="ctr">
             <a:noAutofit/>
           </a:bodyPr>
+          <a:lstStyle/>
           <a:p>
             <a:pPr algn="ctr">
               <a:buNone/>
             </a:pPr>
-            <a:endParaRPr b="0" lang="en-AU" sz="3200" spc="-1" strike="noStrike">
+            <a:endParaRPr lang="en-AU" sz="3200" b="0" strike="noStrike" spc="-1">
               <a:latin typeface="Arial"/>
             </a:endParaRPr>
           </a:p>
@@ -1201,6 +3638,7 @@
         <p:spPr/>
         <p:txBody>
           <a:bodyPr/>
+          <a:lstStyle/>
           <a:p>
             <a:r>
               <a:t>Footer</a:t>
@@ -1221,10 +3659,12 @@
         <p:spPr/>
         <p:txBody>
           <a:bodyPr/>
+          <a:lstStyle/>
           <a:p>
             <a:fld id="{2F043FBF-4F89-4B04-8EC6-3DD18A3EAF27}" type="slidenum">
-              <a:t>&lt;#&gt;</a:t>
+              <a:t>‹#›</a:t>
             </a:fld>
+            <a:endParaRPr/>
           </a:p>
         </p:txBody>
       </p:sp>
@@ -1241,21 +3681,22 @@
         <p:spPr/>
         <p:txBody>
           <a:bodyPr/>
-          <a:p>
-            <a:r>
-              <a:rPr lang="en-AU"/>
-              <a:t/>
-            </a:r>
+          <a:lstStyle/>
+          <a:p>
+            <a:endParaRPr/>
           </a:p>
         </p:txBody>
       </p:sp>
     </p:spTree>
   </p:cSld>
+  <p:clrMapOvr>
+    <a:masterClrMapping/>
+  </p:clrMapOvr>
 </p:sldLayout>
 </file>
 
 <file path=ppt/slideLayouts/slideLayout15.xml><?xml version="1.0" encoding="utf-8"?>
-<p:sldLayout xmlns:a="http://schemas.openxmlformats.org/drawingml/2006/main" xmlns:p="http://schemas.openxmlformats.org/presentationml/2006/main" xmlns:r="http://schemas.openxmlformats.org/officeDocument/2006/relationships" xmlns:p14="http://schemas.microsoft.com/office/powerpoint/2010/main" xmlns:p15="http://schemas.microsoft.com/office/powerpoint/2012/main" xmlns:mc="http://schemas.openxmlformats.org/markup-compatibility/2006" type="obj" preserve="1">
+<p:sldLayout xmlns:a="http://schemas.openxmlformats.org/drawingml/2006/main" xmlns:r="http://schemas.openxmlformats.org/officeDocument/2006/relationships" xmlns:p="http://schemas.openxmlformats.org/presentationml/2006/main" type="obj" preserve="1">
   <p:cSld name="Title, Content">
     <p:spTree>
       <p:nvGrpSpPr>
@@ -1295,11 +3736,12 @@
           </a:ln>
         </p:spPr>
         <p:txBody>
-          <a:bodyPr lIns="0" rIns="0" tIns="0" bIns="0" anchor="ctr">
+          <a:bodyPr lIns="0" tIns="0" rIns="0" bIns="0" anchor="ctr">
             <a:noAutofit/>
           </a:bodyPr>
-          <a:p>
-            <a:endParaRPr b="0" lang="en-US" sz="1800" spc="-1" strike="noStrike">
+          <a:lstStyle/>
+          <a:p>
+            <a:endParaRPr lang="en-US" sz="1800" b="0" strike="noStrike" spc="-1">
               <a:solidFill>
                 <a:srgbClr val="000000"/>
               </a:solidFill>
@@ -1332,9 +3774,10 @@
           </a:ln>
         </p:spPr>
         <p:txBody>
-          <a:bodyPr lIns="0" rIns="0" tIns="0" bIns="0" anchor="t">
+          <a:bodyPr lIns="0" tIns="0" rIns="0" bIns="0" anchor="t">
             <a:normAutofit/>
           </a:bodyPr>
+          <a:lstStyle/>
           <a:p>
             <a:pPr>
               <a:lnSpc>
@@ -1345,7 +3788,7 @@
               </a:spcBef>
               <a:buNone/>
             </a:pPr>
-            <a:endParaRPr b="0" lang="en-US" sz="2000" spc="-1" strike="noStrike">
+            <a:endParaRPr lang="en-US" sz="2000" b="0" strike="noStrike" spc="-1">
               <a:solidFill>
                 <a:srgbClr val="404040"/>
               </a:solidFill>
@@ -1367,6 +3810,7 @@
         <p:spPr/>
         <p:txBody>
           <a:bodyPr/>
+          <a:lstStyle/>
           <a:p>
             <a:r>
               <a:t>Footer</a:t>
@@ -1387,10 +3831,12 @@
         <p:spPr/>
         <p:txBody>
           <a:bodyPr/>
+          <a:lstStyle/>
           <a:p>
             <a:fld id="{E6788625-2C91-422C-AE31-56E4E77D26E0}" type="slidenum">
-              <a:t>&lt;#&gt;</a:t>
+              <a:t>‹#›</a:t>
             </a:fld>
+            <a:endParaRPr/>
           </a:p>
         </p:txBody>
       </p:sp>
@@ -1407,21 +3853,22 @@
         <p:spPr/>
         <p:txBody>
           <a:bodyPr/>
-          <a:p>
-            <a:r>
-              <a:rPr lang="en-AU"/>
-              <a:t/>
-            </a:r>
+          <a:lstStyle/>
+          <a:p>
+            <a:endParaRPr/>
           </a:p>
         </p:txBody>
       </p:sp>
     </p:spTree>
   </p:cSld>
+  <p:clrMapOvr>
+    <a:masterClrMapping/>
+  </p:clrMapOvr>
 </p:sldLayout>
 </file>
 
 <file path=ppt/slideLayouts/slideLayout16.xml><?xml version="1.0" encoding="utf-8"?>
-<p:sldLayout xmlns:a="http://schemas.openxmlformats.org/drawingml/2006/main" xmlns:p="http://schemas.openxmlformats.org/presentationml/2006/main" xmlns:r="http://schemas.openxmlformats.org/officeDocument/2006/relationships" xmlns:p14="http://schemas.microsoft.com/office/powerpoint/2010/main" xmlns:p15="http://schemas.microsoft.com/office/powerpoint/2012/main" xmlns:mc="http://schemas.openxmlformats.org/markup-compatibility/2006" type="twoObj" preserve="1">
+<p:sldLayout xmlns:a="http://schemas.openxmlformats.org/drawingml/2006/main" xmlns:r="http://schemas.openxmlformats.org/officeDocument/2006/relationships" xmlns:p="http://schemas.openxmlformats.org/presentationml/2006/main" type="twoObj" preserve="1">
   <p:cSld name="Title, 2 Content">
     <p:spTree>
       <p:nvGrpSpPr>
@@ -1461,11 +3908,12 @@
           </a:ln>
         </p:spPr>
         <p:txBody>
-          <a:bodyPr lIns="0" rIns="0" tIns="0" bIns="0" anchor="ctr">
+          <a:bodyPr lIns="0" tIns="0" rIns="0" bIns="0" anchor="ctr">
             <a:noAutofit/>
           </a:bodyPr>
-          <a:p>
-            <a:endParaRPr b="0" lang="en-US" sz="1800" spc="-1" strike="noStrike">
+          <a:lstStyle/>
+          <a:p>
+            <a:endParaRPr lang="en-US" sz="1800" b="0" strike="noStrike" spc="-1">
               <a:solidFill>
                 <a:srgbClr val="000000"/>
               </a:solidFill>
@@ -1498,9 +3946,10 @@
           </a:ln>
         </p:spPr>
         <p:txBody>
-          <a:bodyPr lIns="0" rIns="0" tIns="0" bIns="0" anchor="t">
+          <a:bodyPr lIns="0" tIns="0" rIns="0" bIns="0" anchor="t">
             <a:normAutofit/>
           </a:bodyPr>
+          <a:lstStyle/>
           <a:p>
             <a:pPr>
               <a:lnSpc>
@@ -1511,7 +3960,7 @@
               </a:spcBef>
               <a:buNone/>
             </a:pPr>
-            <a:endParaRPr b="0" lang="en-US" sz="2000" spc="-1" strike="noStrike">
+            <a:endParaRPr lang="en-US" sz="2000" b="0" strike="noStrike" spc="-1">
               <a:solidFill>
                 <a:srgbClr val="404040"/>
               </a:solidFill>
@@ -1544,9 +3993,10 @@
           </a:ln>
         </p:spPr>
         <p:txBody>
-          <a:bodyPr lIns="0" rIns="0" tIns="0" bIns="0" anchor="t">
+          <a:bodyPr lIns="0" tIns="0" rIns="0" bIns="0" anchor="t">
             <a:normAutofit/>
           </a:bodyPr>
+          <a:lstStyle/>
           <a:p>
             <a:pPr>
               <a:lnSpc>
@@ -1557,7 +4007,7 @@
               </a:spcBef>
               <a:buNone/>
             </a:pPr>
-            <a:endParaRPr b="0" lang="en-US" sz="2000" spc="-1" strike="noStrike">
+            <a:endParaRPr lang="en-US" sz="2000" b="0" strike="noStrike" spc="-1">
               <a:solidFill>
                 <a:srgbClr val="404040"/>
               </a:solidFill>
@@ -1579,6 +4029,7 @@
         <p:spPr/>
         <p:txBody>
           <a:bodyPr/>
+          <a:lstStyle/>
           <a:p>
             <a:r>
               <a:t>Footer</a:t>
@@ -1599,10 +4050,12 @@
         <p:spPr/>
         <p:txBody>
           <a:bodyPr/>
+          <a:lstStyle/>
           <a:p>
             <a:fld id="{9C510CFB-D53B-4DAB-B937-C21310CC7826}" type="slidenum">
-              <a:t>&lt;#&gt;</a:t>
+              <a:t>‹#›</a:t>
             </a:fld>
+            <a:endParaRPr/>
           </a:p>
         </p:txBody>
       </p:sp>
@@ -1619,21 +4072,22 @@
         <p:spPr/>
         <p:txBody>
           <a:bodyPr/>
-          <a:p>
-            <a:r>
-              <a:rPr lang="en-AU"/>
-              <a:t/>
-            </a:r>
+          <a:lstStyle/>
+          <a:p>
+            <a:endParaRPr/>
           </a:p>
         </p:txBody>
       </p:sp>
     </p:spTree>
   </p:cSld>
+  <p:clrMapOvr>
+    <a:masterClrMapping/>
+  </p:clrMapOvr>
 </p:sldLayout>
 </file>
 
 <file path=ppt/slideLayouts/slideLayout17.xml><?xml version="1.0" encoding="utf-8"?>
-<p:sldLayout xmlns:a="http://schemas.openxmlformats.org/drawingml/2006/main" xmlns:p="http://schemas.openxmlformats.org/presentationml/2006/main" xmlns:r="http://schemas.openxmlformats.org/officeDocument/2006/relationships" xmlns:p14="http://schemas.microsoft.com/office/powerpoint/2010/main" xmlns:p15="http://schemas.microsoft.com/office/powerpoint/2012/main" xmlns:mc="http://schemas.openxmlformats.org/markup-compatibility/2006" type="titleOnly" preserve="1">
+<p:sldLayout xmlns:a="http://schemas.openxmlformats.org/drawingml/2006/main" xmlns:r="http://schemas.openxmlformats.org/officeDocument/2006/relationships" xmlns:p="http://schemas.openxmlformats.org/presentationml/2006/main" type="titleOnly" preserve="1">
   <p:cSld name="Title Only">
     <p:spTree>
       <p:nvGrpSpPr>
@@ -1673,11 +4127,12 @@
           </a:ln>
         </p:spPr>
         <p:txBody>
-          <a:bodyPr lIns="0" rIns="0" tIns="0" bIns="0" anchor="ctr">
+          <a:bodyPr lIns="0" tIns="0" rIns="0" bIns="0" anchor="ctr">
             <a:noAutofit/>
           </a:bodyPr>
-          <a:p>
-            <a:endParaRPr b="0" lang="en-US" sz="1800" spc="-1" strike="noStrike">
+          <a:lstStyle/>
+          <a:p>
+            <a:endParaRPr lang="en-US" sz="1800" b="0" strike="noStrike" spc="-1">
               <a:solidFill>
                 <a:srgbClr val="000000"/>
               </a:solidFill>
@@ -1699,6 +4154,7 @@
         <p:spPr/>
         <p:txBody>
           <a:bodyPr/>
+          <a:lstStyle/>
           <a:p>
             <a:r>
               <a:t>Footer</a:t>
@@ -1719,10 +4175,12 @@
         <p:spPr/>
         <p:txBody>
           <a:bodyPr/>
+          <a:lstStyle/>
           <a:p>
             <a:fld id="{42762F04-B452-4452-81F7-D660B7EFFAF9}" type="slidenum">
-              <a:t>&lt;#&gt;</a:t>
+              <a:t>‹#›</a:t>
             </a:fld>
+            <a:endParaRPr/>
           </a:p>
         </p:txBody>
       </p:sp>
@@ -1739,21 +4197,22 @@
         <p:spPr/>
         <p:txBody>
           <a:bodyPr/>
-          <a:p>
-            <a:r>
-              <a:rPr lang="en-AU"/>
-              <a:t/>
-            </a:r>
+          <a:lstStyle/>
+          <a:p>
+            <a:endParaRPr/>
           </a:p>
         </p:txBody>
       </p:sp>
     </p:spTree>
   </p:cSld>
+  <p:clrMapOvr>
+    <a:masterClrMapping/>
+  </p:clrMapOvr>
 </p:sldLayout>
 </file>
 
 <file path=ppt/slideLayouts/slideLayout18.xml><?xml version="1.0" encoding="utf-8"?>
-<p:sldLayout xmlns:a="http://schemas.openxmlformats.org/drawingml/2006/main" xmlns:p="http://schemas.openxmlformats.org/presentationml/2006/main" xmlns:r="http://schemas.openxmlformats.org/officeDocument/2006/relationships" xmlns:p14="http://schemas.microsoft.com/office/powerpoint/2010/main" xmlns:p15="http://schemas.microsoft.com/office/powerpoint/2012/main" xmlns:mc="http://schemas.openxmlformats.org/markup-compatibility/2006" type="objOnly" preserve="1">
+<p:sldLayout xmlns:a="http://schemas.openxmlformats.org/drawingml/2006/main" xmlns:r="http://schemas.openxmlformats.org/officeDocument/2006/relationships" xmlns:p="http://schemas.openxmlformats.org/presentationml/2006/main" type="objOnly" preserve="1">
   <p:cSld name="Centered Text">
     <p:spTree>
       <p:nvGrpSpPr>
@@ -1793,14 +4252,15 @@
           </a:ln>
         </p:spPr>
         <p:txBody>
-          <a:bodyPr lIns="0" rIns="0" tIns="0" bIns="0" anchor="ctr">
+          <a:bodyPr lIns="0" tIns="0" rIns="0" bIns="0" anchor="ctr">
             <a:noAutofit/>
           </a:bodyPr>
+          <a:lstStyle/>
           <a:p>
             <a:pPr algn="ctr">
               <a:buNone/>
             </a:pPr>
-            <a:endParaRPr b="0" lang="en-AU" sz="3200" spc="-1" strike="noStrike">
+            <a:endParaRPr lang="en-AU" sz="3200" b="0" strike="noStrike" spc="-1">
               <a:latin typeface="Arial"/>
             </a:endParaRPr>
           </a:p>
@@ -1819,6 +4279,7 @@
         <p:spPr/>
         <p:txBody>
           <a:bodyPr/>
+          <a:lstStyle/>
           <a:p>
             <a:r>
               <a:t>Footer</a:t>
@@ -1839,10 +4300,12 @@
         <p:spPr/>
         <p:txBody>
           <a:bodyPr/>
+          <a:lstStyle/>
           <a:p>
             <a:fld id="{9DC8AF1C-BA19-43C4-BCF8-466947D78762}" type="slidenum">
-              <a:t>&lt;#&gt;</a:t>
+              <a:t>‹#›</a:t>
             </a:fld>
+            <a:endParaRPr/>
           </a:p>
         </p:txBody>
       </p:sp>
@@ -1859,21 +4322,22 @@
         <p:spPr/>
         <p:txBody>
           <a:bodyPr/>
-          <a:p>
-            <a:r>
-              <a:rPr lang="en-AU"/>
-              <a:t/>
-            </a:r>
+          <a:lstStyle/>
+          <a:p>
+            <a:endParaRPr/>
           </a:p>
         </p:txBody>
       </p:sp>
     </p:spTree>
   </p:cSld>
+  <p:clrMapOvr>
+    <a:masterClrMapping/>
+  </p:clrMapOvr>
 </p:sldLayout>
 </file>
 
 <file path=ppt/slideLayouts/slideLayout19.xml><?xml version="1.0" encoding="utf-8"?>
-<p:sldLayout xmlns:a="http://schemas.openxmlformats.org/drawingml/2006/main" xmlns:p="http://schemas.openxmlformats.org/presentationml/2006/main" xmlns:r="http://schemas.openxmlformats.org/officeDocument/2006/relationships" xmlns:p14="http://schemas.microsoft.com/office/powerpoint/2010/main" xmlns:p15="http://schemas.microsoft.com/office/powerpoint/2012/main" xmlns:mc="http://schemas.openxmlformats.org/markup-compatibility/2006" type="twoObjAndObj" preserve="1">
+<p:sldLayout xmlns:a="http://schemas.openxmlformats.org/drawingml/2006/main" xmlns:r="http://schemas.openxmlformats.org/officeDocument/2006/relationships" xmlns:p="http://schemas.openxmlformats.org/presentationml/2006/main" type="twoObjAndObj" preserve="1">
   <p:cSld name="Title, 2 Content and Content">
     <p:spTree>
       <p:nvGrpSpPr>
@@ -1913,11 +4377,12 @@
           </a:ln>
         </p:spPr>
         <p:txBody>
-          <a:bodyPr lIns="0" rIns="0" tIns="0" bIns="0" anchor="ctr">
+          <a:bodyPr lIns="0" tIns="0" rIns="0" bIns="0" anchor="ctr">
             <a:noAutofit/>
           </a:bodyPr>
-          <a:p>
-            <a:endParaRPr b="0" lang="en-US" sz="1800" spc="-1" strike="noStrike">
+          <a:lstStyle/>
+          <a:p>
+            <a:endParaRPr lang="en-US" sz="1800" b="0" strike="noStrike" spc="-1">
               <a:solidFill>
                 <a:srgbClr val="000000"/>
               </a:solidFill>
@@ -1950,9 +4415,10 @@
           </a:ln>
         </p:spPr>
         <p:txBody>
-          <a:bodyPr lIns="0" rIns="0" tIns="0" bIns="0" anchor="t">
+          <a:bodyPr lIns="0" tIns="0" rIns="0" bIns="0" anchor="t">
             <a:normAutofit/>
           </a:bodyPr>
+          <a:lstStyle/>
           <a:p>
             <a:pPr>
               <a:lnSpc>
@@ -1963,7 +4429,7 @@
               </a:spcBef>
               <a:buNone/>
             </a:pPr>
-            <a:endParaRPr b="0" lang="en-US" sz="2000" spc="-1" strike="noStrike">
+            <a:endParaRPr lang="en-US" sz="2000" b="0" strike="noStrike" spc="-1">
               <a:solidFill>
                 <a:srgbClr val="404040"/>
               </a:solidFill>
@@ -1996,9 +4462,10 @@
           </a:ln>
         </p:spPr>
         <p:txBody>
-          <a:bodyPr lIns="0" rIns="0" tIns="0" bIns="0" anchor="t">
+          <a:bodyPr lIns="0" tIns="0" rIns="0" bIns="0" anchor="t">
             <a:normAutofit/>
           </a:bodyPr>
+          <a:lstStyle/>
           <a:p>
             <a:pPr>
               <a:lnSpc>
@@ -2009,7 +4476,7 @@
               </a:spcBef>
               <a:buNone/>
             </a:pPr>
-            <a:endParaRPr b="0" lang="en-US" sz="2000" spc="-1" strike="noStrike">
+            <a:endParaRPr lang="en-US" sz="2000" b="0" strike="noStrike" spc="-1">
               <a:solidFill>
                 <a:srgbClr val="404040"/>
               </a:solidFill>
@@ -2042,9 +4509,10 @@
           </a:ln>
         </p:spPr>
         <p:txBody>
-          <a:bodyPr lIns="0" rIns="0" tIns="0" bIns="0" anchor="t">
+          <a:bodyPr lIns="0" tIns="0" rIns="0" bIns="0" anchor="t">
             <a:normAutofit/>
           </a:bodyPr>
+          <a:lstStyle/>
           <a:p>
             <a:pPr>
               <a:lnSpc>
@@ -2055,7 +4523,7 @@
               </a:spcBef>
               <a:buNone/>
             </a:pPr>
-            <a:endParaRPr b="0" lang="en-US" sz="2000" spc="-1" strike="noStrike">
+            <a:endParaRPr lang="en-US" sz="2000" b="0" strike="noStrike" spc="-1">
               <a:solidFill>
                 <a:srgbClr val="404040"/>
               </a:solidFill>
@@ -2077,6 +4545,7 @@
         <p:spPr/>
         <p:txBody>
           <a:bodyPr/>
+          <a:lstStyle/>
           <a:p>
             <a:r>
               <a:t>Footer</a:t>
@@ -2097,10 +4566,12 @@
         <p:spPr/>
         <p:txBody>
           <a:bodyPr/>
+          <a:lstStyle/>
           <a:p>
             <a:fld id="{9B5A3423-70C9-4BEE-8172-0B990BF0B78A}" type="slidenum">
-              <a:t>&lt;#&gt;</a:t>
+              <a:t>‹#›</a:t>
             </a:fld>
+            <a:endParaRPr/>
           </a:p>
         </p:txBody>
       </p:sp>
@@ -2117,21 +4588,22 @@
         <p:spPr/>
         <p:txBody>
           <a:bodyPr/>
-          <a:p>
-            <a:r>
-              <a:rPr lang="en-AU"/>
-              <a:t/>
-            </a:r>
+          <a:lstStyle/>
+          <a:p>
+            <a:endParaRPr/>
           </a:p>
         </p:txBody>
       </p:sp>
     </p:spTree>
   </p:cSld>
+  <p:clrMapOvr>
+    <a:masterClrMapping/>
+  </p:clrMapOvr>
 </p:sldLayout>
 </file>
 
 <file path=ppt/slideLayouts/slideLayout2.xml><?xml version="1.0" encoding="utf-8"?>
-<p:sldLayout xmlns:a="http://schemas.openxmlformats.org/drawingml/2006/main" xmlns:p="http://schemas.openxmlformats.org/presentationml/2006/main" xmlns:r="http://schemas.openxmlformats.org/officeDocument/2006/relationships" xmlns:p14="http://schemas.microsoft.com/office/powerpoint/2010/main" xmlns:p15="http://schemas.microsoft.com/office/powerpoint/2012/main" xmlns:mc="http://schemas.openxmlformats.org/markup-compatibility/2006" type="tx" preserve="1">
+<p:sldLayout xmlns:a="http://schemas.openxmlformats.org/drawingml/2006/main" xmlns:r="http://schemas.openxmlformats.org/officeDocument/2006/relationships" xmlns:p="http://schemas.openxmlformats.org/presentationml/2006/main" type="tx" preserve="1">
   <p:cSld name="Title Slide">
     <p:spTree>
       <p:nvGrpSpPr>
@@ -2171,11 +4643,12 @@
           </a:ln>
         </p:spPr>
         <p:txBody>
-          <a:bodyPr lIns="0" rIns="0" tIns="0" bIns="0" anchor="ctr">
+          <a:bodyPr lIns="0" tIns="0" rIns="0" bIns="0" anchor="ctr">
             <a:noAutofit/>
           </a:bodyPr>
-          <a:p>
-            <a:endParaRPr b="0" lang="en-US" sz="1800" spc="-1" strike="noStrike">
+          <a:lstStyle/>
+          <a:p>
+            <a:endParaRPr lang="en-US" sz="1800" b="0" strike="noStrike" spc="-1">
               <a:solidFill>
                 <a:srgbClr val="000000"/>
               </a:solidFill>
@@ -2208,14 +4681,15 @@
           </a:ln>
         </p:spPr>
         <p:txBody>
-          <a:bodyPr lIns="0" rIns="0" tIns="0" bIns="0" anchor="ctr">
+          <a:bodyPr lIns="0" tIns="0" rIns="0" bIns="0" anchor="ctr">
             <a:noAutofit/>
           </a:bodyPr>
+          <a:lstStyle/>
           <a:p>
             <a:pPr algn="ctr">
               <a:buNone/>
             </a:pPr>
-            <a:endParaRPr b="0" lang="en-AU" sz="3200" spc="-1" strike="noStrike">
+            <a:endParaRPr lang="en-AU" sz="3200" b="0" strike="noStrike" spc="-1">
               <a:latin typeface="Arial"/>
             </a:endParaRPr>
           </a:p>
@@ -2234,6 +4708,7 @@
         <p:spPr/>
         <p:txBody>
           <a:bodyPr/>
+          <a:lstStyle/>
           <a:p>
             <a:r>
               <a:t>Footer</a:t>
@@ -2254,10 +4729,12 @@
         <p:spPr/>
         <p:txBody>
           <a:bodyPr/>
+          <a:lstStyle/>
           <a:p>
             <a:fld id="{72634FB8-6933-4412-9D96-4DF29B48B134}" type="slidenum">
-              <a:t>&lt;#&gt;</a:t>
+              <a:t>‹#›</a:t>
             </a:fld>
+            <a:endParaRPr/>
           </a:p>
         </p:txBody>
       </p:sp>
@@ -2274,21 +4751,22 @@
         <p:spPr/>
         <p:txBody>
           <a:bodyPr/>
-          <a:p>
-            <a:r>
-              <a:rPr lang="en-AU"/>
-              <a:t/>
-            </a:r>
+          <a:lstStyle/>
+          <a:p>
+            <a:endParaRPr/>
           </a:p>
         </p:txBody>
       </p:sp>
     </p:spTree>
   </p:cSld>
+  <p:clrMapOvr>
+    <a:masterClrMapping/>
+  </p:clrMapOvr>
 </p:sldLayout>
 </file>
 
 <file path=ppt/slideLayouts/slideLayout20.xml><?xml version="1.0" encoding="utf-8"?>
-<p:sldLayout xmlns:a="http://schemas.openxmlformats.org/drawingml/2006/main" xmlns:p="http://schemas.openxmlformats.org/presentationml/2006/main" xmlns:r="http://schemas.openxmlformats.org/officeDocument/2006/relationships" xmlns:p14="http://schemas.microsoft.com/office/powerpoint/2010/main" xmlns:p15="http://schemas.microsoft.com/office/powerpoint/2012/main" xmlns:mc="http://schemas.openxmlformats.org/markup-compatibility/2006" type="objAndTwoObj" preserve="1">
+<p:sldLayout xmlns:a="http://schemas.openxmlformats.org/drawingml/2006/main" xmlns:r="http://schemas.openxmlformats.org/officeDocument/2006/relationships" xmlns:p="http://schemas.openxmlformats.org/presentationml/2006/main" type="objAndTwoObj" preserve="1">
   <p:cSld name="Title Content and 2 Content">
     <p:spTree>
       <p:nvGrpSpPr>
@@ -2328,11 +4806,12 @@
           </a:ln>
         </p:spPr>
         <p:txBody>
-          <a:bodyPr lIns="0" rIns="0" tIns="0" bIns="0" anchor="ctr">
+          <a:bodyPr lIns="0" tIns="0" rIns="0" bIns="0" anchor="ctr">
             <a:noAutofit/>
           </a:bodyPr>
-          <a:p>
-            <a:endParaRPr b="0" lang="en-US" sz="1800" spc="-1" strike="noStrike">
+          <a:lstStyle/>
+          <a:p>
+            <a:endParaRPr lang="en-US" sz="1800" b="0" strike="noStrike" spc="-1">
               <a:solidFill>
                 <a:srgbClr val="000000"/>
               </a:solidFill>
@@ -2365,9 +4844,10 @@
           </a:ln>
         </p:spPr>
         <p:txBody>
-          <a:bodyPr lIns="0" rIns="0" tIns="0" bIns="0" anchor="t">
+          <a:bodyPr lIns="0" tIns="0" rIns="0" bIns="0" anchor="t">
             <a:normAutofit/>
           </a:bodyPr>
+          <a:lstStyle/>
           <a:p>
             <a:pPr>
               <a:lnSpc>
@@ -2378,7 +4858,7 @@
               </a:spcBef>
               <a:buNone/>
             </a:pPr>
-            <a:endParaRPr b="0" lang="en-US" sz="2000" spc="-1" strike="noStrike">
+            <a:endParaRPr lang="en-US" sz="2000" b="0" strike="noStrike" spc="-1">
               <a:solidFill>
                 <a:srgbClr val="404040"/>
               </a:solidFill>
@@ -2411,9 +4891,10 @@
           </a:ln>
         </p:spPr>
         <p:txBody>
-          <a:bodyPr lIns="0" rIns="0" tIns="0" bIns="0" anchor="t">
+          <a:bodyPr lIns="0" tIns="0" rIns="0" bIns="0" anchor="t">
             <a:normAutofit/>
           </a:bodyPr>
+          <a:lstStyle/>
           <a:p>
             <a:pPr>
               <a:lnSpc>
@@ -2424,7 +4905,7 @@
               </a:spcBef>
               <a:buNone/>
             </a:pPr>
-            <a:endParaRPr b="0" lang="en-US" sz="2000" spc="-1" strike="noStrike">
+            <a:endParaRPr lang="en-US" sz="2000" b="0" strike="noStrike" spc="-1">
               <a:solidFill>
                 <a:srgbClr val="404040"/>
               </a:solidFill>
@@ -2457,9 +4938,10 @@
           </a:ln>
         </p:spPr>
         <p:txBody>
-          <a:bodyPr lIns="0" rIns="0" tIns="0" bIns="0" anchor="t">
+          <a:bodyPr lIns="0" tIns="0" rIns="0" bIns="0" anchor="t">
             <a:normAutofit/>
           </a:bodyPr>
+          <a:lstStyle/>
           <a:p>
             <a:pPr>
               <a:lnSpc>
@@ -2470,7 +4952,7 @@
               </a:spcBef>
               <a:buNone/>
             </a:pPr>
-            <a:endParaRPr b="0" lang="en-US" sz="2000" spc="-1" strike="noStrike">
+            <a:endParaRPr lang="en-US" sz="2000" b="0" strike="noStrike" spc="-1">
               <a:solidFill>
                 <a:srgbClr val="404040"/>
               </a:solidFill>
@@ -2492,6 +4974,7 @@
         <p:spPr/>
         <p:txBody>
           <a:bodyPr/>
+          <a:lstStyle/>
           <a:p>
             <a:r>
               <a:t>Footer</a:t>
@@ -2512,10 +4995,12 @@
         <p:spPr/>
         <p:txBody>
           <a:bodyPr/>
+          <a:lstStyle/>
           <a:p>
             <a:fld id="{D7B05751-CA87-4447-B1F3-0F1A5041A493}" type="slidenum">
-              <a:t>&lt;#&gt;</a:t>
+              <a:t>‹#›</a:t>
             </a:fld>
+            <a:endParaRPr/>
           </a:p>
         </p:txBody>
       </p:sp>
@@ -2532,21 +5017,22 @@
         <p:spPr/>
         <p:txBody>
           <a:bodyPr/>
-          <a:p>
-            <a:r>
-              <a:rPr lang="en-AU"/>
-              <a:t/>
-            </a:r>
+          <a:lstStyle/>
+          <a:p>
+            <a:endParaRPr/>
           </a:p>
         </p:txBody>
       </p:sp>
     </p:spTree>
   </p:cSld>
+  <p:clrMapOvr>
+    <a:masterClrMapping/>
+  </p:clrMapOvr>
 </p:sldLayout>
 </file>
 
 <file path=ppt/slideLayouts/slideLayout21.xml><?xml version="1.0" encoding="utf-8"?>
-<p:sldLayout xmlns:a="http://schemas.openxmlformats.org/drawingml/2006/main" xmlns:p="http://schemas.openxmlformats.org/presentationml/2006/main" xmlns:r="http://schemas.openxmlformats.org/officeDocument/2006/relationships" xmlns:p14="http://schemas.microsoft.com/office/powerpoint/2010/main" xmlns:p15="http://schemas.microsoft.com/office/powerpoint/2012/main" xmlns:mc="http://schemas.openxmlformats.org/markup-compatibility/2006" type="twoObjOverTx" preserve="1">
+<p:sldLayout xmlns:a="http://schemas.openxmlformats.org/drawingml/2006/main" xmlns:r="http://schemas.openxmlformats.org/officeDocument/2006/relationships" xmlns:p="http://schemas.openxmlformats.org/presentationml/2006/main" type="twoObjOverTx" preserve="1">
   <p:cSld name="Title, 2 Content over Content">
     <p:spTree>
       <p:nvGrpSpPr>
@@ -2586,11 +5072,12 @@
           </a:ln>
         </p:spPr>
         <p:txBody>
-          <a:bodyPr lIns="0" rIns="0" tIns="0" bIns="0" anchor="ctr">
+          <a:bodyPr lIns="0" tIns="0" rIns="0" bIns="0" anchor="ctr">
             <a:noAutofit/>
           </a:bodyPr>
-          <a:p>
-            <a:endParaRPr b="0" lang="en-US" sz="1800" spc="-1" strike="noStrike">
+          <a:lstStyle/>
+          <a:p>
+            <a:endParaRPr lang="en-US" sz="1800" b="0" strike="noStrike" spc="-1">
               <a:solidFill>
                 <a:srgbClr val="000000"/>
               </a:solidFill>
@@ -2623,9 +5110,10 @@
           </a:ln>
         </p:spPr>
         <p:txBody>
-          <a:bodyPr lIns="0" rIns="0" tIns="0" bIns="0" anchor="t">
+          <a:bodyPr lIns="0" tIns="0" rIns="0" bIns="0" anchor="t">
             <a:normAutofit/>
           </a:bodyPr>
+          <a:lstStyle/>
           <a:p>
             <a:pPr>
               <a:lnSpc>
@@ -2636,7 +5124,7 @@
               </a:spcBef>
               <a:buNone/>
             </a:pPr>
-            <a:endParaRPr b="0" lang="en-US" sz="2000" spc="-1" strike="noStrike">
+            <a:endParaRPr lang="en-US" sz="2000" b="0" strike="noStrike" spc="-1">
               <a:solidFill>
                 <a:srgbClr val="404040"/>
               </a:solidFill>
@@ -2669,9 +5157,10 @@
           </a:ln>
         </p:spPr>
         <p:txBody>
-          <a:bodyPr lIns="0" rIns="0" tIns="0" bIns="0" anchor="t">
+          <a:bodyPr lIns="0" tIns="0" rIns="0" bIns="0" anchor="t">
             <a:normAutofit/>
           </a:bodyPr>
+          <a:lstStyle/>
           <a:p>
             <a:pPr>
               <a:lnSpc>
@@ -2682,7 +5171,7 @@
               </a:spcBef>
               <a:buNone/>
             </a:pPr>
-            <a:endParaRPr b="0" lang="en-US" sz="2000" spc="-1" strike="noStrike">
+            <a:endParaRPr lang="en-US" sz="2000" b="0" strike="noStrike" spc="-1">
               <a:solidFill>
                 <a:srgbClr val="404040"/>
               </a:solidFill>
@@ -2715,9 +5204,10 @@
           </a:ln>
         </p:spPr>
         <p:txBody>
-          <a:bodyPr lIns="0" rIns="0" tIns="0" bIns="0" anchor="t">
+          <a:bodyPr lIns="0" tIns="0" rIns="0" bIns="0" anchor="t">
             <a:normAutofit/>
           </a:bodyPr>
+          <a:lstStyle/>
           <a:p>
             <a:pPr>
               <a:lnSpc>
@@ -2728,7 +5218,7 @@
               </a:spcBef>
               <a:buNone/>
             </a:pPr>
-            <a:endParaRPr b="0" lang="en-US" sz="2000" spc="-1" strike="noStrike">
+            <a:endParaRPr lang="en-US" sz="2000" b="0" strike="noStrike" spc="-1">
               <a:solidFill>
                 <a:srgbClr val="404040"/>
               </a:solidFill>
@@ -2750,6 +5240,7 @@
         <p:spPr/>
         <p:txBody>
           <a:bodyPr/>
+          <a:lstStyle/>
           <a:p>
             <a:r>
               <a:t>Footer</a:t>
@@ -2770,10 +5261,12 @@
         <p:spPr/>
         <p:txBody>
           <a:bodyPr/>
+          <a:lstStyle/>
           <a:p>
             <a:fld id="{8D33057C-8955-41C6-94BA-2CF1E14B67D5}" type="slidenum">
-              <a:t>&lt;#&gt;</a:t>
+              <a:t>‹#›</a:t>
             </a:fld>
+            <a:endParaRPr/>
           </a:p>
         </p:txBody>
       </p:sp>
@@ -2790,21 +5283,22 @@
         <p:spPr/>
         <p:txBody>
           <a:bodyPr/>
-          <a:p>
-            <a:r>
-              <a:rPr lang="en-AU"/>
-              <a:t/>
-            </a:r>
+          <a:lstStyle/>
+          <a:p>
+            <a:endParaRPr/>
           </a:p>
         </p:txBody>
       </p:sp>
     </p:spTree>
   </p:cSld>
+  <p:clrMapOvr>
+    <a:masterClrMapping/>
+  </p:clrMapOvr>
 </p:sldLayout>
 </file>
 
 <file path=ppt/slideLayouts/slideLayout22.xml><?xml version="1.0" encoding="utf-8"?>
-<p:sldLayout xmlns:a="http://schemas.openxmlformats.org/drawingml/2006/main" xmlns:p="http://schemas.openxmlformats.org/presentationml/2006/main" xmlns:r="http://schemas.openxmlformats.org/officeDocument/2006/relationships" xmlns:p14="http://schemas.microsoft.com/office/powerpoint/2010/main" xmlns:p15="http://schemas.microsoft.com/office/powerpoint/2012/main" xmlns:mc="http://schemas.openxmlformats.org/markup-compatibility/2006" type="objOverTx" preserve="1">
+<p:sldLayout xmlns:a="http://schemas.openxmlformats.org/drawingml/2006/main" xmlns:r="http://schemas.openxmlformats.org/officeDocument/2006/relationships" xmlns:p="http://schemas.openxmlformats.org/presentationml/2006/main" type="objOverTx" preserve="1">
   <p:cSld name="Title, Content over Content">
     <p:spTree>
       <p:nvGrpSpPr>
@@ -2844,11 +5338,12 @@
           </a:ln>
         </p:spPr>
         <p:txBody>
-          <a:bodyPr lIns="0" rIns="0" tIns="0" bIns="0" anchor="ctr">
+          <a:bodyPr lIns="0" tIns="0" rIns="0" bIns="0" anchor="ctr">
             <a:noAutofit/>
           </a:bodyPr>
-          <a:p>
-            <a:endParaRPr b="0" lang="en-US" sz="1800" spc="-1" strike="noStrike">
+          <a:lstStyle/>
+          <a:p>
+            <a:endParaRPr lang="en-US" sz="1800" b="0" strike="noStrike" spc="-1">
               <a:solidFill>
                 <a:srgbClr val="000000"/>
               </a:solidFill>
@@ -2881,9 +5376,10 @@
           </a:ln>
         </p:spPr>
         <p:txBody>
-          <a:bodyPr lIns="0" rIns="0" tIns="0" bIns="0" anchor="t">
+          <a:bodyPr lIns="0" tIns="0" rIns="0" bIns="0" anchor="t">
             <a:normAutofit/>
           </a:bodyPr>
+          <a:lstStyle/>
           <a:p>
             <a:pPr>
               <a:lnSpc>
@@ -2894,7 +5390,7 @@
               </a:spcBef>
               <a:buNone/>
             </a:pPr>
-            <a:endParaRPr b="0" lang="en-US" sz="2000" spc="-1" strike="noStrike">
+            <a:endParaRPr lang="en-US" sz="2000" b="0" strike="noStrike" spc="-1">
               <a:solidFill>
                 <a:srgbClr val="404040"/>
               </a:solidFill>
@@ -2927,9 +5423,10 @@
           </a:ln>
         </p:spPr>
         <p:txBody>
-          <a:bodyPr lIns="0" rIns="0" tIns="0" bIns="0" anchor="t">
+          <a:bodyPr lIns="0" tIns="0" rIns="0" bIns="0" anchor="t">
             <a:normAutofit/>
           </a:bodyPr>
+          <a:lstStyle/>
           <a:p>
             <a:pPr>
               <a:lnSpc>
@@ -2940,7 +5437,7 @@
               </a:spcBef>
               <a:buNone/>
             </a:pPr>
-            <a:endParaRPr b="0" lang="en-US" sz="2000" spc="-1" strike="noStrike">
+            <a:endParaRPr lang="en-US" sz="2000" b="0" strike="noStrike" spc="-1">
               <a:solidFill>
                 <a:srgbClr val="404040"/>
               </a:solidFill>
@@ -2962,6 +5459,7 @@
         <p:spPr/>
         <p:txBody>
           <a:bodyPr/>
+          <a:lstStyle/>
           <a:p>
             <a:r>
               <a:t>Footer</a:t>
@@ -2982,10 +5480,12 @@
         <p:spPr/>
         <p:txBody>
           <a:bodyPr/>
+          <a:lstStyle/>
           <a:p>
             <a:fld id="{1A7F8747-100E-4354-96FA-C5D10CBDD67E}" type="slidenum">
-              <a:t>&lt;#&gt;</a:t>
+              <a:t>‹#›</a:t>
             </a:fld>
+            <a:endParaRPr/>
           </a:p>
         </p:txBody>
       </p:sp>
@@ -3002,21 +5502,22 @@
         <p:spPr/>
         <p:txBody>
           <a:bodyPr/>
-          <a:p>
-            <a:r>
-              <a:rPr lang="en-AU"/>
-              <a:t/>
-            </a:r>
+          <a:lstStyle/>
+          <a:p>
+            <a:endParaRPr/>
           </a:p>
         </p:txBody>
       </p:sp>
     </p:spTree>
   </p:cSld>
+  <p:clrMapOvr>
+    <a:masterClrMapping/>
+  </p:clrMapOvr>
 </p:sldLayout>
 </file>
 
 <file path=ppt/slideLayouts/slideLayout23.xml><?xml version="1.0" encoding="utf-8"?>
-<p:sldLayout xmlns:a="http://schemas.openxmlformats.org/drawingml/2006/main" xmlns:p="http://schemas.openxmlformats.org/presentationml/2006/main" xmlns:r="http://schemas.openxmlformats.org/officeDocument/2006/relationships" xmlns:p14="http://schemas.microsoft.com/office/powerpoint/2010/main" xmlns:p15="http://schemas.microsoft.com/office/powerpoint/2012/main" xmlns:mc="http://schemas.openxmlformats.org/markup-compatibility/2006" type="fourObj" preserve="1">
+<p:sldLayout xmlns:a="http://schemas.openxmlformats.org/drawingml/2006/main" xmlns:r="http://schemas.openxmlformats.org/officeDocument/2006/relationships" xmlns:p="http://schemas.openxmlformats.org/presentationml/2006/main" type="fourObj" preserve="1">
   <p:cSld name="Title, 4 Content">
     <p:spTree>
       <p:nvGrpSpPr>
@@ -3056,11 +5557,12 @@
           </a:ln>
         </p:spPr>
         <p:txBody>
-          <a:bodyPr lIns="0" rIns="0" tIns="0" bIns="0" anchor="ctr">
+          <a:bodyPr lIns="0" tIns="0" rIns="0" bIns="0" anchor="ctr">
             <a:noAutofit/>
           </a:bodyPr>
-          <a:p>
-            <a:endParaRPr b="0" lang="en-US" sz="1800" spc="-1" strike="noStrike">
+          <a:lstStyle/>
+          <a:p>
+            <a:endParaRPr lang="en-US" sz="1800" b="0" strike="noStrike" spc="-1">
               <a:solidFill>
                 <a:srgbClr val="000000"/>
               </a:solidFill>
@@ -3093,9 +5595,10 @@
           </a:ln>
         </p:spPr>
         <p:txBody>
-          <a:bodyPr lIns="0" rIns="0" tIns="0" bIns="0" anchor="t">
+          <a:bodyPr lIns="0" tIns="0" rIns="0" bIns="0" anchor="t">
             <a:normAutofit/>
           </a:bodyPr>
+          <a:lstStyle/>
           <a:p>
             <a:pPr>
               <a:lnSpc>
@@ -3106,7 +5609,7 @@
               </a:spcBef>
               <a:buNone/>
             </a:pPr>
-            <a:endParaRPr b="0" lang="en-US" sz="2000" spc="-1" strike="noStrike">
+            <a:endParaRPr lang="en-US" sz="2000" b="0" strike="noStrike" spc="-1">
               <a:solidFill>
                 <a:srgbClr val="404040"/>
               </a:solidFill>
@@ -3139,9 +5642,10 @@
           </a:ln>
         </p:spPr>
         <p:txBody>
-          <a:bodyPr lIns="0" rIns="0" tIns="0" bIns="0" anchor="t">
+          <a:bodyPr lIns="0" tIns="0" rIns="0" bIns="0" anchor="t">
             <a:normAutofit/>
           </a:bodyPr>
+          <a:lstStyle/>
           <a:p>
             <a:pPr>
               <a:lnSpc>
@@ -3152,7 +5656,7 @@
               </a:spcBef>
               <a:buNone/>
             </a:pPr>
-            <a:endParaRPr b="0" lang="en-US" sz="2000" spc="-1" strike="noStrike">
+            <a:endParaRPr lang="en-US" sz="2000" b="0" strike="noStrike" spc="-1">
               <a:solidFill>
                 <a:srgbClr val="404040"/>
               </a:solidFill>
@@ -3185,9 +5689,10 @@
           </a:ln>
         </p:spPr>
         <p:txBody>
-          <a:bodyPr lIns="0" rIns="0" tIns="0" bIns="0" anchor="t">
+          <a:bodyPr lIns="0" tIns="0" rIns="0" bIns="0" anchor="t">
             <a:normAutofit/>
           </a:bodyPr>
+          <a:lstStyle/>
           <a:p>
             <a:pPr>
               <a:lnSpc>
@@ -3198,7 +5703,7 @@
               </a:spcBef>
               <a:buNone/>
             </a:pPr>
-            <a:endParaRPr b="0" lang="en-US" sz="2000" spc="-1" strike="noStrike">
+            <a:endParaRPr lang="en-US" sz="2000" b="0" strike="noStrike" spc="-1">
               <a:solidFill>
                 <a:srgbClr val="404040"/>
               </a:solidFill>
@@ -3231,9 +5736,10 @@
           </a:ln>
         </p:spPr>
         <p:txBody>
-          <a:bodyPr lIns="0" rIns="0" tIns="0" bIns="0" anchor="t">
+          <a:bodyPr lIns="0" tIns="0" rIns="0" bIns="0" anchor="t">
             <a:normAutofit/>
           </a:bodyPr>
+          <a:lstStyle/>
           <a:p>
             <a:pPr>
               <a:lnSpc>
@@ -3244,7 +5750,7 @@
               </a:spcBef>
               <a:buNone/>
             </a:pPr>
-            <a:endParaRPr b="0" lang="en-US" sz="2000" spc="-1" strike="noStrike">
+            <a:endParaRPr lang="en-US" sz="2000" b="0" strike="noStrike" spc="-1">
               <a:solidFill>
                 <a:srgbClr val="404040"/>
               </a:solidFill>
@@ -3266,6 +5772,7 @@
         <p:spPr/>
         <p:txBody>
           <a:bodyPr/>
+          <a:lstStyle/>
           <a:p>
             <a:r>
               <a:t>Footer</a:t>
@@ -3286,10 +5793,12 @@
         <p:spPr/>
         <p:txBody>
           <a:bodyPr/>
+          <a:lstStyle/>
           <a:p>
             <a:fld id="{0970D282-348C-4888-A36F-8ED57E80800D}" type="slidenum">
-              <a:t>&lt;#&gt;</a:t>
+              <a:t>‹#›</a:t>
             </a:fld>
+            <a:endParaRPr/>
           </a:p>
         </p:txBody>
       </p:sp>
@@ -3306,21 +5815,22 @@
         <p:spPr/>
         <p:txBody>
           <a:bodyPr/>
-          <a:p>
-            <a:r>
-              <a:rPr lang="en-AU"/>
-              <a:t/>
-            </a:r>
+          <a:lstStyle/>
+          <a:p>
+            <a:endParaRPr/>
           </a:p>
         </p:txBody>
       </p:sp>
     </p:spTree>
   </p:cSld>
+  <p:clrMapOvr>
+    <a:masterClrMapping/>
+  </p:clrMapOvr>
 </p:sldLayout>
 </file>
 
 <file path=ppt/slideLayouts/slideLayout24.xml><?xml version="1.0" encoding="utf-8"?>
-<p:sldLayout xmlns:a="http://schemas.openxmlformats.org/drawingml/2006/main" xmlns:p="http://schemas.openxmlformats.org/presentationml/2006/main" xmlns:r="http://schemas.openxmlformats.org/officeDocument/2006/relationships" xmlns:p14="http://schemas.microsoft.com/office/powerpoint/2010/main" xmlns:p15="http://schemas.microsoft.com/office/powerpoint/2012/main" xmlns:mc="http://schemas.openxmlformats.org/markup-compatibility/2006" type="blank" preserve="1">
+<p:sldLayout xmlns:a="http://schemas.openxmlformats.org/drawingml/2006/main" xmlns:r="http://schemas.openxmlformats.org/officeDocument/2006/relationships" xmlns:p="http://schemas.openxmlformats.org/presentationml/2006/main" type="blank" preserve="1">
   <p:cSld name="Title, 6 Content">
     <p:spTree>
       <p:nvGrpSpPr>
@@ -3360,11 +5870,12 @@
           </a:ln>
         </p:spPr>
         <p:txBody>
-          <a:bodyPr lIns="0" rIns="0" tIns="0" bIns="0" anchor="ctr">
+          <a:bodyPr lIns="0" tIns="0" rIns="0" bIns="0" anchor="ctr">
             <a:noAutofit/>
           </a:bodyPr>
-          <a:p>
-            <a:endParaRPr b="0" lang="en-US" sz="1800" spc="-1" strike="noStrike">
+          <a:lstStyle/>
+          <a:p>
+            <a:endParaRPr lang="en-US" sz="1800" b="0" strike="noStrike" spc="-1">
               <a:solidFill>
                 <a:srgbClr val="000000"/>
               </a:solidFill>
@@ -3397,9 +5908,10 @@
           </a:ln>
         </p:spPr>
         <p:txBody>
-          <a:bodyPr lIns="0" rIns="0" tIns="0" bIns="0" anchor="t">
+          <a:bodyPr lIns="0" tIns="0" rIns="0" bIns="0" anchor="t">
             <a:normAutofit/>
           </a:bodyPr>
+          <a:lstStyle/>
           <a:p>
             <a:pPr>
               <a:lnSpc>
@@ -3410,7 +5922,7 @@
               </a:spcBef>
               <a:buNone/>
             </a:pPr>
-            <a:endParaRPr b="0" lang="en-US" sz="2000" spc="-1" strike="noStrike">
+            <a:endParaRPr lang="en-US" sz="2000" b="0" strike="noStrike" spc="-1">
               <a:solidFill>
                 <a:srgbClr val="404040"/>
               </a:solidFill>
@@ -3443,9 +5955,10 @@
           </a:ln>
         </p:spPr>
         <p:txBody>
-          <a:bodyPr lIns="0" rIns="0" tIns="0" bIns="0" anchor="t">
+          <a:bodyPr lIns="0" tIns="0" rIns="0" bIns="0" anchor="t">
             <a:normAutofit/>
           </a:bodyPr>
+          <a:lstStyle/>
           <a:p>
             <a:pPr>
               <a:lnSpc>
@@ -3456,7 +5969,7 @@
               </a:spcBef>
               <a:buNone/>
             </a:pPr>
-            <a:endParaRPr b="0" lang="en-US" sz="2000" spc="-1" strike="noStrike">
+            <a:endParaRPr lang="en-US" sz="2000" b="0" strike="noStrike" spc="-1">
               <a:solidFill>
                 <a:srgbClr val="404040"/>
               </a:solidFill>
@@ -3489,9 +6002,10 @@
           </a:ln>
         </p:spPr>
         <p:txBody>
-          <a:bodyPr lIns="0" rIns="0" tIns="0" bIns="0" anchor="t">
+          <a:bodyPr lIns="0" tIns="0" rIns="0" bIns="0" anchor="t">
             <a:normAutofit/>
           </a:bodyPr>
+          <a:lstStyle/>
           <a:p>
             <a:pPr>
               <a:lnSpc>
@@ -3502,7 +6016,7 @@
               </a:spcBef>
               <a:buNone/>
             </a:pPr>
-            <a:endParaRPr b="0" lang="en-US" sz="2000" spc="-1" strike="noStrike">
+            <a:endParaRPr lang="en-US" sz="2000" b="0" strike="noStrike" spc="-1">
               <a:solidFill>
                 <a:srgbClr val="404040"/>
               </a:solidFill>
@@ -3535,9 +6049,10 @@
           </a:ln>
         </p:spPr>
         <p:txBody>
-          <a:bodyPr lIns="0" rIns="0" tIns="0" bIns="0" anchor="t">
+          <a:bodyPr lIns="0" tIns="0" rIns="0" bIns="0" anchor="t">
             <a:normAutofit/>
           </a:bodyPr>
+          <a:lstStyle/>
           <a:p>
             <a:pPr>
               <a:lnSpc>
@@ -3548,7 +6063,7 @@
               </a:spcBef>
               <a:buNone/>
             </a:pPr>
-            <a:endParaRPr b="0" lang="en-US" sz="2000" spc="-1" strike="noStrike">
+            <a:endParaRPr lang="en-US" sz="2000" b="0" strike="noStrike" spc="-1">
               <a:solidFill>
                 <a:srgbClr val="404040"/>
               </a:solidFill>
@@ -3581,9 +6096,10 @@
           </a:ln>
         </p:spPr>
         <p:txBody>
-          <a:bodyPr lIns="0" rIns="0" tIns="0" bIns="0" anchor="t">
+          <a:bodyPr lIns="0" tIns="0" rIns="0" bIns="0" anchor="t">
             <a:normAutofit/>
           </a:bodyPr>
+          <a:lstStyle/>
           <a:p>
             <a:pPr>
               <a:lnSpc>
@@ -3594,7 +6110,7 @@
               </a:spcBef>
               <a:buNone/>
             </a:pPr>
-            <a:endParaRPr b="0" lang="en-US" sz="2000" spc="-1" strike="noStrike">
+            <a:endParaRPr lang="en-US" sz="2000" b="0" strike="noStrike" spc="-1">
               <a:solidFill>
                 <a:srgbClr val="404040"/>
               </a:solidFill>
@@ -3627,9 +6143,10 @@
           </a:ln>
         </p:spPr>
         <p:txBody>
-          <a:bodyPr lIns="0" rIns="0" tIns="0" bIns="0" anchor="t">
+          <a:bodyPr lIns="0" tIns="0" rIns="0" bIns="0" anchor="t">
             <a:normAutofit/>
           </a:bodyPr>
+          <a:lstStyle/>
           <a:p>
             <a:pPr>
               <a:lnSpc>
@@ -3640,7 +6157,7 @@
               </a:spcBef>
               <a:buNone/>
             </a:pPr>
-            <a:endParaRPr b="0" lang="en-US" sz="2000" spc="-1" strike="noStrike">
+            <a:endParaRPr lang="en-US" sz="2000" b="0" strike="noStrike" spc="-1">
               <a:solidFill>
                 <a:srgbClr val="404040"/>
               </a:solidFill>
@@ -3662,6 +6179,7 @@
         <p:spPr/>
         <p:txBody>
           <a:bodyPr/>
+          <a:lstStyle/>
           <a:p>
             <a:r>
               <a:t>Footer</a:t>
@@ -3682,10 +6200,12 @@
         <p:spPr/>
         <p:txBody>
           <a:bodyPr/>
+          <a:lstStyle/>
           <a:p>
             <a:fld id="{A18CF278-F926-4753-960F-BC1AAFD1D2C8}" type="slidenum">
-              <a:t>&lt;#&gt;</a:t>
+              <a:t>‹#›</a:t>
             </a:fld>
+            <a:endParaRPr/>
           </a:p>
         </p:txBody>
       </p:sp>
@@ -3702,21 +6222,22 @@
         <p:spPr/>
         <p:txBody>
           <a:bodyPr/>
-          <a:p>
-            <a:r>
-              <a:rPr lang="en-AU"/>
-              <a:t/>
-            </a:r>
+          <a:lstStyle/>
+          <a:p>
+            <a:endParaRPr/>
           </a:p>
         </p:txBody>
       </p:sp>
     </p:spTree>
   </p:cSld>
+  <p:clrMapOvr>
+    <a:masterClrMapping/>
+  </p:clrMapOvr>
 </p:sldLayout>
 </file>
 
 <file path=ppt/slideLayouts/slideLayout3.xml><?xml version="1.0" encoding="utf-8"?>
-<p:sldLayout xmlns:a="http://schemas.openxmlformats.org/drawingml/2006/main" xmlns:p="http://schemas.openxmlformats.org/presentationml/2006/main" xmlns:r="http://schemas.openxmlformats.org/officeDocument/2006/relationships" xmlns:p14="http://schemas.microsoft.com/office/powerpoint/2010/main" xmlns:p15="http://schemas.microsoft.com/office/powerpoint/2012/main" xmlns:mc="http://schemas.openxmlformats.org/markup-compatibility/2006" type="obj" preserve="1">
+<p:sldLayout xmlns:a="http://schemas.openxmlformats.org/drawingml/2006/main" xmlns:r="http://schemas.openxmlformats.org/officeDocument/2006/relationships" xmlns:p="http://schemas.openxmlformats.org/presentationml/2006/main" type="obj" preserve="1">
   <p:cSld name="Title, Content">
     <p:spTree>
       <p:nvGrpSpPr>
@@ -3756,11 +6277,12 @@
           </a:ln>
         </p:spPr>
         <p:txBody>
-          <a:bodyPr lIns="0" rIns="0" tIns="0" bIns="0" anchor="ctr">
+          <a:bodyPr lIns="0" tIns="0" rIns="0" bIns="0" anchor="ctr">
             <a:noAutofit/>
           </a:bodyPr>
-          <a:p>
-            <a:endParaRPr b="0" lang="en-US" sz="1800" spc="-1" strike="noStrike">
+          <a:lstStyle/>
+          <a:p>
+            <a:endParaRPr lang="en-US" sz="1800" b="0" strike="noStrike" spc="-1">
               <a:solidFill>
                 <a:srgbClr val="000000"/>
               </a:solidFill>
@@ -3793,9 +6315,10 @@
           </a:ln>
         </p:spPr>
         <p:txBody>
-          <a:bodyPr lIns="0" rIns="0" tIns="0" bIns="0" anchor="t">
+          <a:bodyPr lIns="0" tIns="0" rIns="0" bIns="0" anchor="t">
             <a:normAutofit/>
           </a:bodyPr>
+          <a:lstStyle/>
           <a:p>
             <a:pPr>
               <a:lnSpc>
@@ -3806,7 +6329,7 @@
               </a:spcBef>
               <a:buNone/>
             </a:pPr>
-            <a:endParaRPr b="0" lang="en-US" sz="2000" spc="-1" strike="noStrike">
+            <a:endParaRPr lang="en-US" sz="2000" b="0" strike="noStrike" spc="-1">
               <a:solidFill>
                 <a:srgbClr val="404040"/>
               </a:solidFill>
@@ -3828,6 +6351,7 @@
         <p:spPr/>
         <p:txBody>
           <a:bodyPr/>
+          <a:lstStyle/>
           <a:p>
             <a:r>
               <a:t>Footer</a:t>
@@ -3848,10 +6372,12 @@
         <p:spPr/>
         <p:txBody>
           <a:bodyPr/>
+          <a:lstStyle/>
           <a:p>
             <a:fld id="{BE73B663-1C0A-473A-B7C3-C721F4802C26}" type="slidenum">
-              <a:t>&lt;#&gt;</a:t>
+              <a:t>‹#›</a:t>
             </a:fld>
+            <a:endParaRPr/>
           </a:p>
         </p:txBody>
       </p:sp>
@@ -3868,21 +6394,22 @@
         <p:spPr/>
         <p:txBody>
           <a:bodyPr/>
-          <a:p>
-            <a:r>
-              <a:rPr lang="en-AU"/>
-              <a:t/>
-            </a:r>
+          <a:lstStyle/>
+          <a:p>
+            <a:endParaRPr/>
           </a:p>
         </p:txBody>
       </p:sp>
     </p:spTree>
   </p:cSld>
+  <p:clrMapOvr>
+    <a:masterClrMapping/>
+  </p:clrMapOvr>
 </p:sldLayout>
 </file>
 
 <file path=ppt/slideLayouts/slideLayout4.xml><?xml version="1.0" encoding="utf-8"?>
-<p:sldLayout xmlns:a="http://schemas.openxmlformats.org/drawingml/2006/main" xmlns:p="http://schemas.openxmlformats.org/presentationml/2006/main" xmlns:r="http://schemas.openxmlformats.org/officeDocument/2006/relationships" xmlns:p14="http://schemas.microsoft.com/office/powerpoint/2010/main" xmlns:p15="http://schemas.microsoft.com/office/powerpoint/2012/main" xmlns:mc="http://schemas.openxmlformats.org/markup-compatibility/2006" type="twoObj" preserve="1">
+<p:sldLayout xmlns:a="http://schemas.openxmlformats.org/drawingml/2006/main" xmlns:r="http://schemas.openxmlformats.org/officeDocument/2006/relationships" xmlns:p="http://schemas.openxmlformats.org/presentationml/2006/main" type="twoObj" preserve="1">
   <p:cSld name="Title, 2 Content">
     <p:spTree>
       <p:nvGrpSpPr>
@@ -3922,11 +6449,12 @@
           </a:ln>
         </p:spPr>
         <p:txBody>
-          <a:bodyPr lIns="0" rIns="0" tIns="0" bIns="0" anchor="ctr">
+          <a:bodyPr lIns="0" tIns="0" rIns="0" bIns="0" anchor="ctr">
             <a:noAutofit/>
           </a:bodyPr>
-          <a:p>
-            <a:endParaRPr b="0" lang="en-US" sz="1800" spc="-1" strike="noStrike">
+          <a:lstStyle/>
+          <a:p>
+            <a:endParaRPr lang="en-US" sz="1800" b="0" strike="noStrike" spc="-1">
               <a:solidFill>
                 <a:srgbClr val="000000"/>
               </a:solidFill>
@@ -3959,9 +6487,10 @@
           </a:ln>
         </p:spPr>
         <p:txBody>
-          <a:bodyPr lIns="0" rIns="0" tIns="0" bIns="0" anchor="t">
+          <a:bodyPr lIns="0" tIns="0" rIns="0" bIns="0" anchor="t">
             <a:normAutofit/>
           </a:bodyPr>
+          <a:lstStyle/>
           <a:p>
             <a:pPr>
               <a:lnSpc>
@@ -3972,7 +6501,7 @@
               </a:spcBef>
               <a:buNone/>
             </a:pPr>
-            <a:endParaRPr b="0" lang="en-US" sz="2000" spc="-1" strike="noStrike">
+            <a:endParaRPr lang="en-US" sz="2000" b="0" strike="noStrike" spc="-1">
               <a:solidFill>
                 <a:srgbClr val="404040"/>
               </a:solidFill>
@@ -4005,9 +6534,10 @@
           </a:ln>
         </p:spPr>
         <p:txBody>
-          <a:bodyPr lIns="0" rIns="0" tIns="0" bIns="0" anchor="t">
+          <a:bodyPr lIns="0" tIns="0" rIns="0" bIns="0" anchor="t">
             <a:normAutofit/>
           </a:bodyPr>
+          <a:lstStyle/>
           <a:p>
             <a:pPr>
               <a:lnSpc>
@@ -4018,7 +6548,7 @@
               </a:spcBef>
               <a:buNone/>
             </a:pPr>
-            <a:endParaRPr b="0" lang="en-US" sz="2000" spc="-1" strike="noStrike">
+            <a:endParaRPr lang="en-US" sz="2000" b="0" strike="noStrike" spc="-1">
               <a:solidFill>
                 <a:srgbClr val="404040"/>
               </a:solidFill>
@@ -4040,6 +6570,7 @@
         <p:spPr/>
         <p:txBody>
           <a:bodyPr/>
+          <a:lstStyle/>
           <a:p>
             <a:r>
               <a:t>Footer</a:t>
@@ -4060,10 +6591,12 @@
         <p:spPr/>
         <p:txBody>
           <a:bodyPr/>
+          <a:lstStyle/>
           <a:p>
             <a:fld id="{AF8C7872-D45E-413B-B944-B1D7DBB48FCB}" type="slidenum">
-              <a:t>&lt;#&gt;</a:t>
+              <a:t>‹#›</a:t>
             </a:fld>
+            <a:endParaRPr/>
           </a:p>
         </p:txBody>
       </p:sp>
@@ -4080,21 +6613,22 @@
         <p:spPr/>
         <p:txBody>
           <a:bodyPr/>
-          <a:p>
-            <a:r>
-              <a:rPr lang="en-AU"/>
-              <a:t/>
-            </a:r>
+          <a:lstStyle/>
+          <a:p>
+            <a:endParaRPr/>
           </a:p>
         </p:txBody>
       </p:sp>
     </p:spTree>
   </p:cSld>
+  <p:clrMapOvr>
+    <a:masterClrMapping/>
+  </p:clrMapOvr>
 </p:sldLayout>
 </file>
 
 <file path=ppt/slideLayouts/slideLayout5.xml><?xml version="1.0" encoding="utf-8"?>
-<p:sldLayout xmlns:a="http://schemas.openxmlformats.org/drawingml/2006/main" xmlns:p="http://schemas.openxmlformats.org/presentationml/2006/main" xmlns:r="http://schemas.openxmlformats.org/officeDocument/2006/relationships" xmlns:p14="http://schemas.microsoft.com/office/powerpoint/2010/main" xmlns:p15="http://schemas.microsoft.com/office/powerpoint/2012/main" xmlns:mc="http://schemas.openxmlformats.org/markup-compatibility/2006" type="titleOnly" preserve="1">
+<p:sldLayout xmlns:a="http://schemas.openxmlformats.org/drawingml/2006/main" xmlns:r="http://schemas.openxmlformats.org/officeDocument/2006/relationships" xmlns:p="http://schemas.openxmlformats.org/presentationml/2006/main" type="titleOnly" preserve="1">
   <p:cSld name="Title Only">
     <p:spTree>
       <p:nvGrpSpPr>
@@ -4134,11 +6668,12 @@
           </a:ln>
         </p:spPr>
         <p:txBody>
-          <a:bodyPr lIns="0" rIns="0" tIns="0" bIns="0" anchor="ctr">
+          <a:bodyPr lIns="0" tIns="0" rIns="0" bIns="0" anchor="ctr">
             <a:noAutofit/>
           </a:bodyPr>
-          <a:p>
-            <a:endParaRPr b="0" lang="en-US" sz="1800" spc="-1" strike="noStrike">
+          <a:lstStyle/>
+          <a:p>
+            <a:endParaRPr lang="en-US" sz="1800" b="0" strike="noStrike" spc="-1">
               <a:solidFill>
                 <a:srgbClr val="000000"/>
               </a:solidFill>
@@ -4160,6 +6695,7 @@
         <p:spPr/>
         <p:txBody>
           <a:bodyPr/>
+          <a:lstStyle/>
           <a:p>
             <a:r>
               <a:t>Footer</a:t>
@@ -4180,10 +6716,12 @@
         <p:spPr/>
         <p:txBody>
           <a:bodyPr/>
+          <a:lstStyle/>
           <a:p>
             <a:fld id="{E3B10BAE-4642-45D5-9446-7A8E80C19D48}" type="slidenum">
-              <a:t>&lt;#&gt;</a:t>
+              <a:t>‹#›</a:t>
             </a:fld>
+            <a:endParaRPr/>
           </a:p>
         </p:txBody>
       </p:sp>
@@ -4200,21 +6738,22 @@
         <p:spPr/>
         <p:txBody>
           <a:bodyPr/>
-          <a:p>
-            <a:r>
-              <a:rPr lang="en-AU"/>
-              <a:t/>
-            </a:r>
+          <a:lstStyle/>
+          <a:p>
+            <a:endParaRPr/>
           </a:p>
         </p:txBody>
       </p:sp>
     </p:spTree>
   </p:cSld>
+  <p:clrMapOvr>
+    <a:masterClrMapping/>
+  </p:clrMapOvr>
 </p:sldLayout>
 </file>
 
 <file path=ppt/slideLayouts/slideLayout6.xml><?xml version="1.0" encoding="utf-8"?>
-<p:sldLayout xmlns:a="http://schemas.openxmlformats.org/drawingml/2006/main" xmlns:p="http://schemas.openxmlformats.org/presentationml/2006/main" xmlns:r="http://schemas.openxmlformats.org/officeDocument/2006/relationships" xmlns:p14="http://schemas.microsoft.com/office/powerpoint/2010/main" xmlns:p15="http://schemas.microsoft.com/office/powerpoint/2012/main" xmlns:mc="http://schemas.openxmlformats.org/markup-compatibility/2006" type="objOnly" preserve="1">
+<p:sldLayout xmlns:a="http://schemas.openxmlformats.org/drawingml/2006/main" xmlns:r="http://schemas.openxmlformats.org/officeDocument/2006/relationships" xmlns:p="http://schemas.openxmlformats.org/presentationml/2006/main" type="objOnly" preserve="1">
   <p:cSld name="Centered Text">
     <p:spTree>
       <p:nvGrpSpPr>
@@ -4254,14 +6793,15 @@
           </a:ln>
         </p:spPr>
         <p:txBody>
-          <a:bodyPr lIns="0" rIns="0" tIns="0" bIns="0" anchor="ctr">
+          <a:bodyPr lIns="0" tIns="0" rIns="0" bIns="0" anchor="ctr">
             <a:noAutofit/>
           </a:bodyPr>
+          <a:lstStyle/>
           <a:p>
             <a:pPr algn="ctr">
               <a:buNone/>
             </a:pPr>
-            <a:endParaRPr b="0" lang="en-AU" sz="3200" spc="-1" strike="noStrike">
+            <a:endParaRPr lang="en-AU" sz="3200" b="0" strike="noStrike" spc="-1">
               <a:latin typeface="Arial"/>
             </a:endParaRPr>
           </a:p>
@@ -4280,6 +6820,7 @@
         <p:spPr/>
         <p:txBody>
           <a:bodyPr/>
+          <a:lstStyle/>
           <a:p>
             <a:r>
               <a:t>Footer</a:t>
@@ -4300,10 +6841,12 @@
         <p:spPr/>
         <p:txBody>
           <a:bodyPr/>
+          <a:lstStyle/>
           <a:p>
             <a:fld id="{1B9866C4-57B3-4849-88FB-2657D5AD193D}" type="slidenum">
-              <a:t>&lt;#&gt;</a:t>
+              <a:t>‹#›</a:t>
             </a:fld>
+            <a:endParaRPr/>
           </a:p>
         </p:txBody>
       </p:sp>
@@ -4320,21 +6863,22 @@
         <p:spPr/>
         <p:txBody>
           <a:bodyPr/>
-          <a:p>
-            <a:r>
-              <a:rPr lang="en-AU"/>
-              <a:t/>
-            </a:r>
+          <a:lstStyle/>
+          <a:p>
+            <a:endParaRPr/>
           </a:p>
         </p:txBody>
       </p:sp>
     </p:spTree>
   </p:cSld>
+  <p:clrMapOvr>
+    <a:masterClrMapping/>
+  </p:clrMapOvr>
 </p:sldLayout>
 </file>
 
 <file path=ppt/slideLayouts/slideLayout7.xml><?xml version="1.0" encoding="utf-8"?>
-<p:sldLayout xmlns:a="http://schemas.openxmlformats.org/drawingml/2006/main" xmlns:p="http://schemas.openxmlformats.org/presentationml/2006/main" xmlns:r="http://schemas.openxmlformats.org/officeDocument/2006/relationships" xmlns:p14="http://schemas.microsoft.com/office/powerpoint/2010/main" xmlns:p15="http://schemas.microsoft.com/office/powerpoint/2012/main" xmlns:mc="http://schemas.openxmlformats.org/markup-compatibility/2006" type="twoObjAndObj" preserve="1">
+<p:sldLayout xmlns:a="http://schemas.openxmlformats.org/drawingml/2006/main" xmlns:r="http://schemas.openxmlformats.org/officeDocument/2006/relationships" xmlns:p="http://schemas.openxmlformats.org/presentationml/2006/main" type="twoObjAndObj" preserve="1">
   <p:cSld name="Title, 2 Content and Content">
     <p:spTree>
       <p:nvGrpSpPr>
@@ -4374,11 +6918,12 @@
           </a:ln>
         </p:spPr>
         <p:txBody>
-          <a:bodyPr lIns="0" rIns="0" tIns="0" bIns="0" anchor="ctr">
+          <a:bodyPr lIns="0" tIns="0" rIns="0" bIns="0" anchor="ctr">
             <a:noAutofit/>
           </a:bodyPr>
-          <a:p>
-            <a:endParaRPr b="0" lang="en-US" sz="1800" spc="-1" strike="noStrike">
+          <a:lstStyle/>
+          <a:p>
+            <a:endParaRPr lang="en-US" sz="1800" b="0" strike="noStrike" spc="-1">
               <a:solidFill>
                 <a:srgbClr val="000000"/>
               </a:solidFill>
@@ -4411,9 +6956,10 @@
           </a:ln>
         </p:spPr>
         <p:txBody>
-          <a:bodyPr lIns="0" rIns="0" tIns="0" bIns="0" anchor="t">
+          <a:bodyPr lIns="0" tIns="0" rIns="0" bIns="0" anchor="t">
             <a:normAutofit/>
           </a:bodyPr>
+          <a:lstStyle/>
           <a:p>
             <a:pPr>
               <a:lnSpc>
@@ -4424,7 +6970,7 @@
               </a:spcBef>
               <a:buNone/>
             </a:pPr>
-            <a:endParaRPr b="0" lang="en-US" sz="2000" spc="-1" strike="noStrike">
+            <a:endParaRPr lang="en-US" sz="2000" b="0" strike="noStrike" spc="-1">
               <a:solidFill>
                 <a:srgbClr val="404040"/>
               </a:solidFill>
@@ -4457,9 +7003,10 @@
           </a:ln>
         </p:spPr>
         <p:txBody>
-          <a:bodyPr lIns="0" rIns="0" tIns="0" bIns="0" anchor="t">
+          <a:bodyPr lIns="0" tIns="0" rIns="0" bIns="0" anchor="t">
             <a:normAutofit/>
           </a:bodyPr>
+          <a:lstStyle/>
           <a:p>
             <a:pPr>
               <a:lnSpc>
@@ -4470,7 +7017,7 @@
               </a:spcBef>
               <a:buNone/>
             </a:pPr>
-            <a:endParaRPr b="0" lang="en-US" sz="2000" spc="-1" strike="noStrike">
+            <a:endParaRPr lang="en-US" sz="2000" b="0" strike="noStrike" spc="-1">
               <a:solidFill>
                 <a:srgbClr val="404040"/>
               </a:solidFill>
@@ -4503,9 +7050,10 @@
           </a:ln>
         </p:spPr>
         <p:txBody>
-          <a:bodyPr lIns="0" rIns="0" tIns="0" bIns="0" anchor="t">
+          <a:bodyPr lIns="0" tIns="0" rIns="0" bIns="0" anchor="t">
             <a:normAutofit/>
           </a:bodyPr>
+          <a:lstStyle/>
           <a:p>
             <a:pPr>
               <a:lnSpc>
@@ -4516,7 +7064,7 @@
               </a:spcBef>
               <a:buNone/>
             </a:pPr>
-            <a:endParaRPr b="0" lang="en-US" sz="2000" spc="-1" strike="noStrike">
+            <a:endParaRPr lang="en-US" sz="2000" b="0" strike="noStrike" spc="-1">
               <a:solidFill>
                 <a:srgbClr val="404040"/>
               </a:solidFill>
@@ -4538,6 +7086,7 @@
         <p:spPr/>
         <p:txBody>
           <a:bodyPr/>
+          <a:lstStyle/>
           <a:p>
             <a:r>
               <a:t>Footer</a:t>
@@ -4558,10 +7107,12 @@
         <p:spPr/>
         <p:txBody>
           <a:bodyPr/>
+          <a:lstStyle/>
           <a:p>
             <a:fld id="{1A6818E5-B909-415A-A04A-FB71D60AEA92}" type="slidenum">
-              <a:t>&lt;#&gt;</a:t>
+              <a:t>‹#›</a:t>
             </a:fld>
+            <a:endParaRPr/>
           </a:p>
         </p:txBody>
       </p:sp>
@@ -4578,21 +7129,22 @@
         <p:spPr/>
         <p:txBody>
           <a:bodyPr/>
-          <a:p>
-            <a:r>
-              <a:rPr lang="en-AU"/>
-              <a:t/>
-            </a:r>
+          <a:lstStyle/>
+          <a:p>
+            <a:endParaRPr/>
           </a:p>
         </p:txBody>
       </p:sp>
     </p:spTree>
   </p:cSld>
+  <p:clrMapOvr>
+    <a:masterClrMapping/>
+  </p:clrMapOvr>
 </p:sldLayout>
 </file>
 
 <file path=ppt/slideLayouts/slideLayout8.xml><?xml version="1.0" encoding="utf-8"?>
-<p:sldLayout xmlns:a="http://schemas.openxmlformats.org/drawingml/2006/main" xmlns:p="http://schemas.openxmlformats.org/presentationml/2006/main" xmlns:r="http://schemas.openxmlformats.org/officeDocument/2006/relationships" xmlns:p14="http://schemas.microsoft.com/office/powerpoint/2010/main" xmlns:p15="http://schemas.microsoft.com/office/powerpoint/2012/main" xmlns:mc="http://schemas.openxmlformats.org/markup-compatibility/2006" type="objAndTwoObj" preserve="1">
+<p:sldLayout xmlns:a="http://schemas.openxmlformats.org/drawingml/2006/main" xmlns:r="http://schemas.openxmlformats.org/officeDocument/2006/relationships" xmlns:p="http://schemas.openxmlformats.org/presentationml/2006/main" type="objAndTwoObj" preserve="1">
   <p:cSld name="Title Content and 2 Content">
     <p:spTree>
       <p:nvGrpSpPr>
@@ -4632,11 +7184,12 @@
           </a:ln>
         </p:spPr>
         <p:txBody>
-          <a:bodyPr lIns="0" rIns="0" tIns="0" bIns="0" anchor="ctr">
+          <a:bodyPr lIns="0" tIns="0" rIns="0" bIns="0" anchor="ctr">
             <a:noAutofit/>
           </a:bodyPr>
-          <a:p>
-            <a:endParaRPr b="0" lang="en-US" sz="1800" spc="-1" strike="noStrike">
+          <a:lstStyle/>
+          <a:p>
+            <a:endParaRPr lang="en-US" sz="1800" b="0" strike="noStrike" spc="-1">
               <a:solidFill>
                 <a:srgbClr val="000000"/>
               </a:solidFill>
@@ -4669,9 +7222,10 @@
           </a:ln>
         </p:spPr>
         <p:txBody>
-          <a:bodyPr lIns="0" rIns="0" tIns="0" bIns="0" anchor="t">
+          <a:bodyPr lIns="0" tIns="0" rIns="0" bIns="0" anchor="t">
             <a:normAutofit/>
           </a:bodyPr>
+          <a:lstStyle/>
           <a:p>
             <a:pPr>
               <a:lnSpc>
@@ -4682,7 +7236,7 @@
               </a:spcBef>
               <a:buNone/>
             </a:pPr>
-            <a:endParaRPr b="0" lang="en-US" sz="2000" spc="-1" strike="noStrike">
+            <a:endParaRPr lang="en-US" sz="2000" b="0" strike="noStrike" spc="-1">
               <a:solidFill>
                 <a:srgbClr val="404040"/>
               </a:solidFill>
@@ -4715,9 +7269,10 @@
           </a:ln>
         </p:spPr>
         <p:txBody>
-          <a:bodyPr lIns="0" rIns="0" tIns="0" bIns="0" anchor="t">
+          <a:bodyPr lIns="0" tIns="0" rIns="0" bIns="0" anchor="t">
             <a:normAutofit/>
           </a:bodyPr>
+          <a:lstStyle/>
           <a:p>
             <a:pPr>
               <a:lnSpc>
@@ -4728,7 +7283,7 @@
               </a:spcBef>
               <a:buNone/>
             </a:pPr>
-            <a:endParaRPr b="0" lang="en-US" sz="2000" spc="-1" strike="noStrike">
+            <a:endParaRPr lang="en-US" sz="2000" b="0" strike="noStrike" spc="-1">
               <a:solidFill>
                 <a:srgbClr val="404040"/>
               </a:solidFill>
@@ -4761,9 +7316,10 @@
           </a:ln>
         </p:spPr>
         <p:txBody>
-          <a:bodyPr lIns="0" rIns="0" tIns="0" bIns="0" anchor="t">
+          <a:bodyPr lIns="0" tIns="0" rIns="0" bIns="0" anchor="t">
             <a:normAutofit/>
           </a:bodyPr>
+          <a:lstStyle/>
           <a:p>
             <a:pPr>
               <a:lnSpc>
@@ -4774,7 +7330,7 @@
               </a:spcBef>
               <a:buNone/>
             </a:pPr>
-            <a:endParaRPr b="0" lang="en-US" sz="2000" spc="-1" strike="noStrike">
+            <a:endParaRPr lang="en-US" sz="2000" b="0" strike="noStrike" spc="-1">
               <a:solidFill>
                 <a:srgbClr val="404040"/>
               </a:solidFill>
@@ -4796,6 +7352,7 @@
         <p:spPr/>
         <p:txBody>
           <a:bodyPr/>
+          <a:lstStyle/>
           <a:p>
             <a:r>
               <a:t>Footer</a:t>
@@ -4816,10 +7373,12 @@
         <p:spPr/>
         <p:txBody>
           <a:bodyPr/>
+          <a:lstStyle/>
           <a:p>
             <a:fld id="{8930A244-2D6D-4352-8EA2-F362BFD4A901}" type="slidenum">
-              <a:t>&lt;#&gt;</a:t>
+              <a:t>‹#›</a:t>
             </a:fld>
+            <a:endParaRPr/>
           </a:p>
         </p:txBody>
       </p:sp>
@@ -4836,21 +7395,22 @@
         <p:spPr/>
         <p:txBody>
           <a:bodyPr/>
-          <a:p>
-            <a:r>
-              <a:rPr lang="en-AU"/>
-              <a:t/>
-            </a:r>
+          <a:lstStyle/>
+          <a:p>
+            <a:endParaRPr/>
           </a:p>
         </p:txBody>
       </p:sp>
     </p:spTree>
   </p:cSld>
+  <p:clrMapOvr>
+    <a:masterClrMapping/>
+  </p:clrMapOvr>
 </p:sldLayout>
 </file>
 
 <file path=ppt/slideLayouts/slideLayout9.xml><?xml version="1.0" encoding="utf-8"?>
-<p:sldLayout xmlns:a="http://schemas.openxmlformats.org/drawingml/2006/main" xmlns:p="http://schemas.openxmlformats.org/presentationml/2006/main" xmlns:r="http://schemas.openxmlformats.org/officeDocument/2006/relationships" xmlns:p14="http://schemas.microsoft.com/office/powerpoint/2010/main" xmlns:p15="http://schemas.microsoft.com/office/powerpoint/2012/main" xmlns:mc="http://schemas.openxmlformats.org/markup-compatibility/2006" type="twoObjOverTx" preserve="1">
+<p:sldLayout xmlns:a="http://schemas.openxmlformats.org/drawingml/2006/main" xmlns:r="http://schemas.openxmlformats.org/officeDocument/2006/relationships" xmlns:p="http://schemas.openxmlformats.org/presentationml/2006/main" type="twoObjOverTx" preserve="1">
   <p:cSld name="Title, 2 Content over Content">
     <p:spTree>
       <p:nvGrpSpPr>
@@ -4890,11 +7450,12 @@
           </a:ln>
         </p:spPr>
         <p:txBody>
-          <a:bodyPr lIns="0" rIns="0" tIns="0" bIns="0" anchor="ctr">
+          <a:bodyPr lIns="0" tIns="0" rIns="0" bIns="0" anchor="ctr">
             <a:noAutofit/>
           </a:bodyPr>
-          <a:p>
-            <a:endParaRPr b="0" lang="en-US" sz="1800" spc="-1" strike="noStrike">
+          <a:lstStyle/>
+          <a:p>
+            <a:endParaRPr lang="en-US" sz="1800" b="0" strike="noStrike" spc="-1">
               <a:solidFill>
                 <a:srgbClr val="000000"/>
               </a:solidFill>
@@ -4927,9 +7488,10 @@
           </a:ln>
         </p:spPr>
         <p:txBody>
-          <a:bodyPr lIns="0" rIns="0" tIns="0" bIns="0" anchor="t">
+          <a:bodyPr lIns="0" tIns="0" rIns="0" bIns="0" anchor="t">
             <a:normAutofit/>
           </a:bodyPr>
+          <a:lstStyle/>
           <a:p>
             <a:pPr>
               <a:lnSpc>
@@ -4940,7 +7502,7 @@
               </a:spcBef>
               <a:buNone/>
             </a:pPr>
-            <a:endParaRPr b="0" lang="en-US" sz="2000" spc="-1" strike="noStrike">
+            <a:endParaRPr lang="en-US" sz="2000" b="0" strike="noStrike" spc="-1">
               <a:solidFill>
                 <a:srgbClr val="404040"/>
               </a:solidFill>
@@ -4973,9 +7535,10 @@
           </a:ln>
         </p:spPr>
         <p:txBody>
-          <a:bodyPr lIns="0" rIns="0" tIns="0" bIns="0" anchor="t">
+          <a:bodyPr lIns="0" tIns="0" rIns="0" bIns="0" anchor="t">
             <a:normAutofit/>
           </a:bodyPr>
+          <a:lstStyle/>
           <a:p>
             <a:pPr>
               <a:lnSpc>
@@ -4986,7 +7549,7 @@
               </a:spcBef>
               <a:buNone/>
             </a:pPr>
-            <a:endParaRPr b="0" lang="en-US" sz="2000" spc="-1" strike="noStrike">
+            <a:endParaRPr lang="en-US" sz="2000" b="0" strike="noStrike" spc="-1">
               <a:solidFill>
                 <a:srgbClr val="404040"/>
               </a:solidFill>
@@ -5019,9 +7582,10 @@
           </a:ln>
         </p:spPr>
         <p:txBody>
-          <a:bodyPr lIns="0" rIns="0" tIns="0" bIns="0" anchor="t">
+          <a:bodyPr lIns="0" tIns="0" rIns="0" bIns="0" anchor="t">
             <a:normAutofit/>
           </a:bodyPr>
+          <a:lstStyle/>
           <a:p>
             <a:pPr>
               <a:lnSpc>
@@ -5032,7 +7596,7 @@
               </a:spcBef>
               <a:buNone/>
             </a:pPr>
-            <a:endParaRPr b="0" lang="en-US" sz="2000" spc="-1" strike="noStrike">
+            <a:endParaRPr lang="en-US" sz="2000" b="0" strike="noStrike" spc="-1">
               <a:solidFill>
                 <a:srgbClr val="404040"/>
               </a:solidFill>
@@ -5054,6 +7618,7 @@
         <p:spPr/>
         <p:txBody>
           <a:bodyPr/>
+          <a:lstStyle/>
           <a:p>
             <a:r>
               <a:t>Footer</a:t>
@@ -5074,10 +7639,12 @@
         <p:spPr/>
         <p:txBody>
           <a:bodyPr/>
+          <a:lstStyle/>
           <a:p>
             <a:fld id="{FC40A689-C0B5-4EBC-B87C-52F833C04B2C}" type="slidenum">
-              <a:t>&lt;#&gt;</a:t>
+              <a:t>‹#›</a:t>
             </a:fld>
+            <a:endParaRPr/>
           </a:p>
         </p:txBody>
       </p:sp>
@@ -5094,27 +7661,29 @@
         <p:spPr/>
         <p:txBody>
           <a:bodyPr/>
-          <a:p>
-            <a:r>
-              <a:rPr lang="en-AU"/>
-              <a:t/>
-            </a:r>
+          <a:lstStyle/>
+          <a:p>
+            <a:endParaRPr/>
           </a:p>
         </p:txBody>
       </p:sp>
     </p:spTree>
   </p:cSld>
+  <p:clrMapOvr>
+    <a:masterClrMapping/>
+  </p:clrMapOvr>
 </p:sldLayout>
 </file>
 
 <file path=ppt/slideMasters/slideMaster1.xml><?xml version="1.0" encoding="utf-8"?>
-<p:sldMaster xmlns:a="http://schemas.openxmlformats.org/drawingml/2006/main" xmlns:p="http://schemas.openxmlformats.org/presentationml/2006/main" xmlns:r="http://schemas.openxmlformats.org/officeDocument/2006/relationships" xmlns:p14="http://schemas.microsoft.com/office/powerpoint/2010/main" xmlns:p15="http://schemas.microsoft.com/office/powerpoint/2012/main" xmlns:mc="http://schemas.openxmlformats.org/markup-compatibility/2006">
+<p:sldMaster xmlns:a="http://schemas.openxmlformats.org/drawingml/2006/main" xmlns:r="http://schemas.openxmlformats.org/officeDocument/2006/relationships" xmlns:p="http://schemas.openxmlformats.org/presentationml/2006/main">
   <p:cSld>
     <p:bg>
       <p:bgPr>
         <a:solidFill>
-          <a:srgbClr val="ffffff"/>
+          <a:srgbClr val="FFFFFF"/>
         </a:solidFill>
+        <a:effectLst/>
       </p:bgPr>
     </p:bg>
     <p:spTree>
@@ -5133,7 +7702,7 @@
       </p:grpSpPr>
       <p:sp>
         <p:nvSpPr>
-          <p:cNvPr id="0" name="Rectangle 6" hidden="1"/>
+          <p:cNvPr id="11" name="Rectangle 6" hidden="1"/>
           <p:cNvSpPr/>
           <p:nvPr/>
         </p:nvSpPr>
@@ -5169,7 +7738,7 @@
       </p:sp>
       <p:sp>
         <p:nvSpPr>
-          <p:cNvPr id="1" name="Rectangle 8" hidden="1"/>
+          <p:cNvPr id="12" name="Rectangle 8" hidden="1"/>
           <p:cNvSpPr/>
           <p:nvPr/>
         </p:nvSpPr>
@@ -5339,6 +7908,7 @@
           <a:bodyPr anchor="b">
             <a:normAutofit/>
           </a:bodyPr>
+          <a:lstStyle/>
           <a:p>
             <a:pPr>
               <a:lnSpc>
@@ -5347,7 +7917,7 @@
               <a:buNone/>
             </a:pPr>
             <a:r>
-              <a:rPr b="0" lang="en-US" sz="8000" spc="-52" strike="noStrike">
+              <a:rPr lang="en-US" sz="8000" b="0" strike="noStrike" spc="-52">
                 <a:solidFill>
                   <a:srgbClr val="262626"/>
                 </a:solidFill>
@@ -5355,7 +7925,7 @@
               </a:rPr>
               <a:t>Click to edit Master title style</a:t>
             </a:r>
-            <a:endParaRPr b="0" lang="en-US" sz="8000" spc="-1" strike="noStrike">
+            <a:endParaRPr lang="en-US" sz="8000" b="0" strike="noStrike" spc="-1">
               <a:solidFill>
                 <a:srgbClr val="000000"/>
               </a:solidFill>
@@ -5397,9 +7967,9 @@
                 <a:spcPct val="100000"/>
               </a:lnSpc>
               <a:buNone/>
-              <a:defRPr b="0" lang="en-AU" sz="900" spc="-1" strike="noStrike">
+              <a:defRPr lang="en-AU" sz="900" b="0" strike="noStrike" spc="-1">
                 <a:solidFill>
-                  <a:srgbClr val="ffffff"/>
+                  <a:srgbClr val="FFFFFF"/>
                 </a:solidFill>
                 <a:latin typeface="Calibri"/>
               </a:defRPr>
@@ -5413,15 +7983,15 @@
               <a:buNone/>
             </a:pPr>
             <a:r>
-              <a:rPr b="0" lang="en-AU" sz="900" spc="-1" strike="noStrike">
+              <a:rPr lang="en-AU" sz="900" b="0" strike="noStrike" spc="-1">
                 <a:solidFill>
-                  <a:srgbClr val="ffffff"/>
+                  <a:srgbClr val="FFFFFF"/>
                 </a:solidFill>
                 <a:latin typeface="Calibri"/>
               </a:rPr>
               <a:t>&lt;date/time&gt;</a:t>
             </a:r>
-            <a:endParaRPr b="0" lang="en-AU" sz="900" spc="-1" strike="noStrike">
+            <a:endParaRPr lang="en-AU" sz="900" b="0" strike="noStrike" spc="-1">
               <a:latin typeface="Times New Roman"/>
             </a:endParaRPr>
           </a:p>
@@ -5457,7 +8027,7 @@
           <a:lstStyle>
             <a:lvl1pPr algn="ctr">
               <a:buNone/>
-              <a:defRPr b="0" lang="en-AU" sz="1400" spc="-1" strike="noStrike">
+              <a:defRPr lang="en-AU" sz="1400" b="0" strike="noStrike" spc="-1">
                 <a:latin typeface="Times New Roman"/>
               </a:defRPr>
             </a:lvl1pPr>
@@ -5467,14 +8037,11 @@
               <a:buNone/>
             </a:pPr>
             <a:r>
-              <a:rPr b="0" lang="en-AU" sz="1400" spc="-1" strike="noStrike">
+              <a:rPr lang="en-AU" sz="1400" b="0" strike="noStrike" spc="-1">
                 <a:latin typeface="Times New Roman"/>
               </a:rPr>
               <a:t>&lt;footer&gt;</a:t>
             </a:r>
-            <a:endParaRPr b="0" lang="en-AU" sz="1400" spc="-1" strike="noStrike">
-              <a:latin typeface="Times New Roman"/>
-            </a:endParaRPr>
           </a:p>
         </p:txBody>
       </p:sp>
@@ -5511,9 +8078,9 @@
                 <a:spcPct val="100000"/>
               </a:lnSpc>
               <a:buNone/>
-              <a:defRPr b="0" lang="en-AU" sz="1050" spc="-1" strike="noStrike">
+              <a:defRPr lang="en-AU" sz="1050" b="0" strike="noStrike" spc="-1">
                 <a:solidFill>
-                  <a:srgbClr val="ffffff"/>
+                  <a:srgbClr val="FFFFFF"/>
                 </a:solidFill>
                 <a:latin typeface="Calibri"/>
               </a:defRPr>
@@ -5527,15 +8094,15 @@
               <a:buNone/>
             </a:pPr>
             <a:fld id="{E12C3203-C507-485B-ADFF-207B26559839}" type="slidenum">
-              <a:rPr b="0" lang="en-AU" sz="1050" spc="-1" strike="noStrike">
+              <a:rPr lang="en-AU" sz="1050" b="0" strike="noStrike" spc="-1">
                 <a:solidFill>
-                  <a:srgbClr val="ffffff"/>
+                  <a:srgbClr val="FFFFFF"/>
                 </a:solidFill>
                 <a:latin typeface="Calibri"/>
               </a:rPr>
-              <a:t>&lt;number&gt;</a:t>
+              <a:t>‹#›</a:t>
             </a:fld>
-            <a:endParaRPr b="0" lang="en-AU" sz="1050" spc="-1" strike="noStrike">
+            <a:endParaRPr lang="en-AU" sz="1050" b="0" strike="noStrike" spc="-1">
               <a:latin typeface="Times New Roman"/>
             </a:endParaRPr>
           </a:p>
@@ -5602,9 +8169,10 @@
           </a:ln>
         </p:spPr>
         <p:txBody>
-          <a:bodyPr lIns="0" rIns="0" tIns="0" bIns="0" anchor="t">
+          <a:bodyPr lIns="0" tIns="0" rIns="0" bIns="0" anchor="t">
             <a:normAutofit/>
           </a:bodyPr>
+          <a:lstStyle/>
           <a:p>
             <a:pPr marL="432000" indent="-324000">
               <a:lnSpc>
@@ -5621,7 +8189,7 @@
               <a:buChar char=""/>
             </a:pPr>
             <a:r>
-              <a:rPr b="0" lang="en-US" sz="2000" spc="-1" strike="noStrike">
+              <a:rPr lang="en-US" sz="2000" b="0" strike="noStrike" spc="-1">
                 <a:solidFill>
                   <a:srgbClr val="404040"/>
                 </a:solidFill>
@@ -5629,15 +8197,9 @@
               </a:rPr>
               <a:t>Click to edit the outline text format</a:t>
             </a:r>
-            <a:endParaRPr b="0" lang="en-US" sz="2000" spc="-1" strike="noStrike">
-              <a:solidFill>
-                <a:srgbClr val="404040"/>
-              </a:solidFill>
-              <a:latin typeface="Calibri"/>
-            </a:endParaRPr>
-          </a:p>
-          <a:p>
-            <a:pPr lvl="1" marL="864000" indent="-324000">
+          </a:p>
+          <a:p>
+            <a:pPr marL="864000" lvl="1" indent="-324000">
               <a:lnSpc>
                 <a:spcPct val="90000"/>
               </a:lnSpc>
@@ -5652,7 +8214,7 @@
               <a:buChar char=""/>
             </a:pPr>
             <a:r>
-              <a:rPr b="0" lang="en-US" sz="1400" spc="-1" strike="noStrike">
+              <a:rPr lang="en-US" sz="1400" b="0" strike="noStrike" spc="-1">
                 <a:solidFill>
                   <a:srgbClr val="404040"/>
                 </a:solidFill>
@@ -5660,15 +8222,9 @@
               </a:rPr>
               <a:t>Second Outline Level</a:t>
             </a:r>
-            <a:endParaRPr b="0" lang="en-US" sz="1400" spc="-1" strike="noStrike">
-              <a:solidFill>
-                <a:srgbClr val="404040"/>
-              </a:solidFill>
-              <a:latin typeface="Calibri"/>
-            </a:endParaRPr>
-          </a:p>
-          <a:p>
-            <a:pPr lvl="2" marL="1296000" indent="-288000">
+          </a:p>
+          <a:p>
+            <a:pPr marL="1296000" lvl="2" indent="-288000">
               <a:lnSpc>
                 <a:spcPct val="90000"/>
               </a:lnSpc>
@@ -5683,7 +8239,7 @@
               <a:buChar char=""/>
             </a:pPr>
             <a:r>
-              <a:rPr b="0" lang="en-US" sz="1400" spc="-1" strike="noStrike">
+              <a:rPr lang="en-US" sz="1400" b="0" strike="noStrike" spc="-1">
                 <a:solidFill>
                   <a:srgbClr val="404040"/>
                 </a:solidFill>
@@ -5691,15 +8247,9 @@
               </a:rPr>
               <a:t>Third Outline Level</a:t>
             </a:r>
-            <a:endParaRPr b="0" lang="en-US" sz="1400" spc="-1" strike="noStrike">
-              <a:solidFill>
-                <a:srgbClr val="404040"/>
-              </a:solidFill>
-              <a:latin typeface="Calibri"/>
-            </a:endParaRPr>
-          </a:p>
-          <a:p>
-            <a:pPr lvl="3" marL="1728000" indent="-216000">
+          </a:p>
+          <a:p>
+            <a:pPr marL="1728000" lvl="3" indent="-216000">
               <a:lnSpc>
                 <a:spcPct val="90000"/>
               </a:lnSpc>
@@ -5714,7 +8264,7 @@
               <a:buChar char=""/>
             </a:pPr>
             <a:r>
-              <a:rPr b="0" lang="en-US" sz="1400" spc="-1" strike="noStrike">
+              <a:rPr lang="en-US" sz="1400" b="0" strike="noStrike" spc="-1">
                 <a:solidFill>
                   <a:srgbClr val="404040"/>
                 </a:solidFill>
@@ -5722,15 +8272,9 @@
               </a:rPr>
               <a:t>Fourth Outline Level</a:t>
             </a:r>
-            <a:endParaRPr b="0" lang="en-US" sz="1400" spc="-1" strike="noStrike">
-              <a:solidFill>
-                <a:srgbClr val="404040"/>
-              </a:solidFill>
-              <a:latin typeface="Calibri"/>
-            </a:endParaRPr>
-          </a:p>
-          <a:p>
-            <a:pPr lvl="4" marL="2160000" indent="-216000">
+          </a:p>
+          <a:p>
+            <a:pPr marL="2160000" lvl="4" indent="-216000">
               <a:lnSpc>
                 <a:spcPct val="90000"/>
               </a:lnSpc>
@@ -5745,7 +8289,7 @@
               <a:buChar char=""/>
             </a:pPr>
             <a:r>
-              <a:rPr b="0" lang="en-US" sz="2000" spc="-1" strike="noStrike">
+              <a:rPr lang="en-US" sz="2000" b="0" strike="noStrike" spc="-1">
                 <a:solidFill>
                   <a:srgbClr val="404040"/>
                 </a:solidFill>
@@ -5753,15 +8297,9 @@
               </a:rPr>
               <a:t>Fifth Outline Level</a:t>
             </a:r>
-            <a:endParaRPr b="0" lang="en-US" sz="2000" spc="-1" strike="noStrike">
-              <a:solidFill>
-                <a:srgbClr val="404040"/>
-              </a:solidFill>
-              <a:latin typeface="Calibri"/>
-            </a:endParaRPr>
-          </a:p>
-          <a:p>
-            <a:pPr lvl="5" marL="2592000" indent="-216000">
+          </a:p>
+          <a:p>
+            <a:pPr marL="2592000" lvl="5" indent="-216000">
               <a:lnSpc>
                 <a:spcPct val="90000"/>
               </a:lnSpc>
@@ -5776,7 +8314,7 @@
               <a:buChar char=""/>
             </a:pPr>
             <a:r>
-              <a:rPr b="0" lang="en-US" sz="2000" spc="-1" strike="noStrike">
+              <a:rPr lang="en-US" sz="2000" b="0" strike="noStrike" spc="-1">
                 <a:solidFill>
                   <a:srgbClr val="404040"/>
                 </a:solidFill>
@@ -5784,15 +8322,9 @@
               </a:rPr>
               <a:t>Sixth Outline Level</a:t>
             </a:r>
-            <a:endParaRPr b="0" lang="en-US" sz="2000" spc="-1" strike="noStrike">
-              <a:solidFill>
-                <a:srgbClr val="404040"/>
-              </a:solidFill>
-              <a:latin typeface="Calibri"/>
-            </a:endParaRPr>
-          </a:p>
-          <a:p>
-            <a:pPr lvl="6" marL="3024000" indent="-216000">
+          </a:p>
+          <a:p>
+            <a:pPr marL="3024000" lvl="6" indent="-216000">
               <a:lnSpc>
                 <a:spcPct val="90000"/>
               </a:lnSpc>
@@ -5807,7 +8339,7 @@
               <a:buChar char=""/>
             </a:pPr>
             <a:r>
-              <a:rPr b="0" lang="en-US" sz="2000" spc="-1" strike="noStrike">
+              <a:rPr lang="en-US" sz="2000" b="0" strike="noStrike" spc="-1">
                 <a:solidFill>
                   <a:srgbClr val="404040"/>
                 </a:solidFill>
@@ -5815,43 +8347,318 @@
               </a:rPr>
               <a:t>Seventh Outline Level</a:t>
             </a:r>
-            <a:endParaRPr b="0" lang="en-US" sz="2000" spc="-1" strike="noStrike">
-              <a:solidFill>
-                <a:srgbClr val="404040"/>
-              </a:solidFill>
-              <a:latin typeface="Calibri"/>
-            </a:endParaRPr>
           </a:p>
         </p:txBody>
       </p:sp>
     </p:spTree>
   </p:cSld>
-  <p:clrMap bg1="lt1" bg2="lt2" tx1="dk1" tx2="dk2" accent1="accent1" accent2="accent2" accent3="accent3" accent4="accent4" accent5="accent5" accent6="accent6" hlink="hlink" folHlink="folHlink"/>
+  <p:clrMap bg1="lt1" tx1="dk1" bg2="lt2" tx2="dk2" accent1="accent1" accent2="accent2" accent3="accent3" accent4="accent4" accent5="accent5" accent6="accent6" hlink="hlink" folHlink="folHlink"/>
   <p:sldLayoutIdLst>
-    <p:sldLayoutId id="2147483649" r:id="rId2"/>
-    <p:sldLayoutId id="2147483650" r:id="rId3"/>
-    <p:sldLayoutId id="2147483651" r:id="rId4"/>
-    <p:sldLayoutId id="2147483652" r:id="rId5"/>
-    <p:sldLayoutId id="2147483653" r:id="rId6"/>
-    <p:sldLayoutId id="2147483654" r:id="rId7"/>
-    <p:sldLayoutId id="2147483655" r:id="rId8"/>
-    <p:sldLayoutId id="2147483656" r:id="rId9"/>
-    <p:sldLayoutId id="2147483657" r:id="rId10"/>
-    <p:sldLayoutId id="2147483658" r:id="rId11"/>
-    <p:sldLayoutId id="2147483659" r:id="rId12"/>
-    <p:sldLayoutId id="2147483660" r:id="rId13"/>
+    <p:sldLayoutId id="2147483649" r:id="rId1"/>
+    <p:sldLayoutId id="2147483650" r:id="rId2"/>
+    <p:sldLayoutId id="2147483651" r:id="rId3"/>
+    <p:sldLayoutId id="2147483652" r:id="rId4"/>
+    <p:sldLayoutId id="2147483653" r:id="rId5"/>
+    <p:sldLayoutId id="2147483654" r:id="rId6"/>
+    <p:sldLayoutId id="2147483655" r:id="rId7"/>
+    <p:sldLayoutId id="2147483656" r:id="rId8"/>
+    <p:sldLayoutId id="2147483657" r:id="rId9"/>
+    <p:sldLayoutId id="2147483658" r:id="rId10"/>
+    <p:sldLayoutId id="2147483659" r:id="rId11"/>
+    <p:sldLayoutId id="2147483660" r:id="rId12"/>
   </p:sldLayoutIdLst>
+  <p:txStyles>
+    <p:titleStyle>
+      <a:lvl1pPr algn="l" defTabSz="914400" rtl="0" eaLnBrk="1" latinLnBrk="0" hangingPunct="1">
+        <a:lnSpc>
+          <a:spcPct val="90000"/>
+        </a:lnSpc>
+        <a:spcBef>
+          <a:spcPct val="0"/>
+        </a:spcBef>
+        <a:buNone/>
+        <a:defRPr sz="4400" kern="1200">
+          <a:solidFill>
+            <a:schemeClr val="tx1"/>
+          </a:solidFill>
+          <a:latin typeface="+mj-lt"/>
+          <a:ea typeface="+mj-ea"/>
+          <a:cs typeface="+mj-cs"/>
+        </a:defRPr>
+      </a:lvl1pPr>
+    </p:titleStyle>
+    <p:bodyStyle>
+      <a:lvl1pPr marL="228600" indent="-228600" algn="l" defTabSz="914400" rtl="0" eaLnBrk="1" latinLnBrk="0" hangingPunct="1">
+        <a:lnSpc>
+          <a:spcPct val="90000"/>
+        </a:lnSpc>
+        <a:spcBef>
+          <a:spcPts val="1000"/>
+        </a:spcBef>
+        <a:buFont typeface="Arial" panose="020B0604020202020204" pitchFamily="34" charset="0"/>
+        <a:buChar char="•"/>
+        <a:defRPr sz="2800" kern="1200">
+          <a:solidFill>
+            <a:schemeClr val="tx1"/>
+          </a:solidFill>
+          <a:latin typeface="+mn-lt"/>
+          <a:ea typeface="+mn-ea"/>
+          <a:cs typeface="+mn-cs"/>
+        </a:defRPr>
+      </a:lvl1pPr>
+      <a:lvl2pPr marL="685800" indent="-228600" algn="l" defTabSz="914400" rtl="0" eaLnBrk="1" latinLnBrk="0" hangingPunct="1">
+        <a:lnSpc>
+          <a:spcPct val="90000"/>
+        </a:lnSpc>
+        <a:spcBef>
+          <a:spcPts val="500"/>
+        </a:spcBef>
+        <a:buFont typeface="Arial" panose="020B0604020202020204" pitchFamily="34" charset="0"/>
+        <a:buChar char="•"/>
+        <a:defRPr sz="2400" kern="1200">
+          <a:solidFill>
+            <a:schemeClr val="tx1"/>
+          </a:solidFill>
+          <a:latin typeface="+mn-lt"/>
+          <a:ea typeface="+mn-ea"/>
+          <a:cs typeface="+mn-cs"/>
+        </a:defRPr>
+      </a:lvl2pPr>
+      <a:lvl3pPr marL="1143000" indent="-228600" algn="l" defTabSz="914400" rtl="0" eaLnBrk="1" latinLnBrk="0" hangingPunct="1">
+        <a:lnSpc>
+          <a:spcPct val="90000"/>
+        </a:lnSpc>
+        <a:spcBef>
+          <a:spcPts val="500"/>
+        </a:spcBef>
+        <a:buFont typeface="Arial" panose="020B0604020202020204" pitchFamily="34" charset="0"/>
+        <a:buChar char="•"/>
+        <a:defRPr sz="2000" kern="1200">
+          <a:solidFill>
+            <a:schemeClr val="tx1"/>
+          </a:solidFill>
+          <a:latin typeface="+mn-lt"/>
+          <a:ea typeface="+mn-ea"/>
+          <a:cs typeface="+mn-cs"/>
+        </a:defRPr>
+      </a:lvl3pPr>
+      <a:lvl4pPr marL="1600200" indent="-228600" algn="l" defTabSz="914400" rtl="0" eaLnBrk="1" latinLnBrk="0" hangingPunct="1">
+        <a:lnSpc>
+          <a:spcPct val="90000"/>
+        </a:lnSpc>
+        <a:spcBef>
+          <a:spcPts val="500"/>
+        </a:spcBef>
+        <a:buFont typeface="Arial" panose="020B0604020202020204" pitchFamily="34" charset="0"/>
+        <a:buChar char="•"/>
+        <a:defRPr sz="1800" kern="1200">
+          <a:solidFill>
+            <a:schemeClr val="tx1"/>
+          </a:solidFill>
+          <a:latin typeface="+mn-lt"/>
+          <a:ea typeface="+mn-ea"/>
+          <a:cs typeface="+mn-cs"/>
+        </a:defRPr>
+      </a:lvl4pPr>
+      <a:lvl5pPr marL="2057400" indent="-228600" algn="l" defTabSz="914400" rtl="0" eaLnBrk="1" latinLnBrk="0" hangingPunct="1">
+        <a:lnSpc>
+          <a:spcPct val="90000"/>
+        </a:lnSpc>
+        <a:spcBef>
+          <a:spcPts val="500"/>
+        </a:spcBef>
+        <a:buFont typeface="Arial" panose="020B0604020202020204" pitchFamily="34" charset="0"/>
+        <a:buChar char="•"/>
+        <a:defRPr sz="1800" kern="1200">
+          <a:solidFill>
+            <a:schemeClr val="tx1"/>
+          </a:solidFill>
+          <a:latin typeface="+mn-lt"/>
+          <a:ea typeface="+mn-ea"/>
+          <a:cs typeface="+mn-cs"/>
+        </a:defRPr>
+      </a:lvl5pPr>
+      <a:lvl6pPr marL="2514600" indent="-228600" algn="l" defTabSz="914400" rtl="0" eaLnBrk="1" latinLnBrk="0" hangingPunct="1">
+        <a:lnSpc>
+          <a:spcPct val="90000"/>
+        </a:lnSpc>
+        <a:spcBef>
+          <a:spcPts val="500"/>
+        </a:spcBef>
+        <a:buFont typeface="Arial" panose="020B0604020202020204" pitchFamily="34" charset="0"/>
+        <a:buChar char="•"/>
+        <a:defRPr sz="1800" kern="1200">
+          <a:solidFill>
+            <a:schemeClr val="tx1"/>
+          </a:solidFill>
+          <a:latin typeface="+mn-lt"/>
+          <a:ea typeface="+mn-ea"/>
+          <a:cs typeface="+mn-cs"/>
+        </a:defRPr>
+      </a:lvl6pPr>
+      <a:lvl7pPr marL="2971800" indent="-228600" algn="l" defTabSz="914400" rtl="0" eaLnBrk="1" latinLnBrk="0" hangingPunct="1">
+        <a:lnSpc>
+          <a:spcPct val="90000"/>
+        </a:lnSpc>
+        <a:spcBef>
+          <a:spcPts val="500"/>
+        </a:spcBef>
+        <a:buFont typeface="Arial" panose="020B0604020202020204" pitchFamily="34" charset="0"/>
+        <a:buChar char="•"/>
+        <a:defRPr sz="1800" kern="1200">
+          <a:solidFill>
+            <a:schemeClr val="tx1"/>
+          </a:solidFill>
+          <a:latin typeface="+mn-lt"/>
+          <a:ea typeface="+mn-ea"/>
+          <a:cs typeface="+mn-cs"/>
+        </a:defRPr>
+      </a:lvl7pPr>
+      <a:lvl8pPr marL="3429000" indent="-228600" algn="l" defTabSz="914400" rtl="0" eaLnBrk="1" latinLnBrk="0" hangingPunct="1">
+        <a:lnSpc>
+          <a:spcPct val="90000"/>
+        </a:lnSpc>
+        <a:spcBef>
+          <a:spcPts val="500"/>
+        </a:spcBef>
+        <a:buFont typeface="Arial" panose="020B0604020202020204" pitchFamily="34" charset="0"/>
+        <a:buChar char="•"/>
+        <a:defRPr sz="1800" kern="1200">
+          <a:solidFill>
+            <a:schemeClr val="tx1"/>
+          </a:solidFill>
+          <a:latin typeface="+mn-lt"/>
+          <a:ea typeface="+mn-ea"/>
+          <a:cs typeface="+mn-cs"/>
+        </a:defRPr>
+      </a:lvl8pPr>
+      <a:lvl9pPr marL="3886200" indent="-228600" algn="l" defTabSz="914400" rtl="0" eaLnBrk="1" latinLnBrk="0" hangingPunct="1">
+        <a:lnSpc>
+          <a:spcPct val="90000"/>
+        </a:lnSpc>
+        <a:spcBef>
+          <a:spcPts val="500"/>
+        </a:spcBef>
+        <a:buFont typeface="Arial" panose="020B0604020202020204" pitchFamily="34" charset="0"/>
+        <a:buChar char="•"/>
+        <a:defRPr sz="1800" kern="1200">
+          <a:solidFill>
+            <a:schemeClr val="tx1"/>
+          </a:solidFill>
+          <a:latin typeface="+mn-lt"/>
+          <a:ea typeface="+mn-ea"/>
+          <a:cs typeface="+mn-cs"/>
+        </a:defRPr>
+      </a:lvl9pPr>
+    </p:bodyStyle>
+    <p:otherStyle>
+      <a:defPPr>
+        <a:defRPr lang="en-US"/>
+      </a:defPPr>
+      <a:lvl1pPr marL="0" algn="l" defTabSz="914400" rtl="0" eaLnBrk="1" latinLnBrk="0" hangingPunct="1">
+        <a:defRPr sz="1800" kern="1200">
+          <a:solidFill>
+            <a:schemeClr val="tx1"/>
+          </a:solidFill>
+          <a:latin typeface="+mn-lt"/>
+          <a:ea typeface="+mn-ea"/>
+          <a:cs typeface="+mn-cs"/>
+        </a:defRPr>
+      </a:lvl1pPr>
+      <a:lvl2pPr marL="457200" algn="l" defTabSz="914400" rtl="0" eaLnBrk="1" latinLnBrk="0" hangingPunct="1">
+        <a:defRPr sz="1800" kern="1200">
+          <a:solidFill>
+            <a:schemeClr val="tx1"/>
+          </a:solidFill>
+          <a:latin typeface="+mn-lt"/>
+          <a:ea typeface="+mn-ea"/>
+          <a:cs typeface="+mn-cs"/>
+        </a:defRPr>
+      </a:lvl2pPr>
+      <a:lvl3pPr marL="914400" algn="l" defTabSz="914400" rtl="0" eaLnBrk="1" latinLnBrk="0" hangingPunct="1">
+        <a:defRPr sz="1800" kern="1200">
+          <a:solidFill>
+            <a:schemeClr val="tx1"/>
+          </a:solidFill>
+          <a:latin typeface="+mn-lt"/>
+          <a:ea typeface="+mn-ea"/>
+          <a:cs typeface="+mn-cs"/>
+        </a:defRPr>
+      </a:lvl3pPr>
+      <a:lvl4pPr marL="1371600" algn="l" defTabSz="914400" rtl="0" eaLnBrk="1" latinLnBrk="0" hangingPunct="1">
+        <a:defRPr sz="1800" kern="1200">
+          <a:solidFill>
+            <a:schemeClr val="tx1"/>
+          </a:solidFill>
+          <a:latin typeface="+mn-lt"/>
+          <a:ea typeface="+mn-ea"/>
+          <a:cs typeface="+mn-cs"/>
+        </a:defRPr>
+      </a:lvl4pPr>
+      <a:lvl5pPr marL="1828800" algn="l" defTabSz="914400" rtl="0" eaLnBrk="1" latinLnBrk="0" hangingPunct="1">
+        <a:defRPr sz="1800" kern="1200">
+          <a:solidFill>
+            <a:schemeClr val="tx1"/>
+          </a:solidFill>
+          <a:latin typeface="+mn-lt"/>
+          <a:ea typeface="+mn-ea"/>
+          <a:cs typeface="+mn-cs"/>
+        </a:defRPr>
+      </a:lvl5pPr>
+      <a:lvl6pPr marL="2286000" algn="l" defTabSz="914400" rtl="0" eaLnBrk="1" latinLnBrk="0" hangingPunct="1">
+        <a:defRPr sz="1800" kern="1200">
+          <a:solidFill>
+            <a:schemeClr val="tx1"/>
+          </a:solidFill>
+          <a:latin typeface="+mn-lt"/>
+          <a:ea typeface="+mn-ea"/>
+          <a:cs typeface="+mn-cs"/>
+        </a:defRPr>
+      </a:lvl6pPr>
+      <a:lvl7pPr marL="2743200" algn="l" defTabSz="914400" rtl="0" eaLnBrk="1" latinLnBrk="0" hangingPunct="1">
+        <a:defRPr sz="1800" kern="1200">
+          <a:solidFill>
+            <a:schemeClr val="tx1"/>
+          </a:solidFill>
+          <a:latin typeface="+mn-lt"/>
+          <a:ea typeface="+mn-ea"/>
+          <a:cs typeface="+mn-cs"/>
+        </a:defRPr>
+      </a:lvl7pPr>
+      <a:lvl8pPr marL="3200400" algn="l" defTabSz="914400" rtl="0" eaLnBrk="1" latinLnBrk="0" hangingPunct="1">
+        <a:defRPr sz="1800" kern="1200">
+          <a:solidFill>
+            <a:schemeClr val="tx1"/>
+          </a:solidFill>
+          <a:latin typeface="+mn-lt"/>
+          <a:ea typeface="+mn-ea"/>
+          <a:cs typeface="+mn-cs"/>
+        </a:defRPr>
+      </a:lvl8pPr>
+      <a:lvl9pPr marL="3657600" algn="l" defTabSz="914400" rtl="0" eaLnBrk="1" latinLnBrk="0" hangingPunct="1">
+        <a:defRPr sz="1800" kern="1200">
+          <a:solidFill>
+            <a:schemeClr val="tx1"/>
+          </a:solidFill>
+          <a:latin typeface="+mn-lt"/>
+          <a:ea typeface="+mn-ea"/>
+          <a:cs typeface="+mn-cs"/>
+        </a:defRPr>
+      </a:lvl9pPr>
+    </p:otherStyle>
+  </p:txStyles>
 </p:sldMaster>
 </file>
 
 <file path=ppt/slideMasters/slideMaster2.xml><?xml version="1.0" encoding="utf-8"?>
-<p:sldMaster xmlns:a="http://schemas.openxmlformats.org/drawingml/2006/main" xmlns:p="http://schemas.openxmlformats.org/presentationml/2006/main" xmlns:r="http://schemas.openxmlformats.org/officeDocument/2006/relationships" xmlns:p14="http://schemas.microsoft.com/office/powerpoint/2010/main" xmlns:p15="http://schemas.microsoft.com/office/powerpoint/2012/main" xmlns:mc="http://schemas.openxmlformats.org/markup-compatibility/2006">
+<p:sldMaster xmlns:a="http://schemas.openxmlformats.org/drawingml/2006/main" xmlns:r="http://schemas.openxmlformats.org/officeDocument/2006/relationships" xmlns:p="http://schemas.openxmlformats.org/presentationml/2006/main">
   <p:cSld>
     <p:bg>
       <p:bgPr>
         <a:solidFill>
-          <a:srgbClr val="ffffff"/>
+          <a:srgbClr val="FFFFFF"/>
         </a:solidFill>
+        <a:effectLst/>
       </p:bgPr>
     </p:bg>
     <p:spTree>
@@ -6004,6 +8811,7 @@
           <a:bodyPr anchor="b">
             <a:noAutofit/>
           </a:bodyPr>
+          <a:lstStyle/>
           <a:p>
             <a:pPr>
               <a:lnSpc>
@@ -6012,7 +8820,7 @@
               <a:buNone/>
             </a:pPr>
             <a:r>
-              <a:rPr b="0" lang="en-US" sz="4800" spc="-52" strike="noStrike">
+              <a:rPr lang="en-US" sz="4800" b="0" strike="noStrike" spc="-52">
                 <a:solidFill>
                   <a:srgbClr val="404040"/>
                 </a:solidFill>
@@ -6020,7 +8828,7 @@
               </a:rPr>
               <a:t>Click to edit Master title style</a:t>
             </a:r>
-            <a:endParaRPr b="0" lang="en-US" sz="4800" spc="-1" strike="noStrike">
+            <a:endParaRPr lang="en-US" sz="4800" b="0" strike="noStrike" spc="-1">
               <a:solidFill>
                 <a:srgbClr val="000000"/>
               </a:solidFill>
@@ -6056,6 +8864,7 @@
           <a:bodyPr lIns="0" rIns="0" anchor="t">
             <a:noAutofit/>
           </a:bodyPr>
+          <a:lstStyle/>
           <a:p>
             <a:pPr marL="91440" indent="-91440">
               <a:lnSpc>
@@ -6068,13 +8877,13 @@
                 <a:spcPts val="201"/>
               </a:spcAft>
               <a:buClr>
-                <a:srgbClr val="e48312"/>
+                <a:srgbClr val="E48312"/>
               </a:buClr>
               <a:buFont typeface="Calibri"/>
               <a:buChar char=" "/>
             </a:pPr>
             <a:r>
-              <a:rPr b="0" lang="en-US" sz="2000" spc="-1" strike="noStrike">
+              <a:rPr lang="en-US" sz="2000" b="0" strike="noStrike" spc="-1">
                 <a:solidFill>
                   <a:srgbClr val="404040"/>
                 </a:solidFill>
@@ -6082,15 +8891,9 @@
               </a:rPr>
               <a:t>Click to edit Master text styles</a:t>
             </a:r>
-            <a:endParaRPr b="0" lang="en-US" sz="2000" spc="-1" strike="noStrike">
-              <a:solidFill>
-                <a:srgbClr val="404040"/>
-              </a:solidFill>
-              <a:latin typeface="Calibri"/>
-            </a:endParaRPr>
-          </a:p>
-          <a:p>
-            <a:pPr lvl="1" marL="384120" indent="-182880">
+          </a:p>
+          <a:p>
+            <a:pPr marL="384120" lvl="1" indent="-182880">
               <a:lnSpc>
                 <a:spcPct val="90000"/>
               </a:lnSpc>
@@ -6101,13 +8904,13 @@
                 <a:spcPts val="400"/>
               </a:spcAft>
               <a:buClr>
-                <a:srgbClr val="e48312"/>
+                <a:srgbClr val="E48312"/>
               </a:buClr>
               <a:buFont typeface="Calibri"/>
               <a:buChar char="◦"/>
             </a:pPr>
             <a:r>
-              <a:rPr b="0" lang="en-US" sz="1800" spc="-1" strike="noStrike">
+              <a:rPr lang="en-US" sz="1800" b="0" strike="noStrike" spc="-1">
                 <a:solidFill>
                   <a:srgbClr val="404040"/>
                 </a:solidFill>
@@ -6115,15 +8918,9 @@
               </a:rPr>
               <a:t>Second level</a:t>
             </a:r>
-            <a:endParaRPr b="0" lang="en-US" sz="1800" spc="-1" strike="noStrike">
-              <a:solidFill>
-                <a:srgbClr val="404040"/>
-              </a:solidFill>
-              <a:latin typeface="Calibri"/>
-            </a:endParaRPr>
-          </a:p>
-          <a:p>
-            <a:pPr lvl="2" marL="567000" indent="-182880">
+          </a:p>
+          <a:p>
+            <a:pPr marL="567000" lvl="2" indent="-182880">
               <a:lnSpc>
                 <a:spcPct val="90000"/>
               </a:lnSpc>
@@ -6134,13 +8931,13 @@
                 <a:spcPts val="400"/>
               </a:spcAft>
               <a:buClr>
-                <a:srgbClr val="e48312"/>
+                <a:srgbClr val="E48312"/>
               </a:buClr>
               <a:buFont typeface="Calibri"/>
               <a:buChar char="◦"/>
             </a:pPr>
             <a:r>
-              <a:rPr b="0" lang="en-US" sz="1400" spc="-1" strike="noStrike">
+              <a:rPr lang="en-US" sz="1400" b="0" strike="noStrike" spc="-1">
                 <a:solidFill>
                   <a:srgbClr val="404040"/>
                 </a:solidFill>
@@ -6148,15 +8945,9 @@
               </a:rPr>
               <a:t>Third level</a:t>
             </a:r>
-            <a:endParaRPr b="0" lang="en-US" sz="1400" spc="-1" strike="noStrike">
-              <a:solidFill>
-                <a:srgbClr val="404040"/>
-              </a:solidFill>
-              <a:latin typeface="Calibri"/>
-            </a:endParaRPr>
-          </a:p>
-          <a:p>
-            <a:pPr lvl="3" marL="749880" indent="-182880">
+          </a:p>
+          <a:p>
+            <a:pPr marL="749880" lvl="3" indent="-182880">
               <a:lnSpc>
                 <a:spcPct val="90000"/>
               </a:lnSpc>
@@ -6167,13 +8958,13 @@
                 <a:spcPts val="400"/>
               </a:spcAft>
               <a:buClr>
-                <a:srgbClr val="e48312"/>
+                <a:srgbClr val="E48312"/>
               </a:buClr>
               <a:buFont typeface="Calibri"/>
               <a:buChar char="◦"/>
             </a:pPr>
             <a:r>
-              <a:rPr b="0" lang="en-US" sz="1400" spc="-1" strike="noStrike">
+              <a:rPr lang="en-US" sz="1400" b="0" strike="noStrike" spc="-1">
                 <a:solidFill>
                   <a:srgbClr val="404040"/>
                 </a:solidFill>
@@ -6181,15 +8972,9 @@
               </a:rPr>
               <a:t>Fourth level</a:t>
             </a:r>
-            <a:endParaRPr b="0" lang="en-US" sz="1400" spc="-1" strike="noStrike">
-              <a:solidFill>
-                <a:srgbClr val="404040"/>
-              </a:solidFill>
-              <a:latin typeface="Calibri"/>
-            </a:endParaRPr>
-          </a:p>
-          <a:p>
-            <a:pPr lvl="4" marL="932760" indent="-182880">
+          </a:p>
+          <a:p>
+            <a:pPr marL="932760" lvl="4" indent="-182880">
               <a:lnSpc>
                 <a:spcPct val="90000"/>
               </a:lnSpc>
@@ -6200,13 +8985,13 @@
                 <a:spcPts val="400"/>
               </a:spcAft>
               <a:buClr>
-                <a:srgbClr val="e48312"/>
+                <a:srgbClr val="E48312"/>
               </a:buClr>
               <a:buFont typeface="Calibri"/>
               <a:buChar char="◦"/>
             </a:pPr>
             <a:r>
-              <a:rPr b="0" lang="en-US" sz="1400" spc="-1" strike="noStrike">
+              <a:rPr lang="en-US" sz="1400" b="0" strike="noStrike" spc="-1">
                 <a:solidFill>
                   <a:srgbClr val="404040"/>
                 </a:solidFill>
@@ -6214,12 +8999,6 @@
               </a:rPr>
               <a:t>Fifth level</a:t>
             </a:r>
-            <a:endParaRPr b="0" lang="en-US" sz="1400" spc="-1" strike="noStrike">
-              <a:solidFill>
-                <a:srgbClr val="404040"/>
-              </a:solidFill>
-              <a:latin typeface="Calibri"/>
-            </a:endParaRPr>
           </a:p>
         </p:txBody>
       </p:sp>
@@ -6256,9 +9035,9 @@
                 <a:spcPct val="100000"/>
               </a:lnSpc>
               <a:buNone/>
-              <a:defRPr b="0" lang="en-AU" sz="900" spc="-1" strike="noStrike">
+              <a:defRPr lang="en-AU" sz="900" b="0" strike="noStrike" spc="-1">
                 <a:solidFill>
-                  <a:srgbClr val="ffffff"/>
+                  <a:srgbClr val="FFFFFF"/>
                 </a:solidFill>
                 <a:latin typeface="Calibri"/>
               </a:defRPr>
@@ -6272,15 +9051,15 @@
               <a:buNone/>
             </a:pPr>
             <a:r>
-              <a:rPr b="0" lang="en-AU" sz="900" spc="-1" strike="noStrike">
+              <a:rPr lang="en-AU" sz="900" b="0" strike="noStrike" spc="-1">
                 <a:solidFill>
-                  <a:srgbClr val="ffffff"/>
+                  <a:srgbClr val="FFFFFF"/>
                 </a:solidFill>
                 <a:latin typeface="Calibri"/>
               </a:rPr>
               <a:t>&lt;date/time&gt;</a:t>
             </a:r>
-            <a:endParaRPr b="0" lang="en-AU" sz="900" spc="-1" strike="noStrike">
+            <a:endParaRPr lang="en-AU" sz="900" b="0" strike="noStrike" spc="-1">
               <a:latin typeface="Times New Roman"/>
             </a:endParaRPr>
           </a:p>
@@ -6316,7 +9095,7 @@
           <a:lstStyle>
             <a:lvl1pPr algn="ctr">
               <a:buNone/>
-              <a:defRPr b="0" lang="en-AU" sz="1400" spc="-1" strike="noStrike">
+              <a:defRPr lang="en-AU" sz="1400" b="0" strike="noStrike" spc="-1">
                 <a:latin typeface="Times New Roman"/>
               </a:defRPr>
             </a:lvl1pPr>
@@ -6326,14 +9105,11 @@
               <a:buNone/>
             </a:pPr>
             <a:r>
-              <a:rPr b="0" lang="en-AU" sz="1400" spc="-1" strike="noStrike">
+              <a:rPr lang="en-AU" sz="1400" b="0" strike="noStrike" spc="-1">
                 <a:latin typeface="Times New Roman"/>
               </a:rPr>
               <a:t>&lt;footer&gt;</a:t>
             </a:r>
-            <a:endParaRPr b="0" lang="en-AU" sz="1400" spc="-1" strike="noStrike">
-              <a:latin typeface="Times New Roman"/>
-            </a:endParaRPr>
           </a:p>
         </p:txBody>
       </p:sp>
@@ -6370,9 +9146,9 @@
                 <a:spcPct val="100000"/>
               </a:lnSpc>
               <a:buNone/>
-              <a:defRPr b="0" lang="en-AU" sz="1050" spc="-1" strike="noStrike">
+              <a:defRPr lang="en-AU" sz="1050" b="0" strike="noStrike" spc="-1">
                 <a:solidFill>
-                  <a:srgbClr val="ffffff"/>
+                  <a:srgbClr val="FFFFFF"/>
                 </a:solidFill>
                 <a:latin typeface="Calibri"/>
               </a:defRPr>
@@ -6386,15 +9162,15 @@
               <a:buNone/>
             </a:pPr>
             <a:fld id="{4BD5E702-D66F-4C52-B9A2-2C3CE4E62081}" type="slidenum">
-              <a:rPr b="0" lang="en-AU" sz="1050" spc="-1" strike="noStrike">
+              <a:rPr lang="en-AU" sz="1050" b="0" strike="noStrike" spc="-1">
                 <a:solidFill>
-                  <a:srgbClr val="ffffff"/>
+                  <a:srgbClr val="FFFFFF"/>
                 </a:solidFill>
                 <a:latin typeface="Calibri"/>
               </a:rPr>
-              <a:t>&lt;number&gt;</a:t>
+              <a:t>‹#›</a:t>
             </a:fld>
-            <a:endParaRPr b="0" lang="en-AU" sz="1050" spc="-1" strike="noStrike">
+            <a:endParaRPr lang="en-AU" sz="1050" b="0" strike="noStrike" spc="-1">
               <a:latin typeface="Times New Roman"/>
             </a:endParaRPr>
           </a:p>
@@ -6402,26 +9178,306 @@
       </p:sp>
     </p:spTree>
   </p:cSld>
-  <p:clrMap bg1="lt1" bg2="lt2" tx1="dk1" tx2="dk2" accent1="accent1" accent2="accent2" accent3="accent3" accent4="accent4" accent5="accent5" accent6="accent6" hlink="hlink" folHlink="folHlink"/>
+  <p:clrMap bg1="lt1" tx1="dk1" bg2="lt2" tx2="dk2" accent1="accent1" accent2="accent2" accent3="accent3" accent4="accent4" accent5="accent5" accent6="accent6" hlink="hlink" folHlink="folHlink"/>
   <p:sldLayoutIdLst>
-    <p:sldLayoutId id="2147483662" r:id="rId2"/>
-    <p:sldLayoutId id="2147483663" r:id="rId3"/>
-    <p:sldLayoutId id="2147483664" r:id="rId4"/>
-    <p:sldLayoutId id="2147483665" r:id="rId5"/>
-    <p:sldLayoutId id="2147483666" r:id="rId6"/>
-    <p:sldLayoutId id="2147483667" r:id="rId7"/>
-    <p:sldLayoutId id="2147483668" r:id="rId8"/>
-    <p:sldLayoutId id="2147483669" r:id="rId9"/>
-    <p:sldLayoutId id="2147483670" r:id="rId10"/>
-    <p:sldLayoutId id="2147483671" r:id="rId11"/>
-    <p:sldLayoutId id="2147483672" r:id="rId12"/>
-    <p:sldLayoutId id="2147483673" r:id="rId13"/>
+    <p:sldLayoutId id="2147483662" r:id="rId1"/>
+    <p:sldLayoutId id="2147483663" r:id="rId2"/>
+    <p:sldLayoutId id="2147483664" r:id="rId3"/>
+    <p:sldLayoutId id="2147483665" r:id="rId4"/>
+    <p:sldLayoutId id="2147483666" r:id="rId5"/>
+    <p:sldLayoutId id="2147483667" r:id="rId6"/>
+    <p:sldLayoutId id="2147483668" r:id="rId7"/>
+    <p:sldLayoutId id="2147483669" r:id="rId8"/>
+    <p:sldLayoutId id="2147483670" r:id="rId9"/>
+    <p:sldLayoutId id="2147483671" r:id="rId10"/>
+    <p:sldLayoutId id="2147483672" r:id="rId11"/>
+    <p:sldLayoutId id="2147483673" r:id="rId12"/>
   </p:sldLayoutIdLst>
+  <p:txStyles>
+    <p:titleStyle>
+      <a:lvl1pPr algn="l" defTabSz="914400" rtl="0" eaLnBrk="1" latinLnBrk="0" hangingPunct="1">
+        <a:lnSpc>
+          <a:spcPct val="90000"/>
+        </a:lnSpc>
+        <a:spcBef>
+          <a:spcPct val="0"/>
+        </a:spcBef>
+        <a:buNone/>
+        <a:defRPr sz="4400" kern="1200">
+          <a:solidFill>
+            <a:schemeClr val="tx1"/>
+          </a:solidFill>
+          <a:latin typeface="+mj-lt"/>
+          <a:ea typeface="+mj-ea"/>
+          <a:cs typeface="+mj-cs"/>
+        </a:defRPr>
+      </a:lvl1pPr>
+    </p:titleStyle>
+    <p:bodyStyle>
+      <a:lvl1pPr marL="228600" indent="-228600" algn="l" defTabSz="914400" rtl="0" eaLnBrk="1" latinLnBrk="0" hangingPunct="1">
+        <a:lnSpc>
+          <a:spcPct val="90000"/>
+        </a:lnSpc>
+        <a:spcBef>
+          <a:spcPts val="1000"/>
+        </a:spcBef>
+        <a:buFont typeface="Arial" panose="020B0604020202020204" pitchFamily="34" charset="0"/>
+        <a:buChar char="•"/>
+        <a:defRPr sz="2800" kern="1200">
+          <a:solidFill>
+            <a:schemeClr val="tx1"/>
+          </a:solidFill>
+          <a:latin typeface="+mn-lt"/>
+          <a:ea typeface="+mn-ea"/>
+          <a:cs typeface="+mn-cs"/>
+        </a:defRPr>
+      </a:lvl1pPr>
+      <a:lvl2pPr marL="685800" indent="-228600" algn="l" defTabSz="914400" rtl="0" eaLnBrk="1" latinLnBrk="0" hangingPunct="1">
+        <a:lnSpc>
+          <a:spcPct val="90000"/>
+        </a:lnSpc>
+        <a:spcBef>
+          <a:spcPts val="500"/>
+        </a:spcBef>
+        <a:buFont typeface="Arial" panose="020B0604020202020204" pitchFamily="34" charset="0"/>
+        <a:buChar char="•"/>
+        <a:defRPr sz="2400" kern="1200">
+          <a:solidFill>
+            <a:schemeClr val="tx1"/>
+          </a:solidFill>
+          <a:latin typeface="+mn-lt"/>
+          <a:ea typeface="+mn-ea"/>
+          <a:cs typeface="+mn-cs"/>
+        </a:defRPr>
+      </a:lvl2pPr>
+      <a:lvl3pPr marL="1143000" indent="-228600" algn="l" defTabSz="914400" rtl="0" eaLnBrk="1" latinLnBrk="0" hangingPunct="1">
+        <a:lnSpc>
+          <a:spcPct val="90000"/>
+        </a:lnSpc>
+        <a:spcBef>
+          <a:spcPts val="500"/>
+        </a:spcBef>
+        <a:buFont typeface="Arial" panose="020B0604020202020204" pitchFamily="34" charset="0"/>
+        <a:buChar char="•"/>
+        <a:defRPr sz="2000" kern="1200">
+          <a:solidFill>
+            <a:schemeClr val="tx1"/>
+          </a:solidFill>
+          <a:latin typeface="+mn-lt"/>
+          <a:ea typeface="+mn-ea"/>
+          <a:cs typeface="+mn-cs"/>
+        </a:defRPr>
+      </a:lvl3pPr>
+      <a:lvl4pPr marL="1600200" indent="-228600" algn="l" defTabSz="914400" rtl="0" eaLnBrk="1" latinLnBrk="0" hangingPunct="1">
+        <a:lnSpc>
+          <a:spcPct val="90000"/>
+        </a:lnSpc>
+        <a:spcBef>
+          <a:spcPts val="500"/>
+        </a:spcBef>
+        <a:buFont typeface="Arial" panose="020B0604020202020204" pitchFamily="34" charset="0"/>
+        <a:buChar char="•"/>
+        <a:defRPr sz="1800" kern="1200">
+          <a:solidFill>
+            <a:schemeClr val="tx1"/>
+          </a:solidFill>
+          <a:latin typeface="+mn-lt"/>
+          <a:ea typeface="+mn-ea"/>
+          <a:cs typeface="+mn-cs"/>
+        </a:defRPr>
+      </a:lvl4pPr>
+      <a:lvl5pPr marL="2057400" indent="-228600" algn="l" defTabSz="914400" rtl="0" eaLnBrk="1" latinLnBrk="0" hangingPunct="1">
+        <a:lnSpc>
+          <a:spcPct val="90000"/>
+        </a:lnSpc>
+        <a:spcBef>
+          <a:spcPts val="500"/>
+        </a:spcBef>
+        <a:buFont typeface="Arial" panose="020B0604020202020204" pitchFamily="34" charset="0"/>
+        <a:buChar char="•"/>
+        <a:defRPr sz="1800" kern="1200">
+          <a:solidFill>
+            <a:schemeClr val="tx1"/>
+          </a:solidFill>
+          <a:latin typeface="+mn-lt"/>
+          <a:ea typeface="+mn-ea"/>
+          <a:cs typeface="+mn-cs"/>
+        </a:defRPr>
+      </a:lvl5pPr>
+      <a:lvl6pPr marL="2514600" indent="-228600" algn="l" defTabSz="914400" rtl="0" eaLnBrk="1" latinLnBrk="0" hangingPunct="1">
+        <a:lnSpc>
+          <a:spcPct val="90000"/>
+        </a:lnSpc>
+        <a:spcBef>
+          <a:spcPts val="500"/>
+        </a:spcBef>
+        <a:buFont typeface="Arial" panose="020B0604020202020204" pitchFamily="34" charset="0"/>
+        <a:buChar char="•"/>
+        <a:defRPr sz="1800" kern="1200">
+          <a:solidFill>
+            <a:schemeClr val="tx1"/>
+          </a:solidFill>
+          <a:latin typeface="+mn-lt"/>
+          <a:ea typeface="+mn-ea"/>
+          <a:cs typeface="+mn-cs"/>
+        </a:defRPr>
+      </a:lvl6pPr>
+      <a:lvl7pPr marL="2971800" indent="-228600" algn="l" defTabSz="914400" rtl="0" eaLnBrk="1" latinLnBrk="0" hangingPunct="1">
+        <a:lnSpc>
+          <a:spcPct val="90000"/>
+        </a:lnSpc>
+        <a:spcBef>
+          <a:spcPts val="500"/>
+        </a:spcBef>
+        <a:buFont typeface="Arial" panose="020B0604020202020204" pitchFamily="34" charset="0"/>
+        <a:buChar char="•"/>
+        <a:defRPr sz="1800" kern="1200">
+          <a:solidFill>
+            <a:schemeClr val="tx1"/>
+          </a:solidFill>
+          <a:latin typeface="+mn-lt"/>
+          <a:ea typeface="+mn-ea"/>
+          <a:cs typeface="+mn-cs"/>
+        </a:defRPr>
+      </a:lvl7pPr>
+      <a:lvl8pPr marL="3429000" indent="-228600" algn="l" defTabSz="914400" rtl="0" eaLnBrk="1" latinLnBrk="0" hangingPunct="1">
+        <a:lnSpc>
+          <a:spcPct val="90000"/>
+        </a:lnSpc>
+        <a:spcBef>
+          <a:spcPts val="500"/>
+        </a:spcBef>
+        <a:buFont typeface="Arial" panose="020B0604020202020204" pitchFamily="34" charset="0"/>
+        <a:buChar char="•"/>
+        <a:defRPr sz="1800" kern="1200">
+          <a:solidFill>
+            <a:schemeClr val="tx1"/>
+          </a:solidFill>
+          <a:latin typeface="+mn-lt"/>
+          <a:ea typeface="+mn-ea"/>
+          <a:cs typeface="+mn-cs"/>
+        </a:defRPr>
+      </a:lvl8pPr>
+      <a:lvl9pPr marL="3886200" indent="-228600" algn="l" defTabSz="914400" rtl="0" eaLnBrk="1" latinLnBrk="0" hangingPunct="1">
+        <a:lnSpc>
+          <a:spcPct val="90000"/>
+        </a:lnSpc>
+        <a:spcBef>
+          <a:spcPts val="500"/>
+        </a:spcBef>
+        <a:buFont typeface="Arial" panose="020B0604020202020204" pitchFamily="34" charset="0"/>
+        <a:buChar char="•"/>
+        <a:defRPr sz="1800" kern="1200">
+          <a:solidFill>
+            <a:schemeClr val="tx1"/>
+          </a:solidFill>
+          <a:latin typeface="+mn-lt"/>
+          <a:ea typeface="+mn-ea"/>
+          <a:cs typeface="+mn-cs"/>
+        </a:defRPr>
+      </a:lvl9pPr>
+    </p:bodyStyle>
+    <p:otherStyle>
+      <a:defPPr>
+        <a:defRPr lang="en-US"/>
+      </a:defPPr>
+      <a:lvl1pPr marL="0" algn="l" defTabSz="914400" rtl="0" eaLnBrk="1" latinLnBrk="0" hangingPunct="1">
+        <a:defRPr sz="1800" kern="1200">
+          <a:solidFill>
+            <a:schemeClr val="tx1"/>
+          </a:solidFill>
+          <a:latin typeface="+mn-lt"/>
+          <a:ea typeface="+mn-ea"/>
+          <a:cs typeface="+mn-cs"/>
+        </a:defRPr>
+      </a:lvl1pPr>
+      <a:lvl2pPr marL="457200" algn="l" defTabSz="914400" rtl="0" eaLnBrk="1" latinLnBrk="0" hangingPunct="1">
+        <a:defRPr sz="1800" kern="1200">
+          <a:solidFill>
+            <a:schemeClr val="tx1"/>
+          </a:solidFill>
+          <a:latin typeface="+mn-lt"/>
+          <a:ea typeface="+mn-ea"/>
+          <a:cs typeface="+mn-cs"/>
+        </a:defRPr>
+      </a:lvl2pPr>
+      <a:lvl3pPr marL="914400" algn="l" defTabSz="914400" rtl="0" eaLnBrk="1" latinLnBrk="0" hangingPunct="1">
+        <a:defRPr sz="1800" kern="1200">
+          <a:solidFill>
+            <a:schemeClr val="tx1"/>
+          </a:solidFill>
+          <a:latin typeface="+mn-lt"/>
+          <a:ea typeface="+mn-ea"/>
+          <a:cs typeface="+mn-cs"/>
+        </a:defRPr>
+      </a:lvl3pPr>
+      <a:lvl4pPr marL="1371600" algn="l" defTabSz="914400" rtl="0" eaLnBrk="1" latinLnBrk="0" hangingPunct="1">
+        <a:defRPr sz="1800" kern="1200">
+          <a:solidFill>
+            <a:schemeClr val="tx1"/>
+          </a:solidFill>
+          <a:latin typeface="+mn-lt"/>
+          <a:ea typeface="+mn-ea"/>
+          <a:cs typeface="+mn-cs"/>
+        </a:defRPr>
+      </a:lvl4pPr>
+      <a:lvl5pPr marL="1828800" algn="l" defTabSz="914400" rtl="0" eaLnBrk="1" latinLnBrk="0" hangingPunct="1">
+        <a:defRPr sz="1800" kern="1200">
+          <a:solidFill>
+            <a:schemeClr val="tx1"/>
+          </a:solidFill>
+          <a:latin typeface="+mn-lt"/>
+          <a:ea typeface="+mn-ea"/>
+          <a:cs typeface="+mn-cs"/>
+        </a:defRPr>
+      </a:lvl5pPr>
+      <a:lvl6pPr marL="2286000" algn="l" defTabSz="914400" rtl="0" eaLnBrk="1" latinLnBrk="0" hangingPunct="1">
+        <a:defRPr sz="1800" kern="1200">
+          <a:solidFill>
+            <a:schemeClr val="tx1"/>
+          </a:solidFill>
+          <a:latin typeface="+mn-lt"/>
+          <a:ea typeface="+mn-ea"/>
+          <a:cs typeface="+mn-cs"/>
+        </a:defRPr>
+      </a:lvl6pPr>
+      <a:lvl7pPr marL="2743200" algn="l" defTabSz="914400" rtl="0" eaLnBrk="1" latinLnBrk="0" hangingPunct="1">
+        <a:defRPr sz="1800" kern="1200">
+          <a:solidFill>
+            <a:schemeClr val="tx1"/>
+          </a:solidFill>
+          <a:latin typeface="+mn-lt"/>
+          <a:ea typeface="+mn-ea"/>
+          <a:cs typeface="+mn-cs"/>
+        </a:defRPr>
+      </a:lvl7pPr>
+      <a:lvl8pPr marL="3200400" algn="l" defTabSz="914400" rtl="0" eaLnBrk="1" latinLnBrk="0" hangingPunct="1">
+        <a:defRPr sz="1800" kern="1200">
+          <a:solidFill>
+            <a:schemeClr val="tx1"/>
+          </a:solidFill>
+          <a:latin typeface="+mn-lt"/>
+          <a:ea typeface="+mn-ea"/>
+          <a:cs typeface="+mn-cs"/>
+        </a:defRPr>
+      </a:lvl8pPr>
+      <a:lvl9pPr marL="3657600" algn="l" defTabSz="914400" rtl="0" eaLnBrk="1" latinLnBrk="0" hangingPunct="1">
+        <a:defRPr sz="1800" kern="1200">
+          <a:solidFill>
+            <a:schemeClr val="tx1"/>
+          </a:solidFill>
+          <a:latin typeface="+mn-lt"/>
+          <a:ea typeface="+mn-ea"/>
+          <a:cs typeface="+mn-cs"/>
+        </a:defRPr>
+      </a:lvl9pPr>
+    </p:otherStyle>
+  </p:txStyles>
 </p:sldMaster>
 </file>
 
 <file path=ppt/slides/slide1.xml><?xml version="1.0" encoding="utf-8"?>
-<p:sld xmlns:a="http://schemas.openxmlformats.org/drawingml/2006/main" xmlns:p="http://schemas.openxmlformats.org/presentationml/2006/main" xmlns:r="http://schemas.openxmlformats.org/officeDocument/2006/relationships" xmlns:p14="http://schemas.microsoft.com/office/powerpoint/2010/main" xmlns:p15="http://schemas.microsoft.com/office/powerpoint/2012/main" xmlns:mc="http://schemas.openxmlformats.org/markup-compatibility/2006">
+<p:sld xmlns:a="http://schemas.openxmlformats.org/drawingml/2006/main" xmlns:r="http://schemas.openxmlformats.org/officeDocument/2006/relationships" xmlns:p="http://schemas.openxmlformats.org/presentationml/2006/main">
   <p:cSld>
     <p:spTree>
       <p:nvGrpSpPr>
@@ -6464,6 +9520,7 @@
           <a:bodyPr anchor="b">
             <a:noAutofit/>
           </a:bodyPr>
+          <a:lstStyle/>
           <a:p>
             <a:pPr>
               <a:lnSpc>
@@ -6472,7 +9529,7 @@
               <a:buNone/>
             </a:pPr>
             <a:r>
-              <a:rPr b="0" lang="en-AU" sz="8000" spc="-52" strike="noStrike">
+              <a:rPr lang="en-AU" sz="8000" b="0" strike="noStrike" spc="-52">
                 <a:solidFill>
                   <a:srgbClr val="262626"/>
                 </a:solidFill>
@@ -6480,7 +9537,7 @@
               </a:rPr>
               <a:t>CAB302 – WIP</a:t>
             </a:r>
-            <a:endParaRPr b="0" lang="en-US" sz="8000" spc="-1" strike="noStrike">
+            <a:endParaRPr lang="en-US" sz="8000" b="0" strike="noStrike" spc="-1">
               <a:solidFill>
                 <a:srgbClr val="000000"/>
               </a:solidFill>
@@ -6516,37 +9573,30 @@
           <a:bodyPr anchor="t">
             <a:noAutofit/>
           </a:bodyPr>
+          <a:lstStyle/>
           <a:p>
             <a:pPr algn="ctr">
               <a:buNone/>
             </a:pPr>
             <a:r>
-              <a:rPr b="0" lang="en-AU" sz="3200" spc="-1" strike="noStrike">
+              <a:rPr lang="en-AU" sz="3200" b="0" strike="noStrike" spc="-1">
                 <a:latin typeface="Arial"/>
               </a:rPr>
               <a:t>ZenBrowser</a:t>
             </a:r>
-            <a:endParaRPr b="0" lang="en-AU" sz="3200" spc="-1" strike="noStrike">
-              <a:latin typeface="Arial"/>
-            </a:endParaRPr>
           </a:p>
         </p:txBody>
       </p:sp>
     </p:spTree>
   </p:cSld>
-  <mc:AlternateContent>
-    <mc:Choice Requires="p14">
-      <p:transition spd="slow" p14:dur="2000"/>
-    </mc:Choice>
-    <mc:Fallback>
-      <p:transition spd="slow"/>
-    </mc:Fallback>
-  </mc:AlternateContent>
+  <p:clrMapOvr>
+    <a:masterClrMapping/>
+  </p:clrMapOvr>
 </p:sld>
 </file>
 
 <file path=ppt/slides/slide2.xml><?xml version="1.0" encoding="utf-8"?>
-<p:sld xmlns:a="http://schemas.openxmlformats.org/drawingml/2006/main" xmlns:p="http://schemas.openxmlformats.org/presentationml/2006/main" xmlns:r="http://schemas.openxmlformats.org/officeDocument/2006/relationships" xmlns:p14="http://schemas.microsoft.com/office/powerpoint/2010/main" xmlns:p15="http://schemas.microsoft.com/office/powerpoint/2012/main" xmlns:mc="http://schemas.openxmlformats.org/markup-compatibility/2006">
+<p:sld xmlns:a="http://schemas.openxmlformats.org/drawingml/2006/main" xmlns:r="http://schemas.openxmlformats.org/officeDocument/2006/relationships" xmlns:p="http://schemas.openxmlformats.org/presentationml/2006/main">
   <p:cSld>
     <p:spTree>
       <p:nvGrpSpPr>
@@ -6589,6 +9639,7 @@
           <a:bodyPr anchor="b">
             <a:noAutofit/>
           </a:bodyPr>
+          <a:lstStyle/>
           <a:p>
             <a:pPr>
               <a:lnSpc>
@@ -6597,15 +9648,15 @@
               <a:buNone/>
             </a:pPr>
             <a:r>
-              <a:rPr b="0" lang="en-AU" sz="4800" spc="-52" strike="noStrike">
+              <a:rPr lang="en-AU" sz="4800" b="0" strike="noStrike" spc="-52" dirty="0">
                 <a:solidFill>
                   <a:srgbClr val="404040"/>
                 </a:solidFill>
                 <a:latin typeface="Calibri Light"/>
               </a:rPr>
-              <a:t>1. Project Overview</a:t>
+              <a:t>1. Project Overview - Goals</a:t>
             </a:r>
-            <a:endParaRPr b="0" lang="en-US" sz="4800" spc="-1" strike="noStrike">
+            <a:endParaRPr lang="en-US" sz="4800" b="0" strike="noStrike" spc="-1" dirty="0">
               <a:solidFill>
                 <a:srgbClr val="000000"/>
               </a:solidFill>
@@ -6641,99 +9692,88 @@
           <a:bodyPr lIns="0" rIns="0" anchor="t">
             <a:noAutofit/>
           </a:bodyPr>
-          <a:p>
-            <a:pPr marL="91440" indent="-91440">
-              <a:lnSpc>
-                <a:spcPct val="90000"/>
-              </a:lnSpc>
-              <a:spcBef>
-                <a:spcPts val="1199"/>
-              </a:spcBef>
-              <a:spcAft>
-                <a:spcPts val="201"/>
-              </a:spcAft>
-              <a:buClr>
-                <a:srgbClr val="e48312"/>
-              </a:buClr>
-              <a:buFont typeface="Calibri"/>
-              <a:buChar char=" "/>
+          <a:lstStyle/>
+          <a:p>
+            <a:pPr marL="342900" lvl="0" indent="-342900">
+              <a:lnSpc>
+                <a:spcPct val="115000"/>
+              </a:lnSpc>
+              <a:buFont typeface="Symbol" panose="05050102010706020507" pitchFamily="18" charset="2"/>
+              <a:buChar char=""/>
             </a:pPr>
             <a:r>
-              <a:rPr b="0" lang="en-AU" sz="2000" spc="-1" strike="noStrike">
+              <a:rPr lang="en-US" sz="2000" b="0" strike="noStrike" spc="-1" dirty="0">
                 <a:solidFill>
                   <a:srgbClr val="404040"/>
                 </a:solidFill>
                 <a:latin typeface="Calibri"/>
               </a:rPr>
-              <a:t>What it is, what it does, what it looks like</a:t>
+              <a:t>To provide users an insight into their internet usage</a:t>
             </a:r>
-            <a:endParaRPr b="0" lang="en-US" sz="2000" spc="-1" strike="noStrike">
-              <a:solidFill>
-                <a:srgbClr val="404040"/>
-              </a:solidFill>
-              <a:latin typeface="Calibri"/>
-            </a:endParaRPr>
-          </a:p>
-          <a:p>
-            <a:pPr marL="91440" indent="-91440">
-              <a:lnSpc>
-                <a:spcPct val="90000"/>
-              </a:lnSpc>
-              <a:spcBef>
-                <a:spcPts val="1199"/>
-              </a:spcBef>
-              <a:spcAft>
-                <a:spcPts val="201"/>
-              </a:spcAft>
-              <a:buClr>
-                <a:srgbClr val="e48312"/>
-              </a:buClr>
-              <a:buFont typeface="Calibri"/>
-              <a:buChar char=" "/>
+          </a:p>
+          <a:p>
+            <a:pPr marL="342900" lvl="0" indent="-342900">
+              <a:lnSpc>
+                <a:spcPct val="115000"/>
+              </a:lnSpc>
+              <a:buFont typeface="Symbol" panose="05050102010706020507" pitchFamily="18" charset="2"/>
+              <a:buChar char=""/>
             </a:pPr>
             <a:r>
-              <a:rPr b="0" lang="en-AU" sz="2000" spc="-1" strike="noStrike">
+              <a:rPr lang="en-US" sz="2000" b="0" strike="noStrike" spc="-1" dirty="0">
                 <a:solidFill>
                   <a:srgbClr val="404040"/>
                 </a:solidFill>
                 <a:latin typeface="Calibri"/>
               </a:rPr>
-              <a:t>You should include a screenshot</a:t>
+              <a:t>Allow users to set and manage browsing limits</a:t>
             </a:r>
-            <a:endParaRPr b="0" lang="en-US" sz="2000" spc="-1" strike="noStrike">
-              <a:solidFill>
-                <a:srgbClr val="404040"/>
-              </a:solidFill>
-              <a:latin typeface="Calibri"/>
-            </a:endParaRPr>
-          </a:p>
-          <a:p>
-            <a:pPr marL="91440" indent="-91440">
-              <a:lnSpc>
-                <a:spcPct val="90000"/>
-              </a:lnSpc>
-              <a:spcBef>
-                <a:spcPts val="1199"/>
-              </a:spcBef>
-              <a:spcAft>
-                <a:spcPts val="201"/>
-              </a:spcAft>
-              <a:buClr>
-                <a:srgbClr val="e48312"/>
-              </a:buClr>
-              <a:buFont typeface="Calibri"/>
-              <a:buChar char=" "/>
+          </a:p>
+          <a:p>
+            <a:pPr marL="342900" lvl="0" indent="-342900">
+              <a:lnSpc>
+                <a:spcPct val="115000"/>
+              </a:lnSpc>
+              <a:buFont typeface="Symbol" panose="05050102010706020507" pitchFamily="18" charset="2"/>
+              <a:buChar char=""/>
             </a:pPr>
             <a:r>
-              <a:rPr b="0" lang="en-AU" sz="2000" spc="-1" strike="noStrike">
+              <a:rPr lang="en-US" sz="2000" b="0" strike="noStrike" spc="-1" dirty="0">
                 <a:solidFill>
                   <a:srgbClr val="404040"/>
                 </a:solidFill>
                 <a:latin typeface="Calibri"/>
               </a:rPr>
-              <a:t>List of key features as bullet points</a:t>
+              <a:t>Promote healthier internet usage habits</a:t>
             </a:r>
-            <a:endParaRPr b="0" lang="en-US" sz="2000" spc="-1" strike="noStrike">
+          </a:p>
+          <a:p>
+            <a:pPr marL="342900" lvl="0" indent="-342900">
+              <a:lnSpc>
+                <a:spcPct val="115000"/>
+              </a:lnSpc>
+              <a:buFont typeface="Symbol" panose="05050102010706020507" pitchFamily="18" charset="2"/>
+              <a:buChar char=""/>
+            </a:pPr>
+            <a:r>
+              <a:rPr lang="en-US" sz="2000" b="0" strike="noStrike" spc="-1" dirty="0">
+                <a:solidFill>
+                  <a:srgbClr val="404040"/>
+                </a:solidFill>
+                <a:latin typeface="Calibri"/>
+              </a:rPr>
+              <a:t>Create a visually appealing and user-friendly interface </a:t>
+            </a:r>
+          </a:p>
+          <a:p>
+            <a:pPr marL="342900" lvl="0" indent="-342900">
+              <a:lnSpc>
+                <a:spcPct val="115000"/>
+              </a:lnSpc>
+              <a:buFont typeface="Symbol" panose="05050102010706020507" pitchFamily="18" charset="2"/>
+              <a:buChar char=""/>
+            </a:pPr>
+            <a:endParaRPr lang="en-US" sz="2000" b="0" strike="noStrike" spc="-1" dirty="0">
               <a:solidFill>
                 <a:srgbClr val="404040"/>
               </a:solidFill>
@@ -6744,19 +9784,14 @@
       </p:sp>
     </p:spTree>
   </p:cSld>
-  <mc:AlternateContent>
-    <mc:Choice Requires="p14">
-      <p:transition spd="slow" p14:dur="2000"/>
-    </mc:Choice>
-    <mc:Fallback>
-      <p:transition spd="slow"/>
-    </mc:Fallback>
-  </mc:AlternateContent>
+  <p:clrMapOvr>
+    <a:masterClrMapping/>
+  </p:clrMapOvr>
 </p:sld>
 </file>
 
 <file path=ppt/slides/slide3.xml><?xml version="1.0" encoding="utf-8"?>
-<p:sld xmlns:a="http://schemas.openxmlformats.org/drawingml/2006/main" xmlns:p="http://schemas.openxmlformats.org/presentationml/2006/main" xmlns:r="http://schemas.openxmlformats.org/officeDocument/2006/relationships" xmlns:p14="http://schemas.microsoft.com/office/powerpoint/2010/main" xmlns:p15="http://schemas.microsoft.com/office/powerpoint/2012/main" xmlns:mc="http://schemas.openxmlformats.org/markup-compatibility/2006">
+<p:sld xmlns:a="http://schemas.openxmlformats.org/drawingml/2006/main" xmlns:r="http://schemas.openxmlformats.org/officeDocument/2006/relationships" xmlns:p="http://schemas.openxmlformats.org/presentationml/2006/main">
   <p:cSld>
     <p:spTree>
       <p:nvGrpSpPr>
@@ -6774,7 +9809,7 @@
       </p:grpSpPr>
       <p:sp>
         <p:nvSpPr>
-          <p:cNvPr id="95" name="PlaceHolder 1"/>
+          <p:cNvPr id="93" name="PlaceHolder 1"/>
           <p:cNvSpPr>
             <a:spLocks noGrp="1"/>
           </p:cNvSpPr>
@@ -6799,6 +9834,7 @@
           <a:bodyPr anchor="b">
             <a:noAutofit/>
           </a:bodyPr>
+          <a:lstStyle/>
           <a:p>
             <a:pPr>
               <a:lnSpc>
@@ -6807,15 +9843,15 @@
               <a:buNone/>
             </a:pPr>
             <a:r>
-              <a:rPr b="0" lang="en-AU" sz="4800" spc="-52" strike="noStrike">
+              <a:rPr lang="en-AU" sz="4800" b="0" strike="noStrike" spc="-52" dirty="0">
                 <a:solidFill>
                   <a:srgbClr val="404040"/>
                 </a:solidFill>
                 <a:latin typeface="Calibri Light"/>
               </a:rPr>
-              <a:t>2. Project Planning and Design</a:t>
+              <a:t>1. Project Overview - Scope</a:t>
             </a:r>
-            <a:endParaRPr b="0" lang="en-US" sz="4800" spc="-1" strike="noStrike">
+            <a:endParaRPr lang="en-US" sz="4800" b="0" strike="noStrike" spc="-1" dirty="0">
               <a:solidFill>
                 <a:srgbClr val="000000"/>
               </a:solidFill>
@@ -6826,7 +9862,7 @@
       </p:sp>
       <p:sp>
         <p:nvSpPr>
-          <p:cNvPr id="96" name="PlaceHolder 2"/>
+          <p:cNvPr id="94" name="PlaceHolder 2"/>
           <p:cNvSpPr>
             <a:spLocks noGrp="1"/>
           </p:cNvSpPr>
@@ -6851,205 +9887,114 @@
           <a:bodyPr lIns="0" rIns="0" anchor="t">
             <a:noAutofit/>
           </a:bodyPr>
-          <a:p>
-            <a:pPr marL="91440" indent="-91440">
-              <a:lnSpc>
-                <a:spcPct val="90000"/>
-              </a:lnSpc>
-              <a:spcBef>
-                <a:spcPts val="1199"/>
-              </a:spcBef>
-              <a:spcAft>
-                <a:spcPts val="201"/>
-              </a:spcAft>
-              <a:buClr>
-                <a:srgbClr val="e48312"/>
-              </a:buClr>
-              <a:buFont typeface="Calibri"/>
-              <a:buChar char=" "/>
+          <a:lstStyle/>
+          <a:p>
+            <a:pPr marL="342900" lvl="0" indent="-342900">
+              <a:lnSpc>
+                <a:spcPct val="115000"/>
+              </a:lnSpc>
+              <a:buFont typeface="Symbol" panose="05050102010706020507" pitchFamily="18" charset="2"/>
+              <a:buChar char=""/>
             </a:pPr>
             <a:r>
-              <a:rPr b="0" lang="en-AU" sz="2000" spc="-1" strike="noStrike">
+              <a:rPr lang="en-US" sz="2000" b="0" strike="noStrike" spc="-1" dirty="0">
                 <a:solidFill>
                   <a:srgbClr val="404040"/>
                 </a:solidFill>
                 <a:latin typeface="Calibri"/>
               </a:rPr>
-              <a:t>Describe the planning process: </a:t>
+              <a:t>Accounts and Authentication </a:t>
             </a:r>
-            <a:endParaRPr b="0" lang="en-US" sz="2000" spc="-1" strike="noStrike">
-              <a:solidFill>
-                <a:srgbClr val="404040"/>
-              </a:solidFill>
-              <a:latin typeface="Calibri"/>
-            </a:endParaRPr>
-          </a:p>
-          <a:p>
-            <a:pPr lvl="1" marL="384120" indent="-182880">
-              <a:lnSpc>
-                <a:spcPct val="90000"/>
-              </a:lnSpc>
-              <a:spcBef>
-                <a:spcPts val="201"/>
-              </a:spcBef>
-              <a:spcAft>
-                <a:spcPts val="400"/>
-              </a:spcAft>
-              <a:buClr>
-                <a:srgbClr val="e48312"/>
-              </a:buClr>
-              <a:buFont typeface="Calibri"/>
-              <a:buChar char="◦"/>
+          </a:p>
+          <a:p>
+            <a:pPr marL="342900" lvl="0" indent="-342900">
+              <a:lnSpc>
+                <a:spcPct val="115000"/>
+              </a:lnSpc>
+              <a:buFont typeface="Symbol" panose="05050102010706020507" pitchFamily="18" charset="2"/>
+              <a:buChar char=""/>
             </a:pPr>
             <a:r>
-              <a:rPr b="0" lang="en-AU" sz="1800" spc="-1" strike="noStrike">
+              <a:rPr lang="en-US" sz="2000" spc="-1" dirty="0">
                 <a:solidFill>
                   <a:srgbClr val="404040"/>
                 </a:solidFill>
                 <a:latin typeface="Calibri"/>
               </a:rPr>
-              <a:t>How did you decide what to do?</a:t>
+              <a:t>Search Engine</a:t>
             </a:r>
-            <a:endParaRPr b="0" lang="en-US" sz="1800" spc="-1" strike="noStrike">
-              <a:solidFill>
-                <a:srgbClr val="404040"/>
-              </a:solidFill>
-              <a:latin typeface="Calibri"/>
-            </a:endParaRPr>
-          </a:p>
-          <a:p>
-            <a:pPr lvl="1" marL="384120" indent="-182880">
-              <a:lnSpc>
-                <a:spcPct val="90000"/>
-              </a:lnSpc>
-              <a:spcBef>
-                <a:spcPts val="201"/>
-              </a:spcBef>
-              <a:spcAft>
-                <a:spcPts val="400"/>
-              </a:spcAft>
-              <a:buClr>
-                <a:srgbClr val="e48312"/>
-              </a:buClr>
-              <a:buFont typeface="Calibri"/>
-              <a:buChar char="◦"/>
+          </a:p>
+          <a:p>
+            <a:pPr marL="342900" lvl="0" indent="-342900">
+              <a:lnSpc>
+                <a:spcPct val="115000"/>
+              </a:lnSpc>
+              <a:buFont typeface="Symbol" panose="05050102010706020507" pitchFamily="18" charset="2"/>
+              <a:buChar char=""/>
             </a:pPr>
             <a:r>
-              <a:rPr b="0" lang="en-AU" sz="1800" spc="-1" strike="noStrike">
+              <a:rPr lang="en-US" sz="2000" b="0" strike="noStrike" spc="-1" dirty="0">
                 <a:solidFill>
                   <a:srgbClr val="404040"/>
                 </a:solidFill>
                 <a:latin typeface="Calibri"/>
               </a:rPr>
-              <a:t>Did the plan work throughout the semester? </a:t>
+              <a:t>Browser History and Insights</a:t>
             </a:r>
-            <a:endParaRPr b="0" lang="en-US" sz="1800" spc="-1" strike="noStrike">
-              <a:solidFill>
-                <a:srgbClr val="404040"/>
-              </a:solidFill>
-              <a:latin typeface="Calibri"/>
-            </a:endParaRPr>
-          </a:p>
-          <a:p>
-            <a:pPr lvl="1" marL="384120" indent="-182880">
-              <a:lnSpc>
-                <a:spcPct val="90000"/>
-              </a:lnSpc>
-              <a:spcBef>
-                <a:spcPts val="201"/>
-              </a:spcBef>
-              <a:spcAft>
-                <a:spcPts val="400"/>
-              </a:spcAft>
-              <a:buClr>
-                <a:srgbClr val="e48312"/>
-              </a:buClr>
-              <a:buFont typeface="Calibri"/>
-              <a:buChar char="◦"/>
+          </a:p>
+          <a:p>
+            <a:pPr marL="342900" lvl="0" indent="-342900">
+              <a:lnSpc>
+                <a:spcPct val="115000"/>
+              </a:lnSpc>
+              <a:buFont typeface="Symbol" panose="05050102010706020507" pitchFamily="18" charset="2"/>
+              <a:buChar char=""/>
             </a:pPr>
             <a:r>
-              <a:rPr b="0" lang="en-AU" sz="1800" spc="-1" strike="noStrike">
+              <a:rPr lang="en-US" sz="2000" spc="-1" dirty="0">
                 <a:solidFill>
                   <a:srgbClr val="404040"/>
                 </a:solidFill>
                 <a:latin typeface="Calibri"/>
               </a:rPr>
-              <a:t>What adaptations did you have to make? </a:t>
+              <a:t>Browsing Limits</a:t>
             </a:r>
-            <a:endParaRPr b="0" lang="en-US" sz="1800" spc="-1" strike="noStrike">
-              <a:solidFill>
-                <a:srgbClr val="404040"/>
-              </a:solidFill>
-              <a:latin typeface="Calibri"/>
-            </a:endParaRPr>
-          </a:p>
-          <a:p>
-            <a:pPr>
-              <a:lnSpc>
-                <a:spcPct val="90000"/>
-              </a:lnSpc>
-              <a:spcBef>
-                <a:spcPts val="1417"/>
-              </a:spcBef>
-              <a:buNone/>
-            </a:pPr>
-            <a:endParaRPr b="0" lang="en-US" sz="1800" spc="-1" strike="noStrike">
-              <a:solidFill>
-                <a:srgbClr val="404040"/>
-              </a:solidFill>
-              <a:latin typeface="Calibri"/>
-            </a:endParaRPr>
-          </a:p>
-          <a:p>
-            <a:pPr marL="91440" indent="-91440">
-              <a:lnSpc>
-                <a:spcPct val="90000"/>
-              </a:lnSpc>
-              <a:spcBef>
-                <a:spcPts val="1199"/>
-              </a:spcBef>
-              <a:spcAft>
-                <a:spcPts val="201"/>
-              </a:spcAft>
-              <a:buClr>
-                <a:srgbClr val="e48312"/>
-              </a:buClr>
-              <a:buFont typeface="Calibri"/>
-              <a:buChar char=" "/>
+          </a:p>
+          <a:p>
+            <a:pPr marL="342900" lvl="0" indent="-342900">
+              <a:lnSpc>
+                <a:spcPct val="115000"/>
+              </a:lnSpc>
+              <a:buFont typeface="Symbol" panose="05050102010706020507" pitchFamily="18" charset="2"/>
+              <a:buChar char=""/>
             </a:pPr>
             <a:r>
-              <a:rPr b="0" lang="en-AU" sz="2000" spc="-1" strike="noStrike">
+              <a:rPr lang="en-US" sz="2000" b="0" strike="noStrike" spc="-1" dirty="0">
                 <a:solidFill>
                   <a:srgbClr val="404040"/>
                 </a:solidFill>
                 <a:latin typeface="Calibri"/>
               </a:rPr>
-              <a:t>You should include examples of requirements, user stories, other planning artefacts if any</a:t>
+              <a:t>Accounts and Browsing Data Persistence</a:t>
             </a:r>
-            <a:endParaRPr b="0" lang="en-US" sz="2000" spc="-1" strike="noStrike">
-              <a:solidFill>
-                <a:srgbClr val="404040"/>
-              </a:solidFill>
-              <a:latin typeface="Calibri"/>
-            </a:endParaRPr>
           </a:p>
         </p:txBody>
       </p:sp>
     </p:spTree>
+    <p:extLst>
+      <p:ext uri="{BB962C8B-B14F-4D97-AF65-F5344CB8AC3E}">
+        <p14:creationId xmlns:p14="http://schemas.microsoft.com/office/powerpoint/2010/main" val="3974403521"/>
+      </p:ext>
+    </p:extLst>
   </p:cSld>
-  <mc:AlternateContent>
-    <mc:Choice Requires="p14">
-      <p:transition spd="slow" p14:dur="2000"/>
-    </mc:Choice>
-    <mc:Fallback>
-      <p:transition spd="slow"/>
-    </mc:Fallback>
-  </mc:AlternateContent>
+  <p:clrMapOvr>
+    <a:masterClrMapping/>
+  </p:clrMapOvr>
 </p:sld>
 </file>
 
 <file path=ppt/slides/slide4.xml><?xml version="1.0" encoding="utf-8"?>
-<p:sld xmlns:a="http://schemas.openxmlformats.org/drawingml/2006/main" xmlns:p="http://schemas.openxmlformats.org/presentationml/2006/main" xmlns:r="http://schemas.openxmlformats.org/officeDocument/2006/relationships" xmlns:p14="http://schemas.microsoft.com/office/powerpoint/2010/main" xmlns:p15="http://schemas.microsoft.com/office/powerpoint/2012/main" xmlns:mc="http://schemas.openxmlformats.org/markup-compatibility/2006">
+<p:sld xmlns:a="http://schemas.openxmlformats.org/drawingml/2006/main" xmlns:r="http://schemas.openxmlformats.org/officeDocument/2006/relationships" xmlns:p="http://schemas.openxmlformats.org/presentationml/2006/main">
   <p:cSld>
     <p:spTree>
       <p:nvGrpSpPr>
@@ -7067,7 +10012,7 @@
       </p:grpSpPr>
       <p:sp>
         <p:nvSpPr>
-          <p:cNvPr id="97" name="PlaceHolder 1"/>
+          <p:cNvPr id="93" name="PlaceHolder 1"/>
           <p:cNvSpPr>
             <a:spLocks noGrp="1"/>
           </p:cNvSpPr>
@@ -7092,6 +10037,7 @@
           <a:bodyPr anchor="b">
             <a:noAutofit/>
           </a:bodyPr>
+          <a:lstStyle/>
           <a:p>
             <a:pPr>
               <a:lnSpc>
@@ -7100,15 +10046,15 @@
               <a:buNone/>
             </a:pPr>
             <a:r>
-              <a:rPr b="0" lang="en-AU" sz="4800" spc="-52" strike="noStrike">
+              <a:rPr lang="en-AU" sz="4800" b="0" strike="noStrike" spc="-52" dirty="0">
                 <a:solidFill>
                   <a:srgbClr val="404040"/>
                 </a:solidFill>
                 <a:latin typeface="Calibri Light"/>
               </a:rPr>
-              <a:t>3. Technical Details</a:t>
+              <a:t>1. Project Overview - Value</a:t>
             </a:r>
-            <a:endParaRPr b="0" lang="en-US" sz="4800" spc="-1" strike="noStrike">
+            <a:endParaRPr lang="en-US" sz="4800" b="0" strike="noStrike" spc="-1" dirty="0">
               <a:solidFill>
                 <a:srgbClr val="000000"/>
               </a:solidFill>
@@ -7119,7 +10065,7 @@
       </p:sp>
       <p:sp>
         <p:nvSpPr>
-          <p:cNvPr id="98" name="PlaceHolder 2"/>
+          <p:cNvPr id="94" name="PlaceHolder 2"/>
           <p:cNvSpPr>
             <a:spLocks noGrp="1"/>
           </p:cNvSpPr>
@@ -7144,89 +10090,39 @@
           <a:bodyPr lIns="0" rIns="0" anchor="t">
             <a:noAutofit/>
           </a:bodyPr>
-          <a:p>
-            <a:pPr marL="91440" indent="-91440">
-              <a:lnSpc>
-                <a:spcPct val="90000"/>
-              </a:lnSpc>
-              <a:spcBef>
-                <a:spcPts val="1199"/>
-              </a:spcBef>
-              <a:spcAft>
-                <a:spcPts val="201"/>
-              </a:spcAft>
-              <a:buClr>
-                <a:srgbClr val="e48312"/>
-              </a:buClr>
-              <a:buFont typeface="Calibri"/>
-              <a:buChar char=" "/>
-            </a:pPr>
-            <a:r>
-              <a:rPr b="0" lang="en-AU" sz="2000" spc="-1" strike="noStrike">
-                <a:solidFill>
-                  <a:srgbClr val="404040"/>
-                </a:solidFill>
-                <a:latin typeface="Calibri"/>
-              </a:rPr>
-              <a:t>Present in more details the technologies used in the system, motivate your technical decisions, list and comment on the supporting software/libraries you needed to use (if any)</a:t>
-            </a:r>
-            <a:endParaRPr b="0" lang="en-US" sz="2000" spc="-1" strike="noStrike">
+          <a:lstStyle/>
+          <a:p>
+            <a:pPr marL="342900" lvl="0" indent="-342900">
+              <a:lnSpc>
+                <a:spcPct val="115000"/>
+              </a:lnSpc>
+              <a:buFont typeface="Symbol" panose="05050102010706020507" pitchFamily="18" charset="2"/>
+              <a:buChar char=""/>
+            </a:pPr>
+            <a:endParaRPr lang="en-US" sz="2000" b="0" strike="noStrike" spc="-1" dirty="0">
               <a:solidFill>
                 <a:srgbClr val="404040"/>
               </a:solidFill>
               <a:latin typeface="Calibri"/>
             </a:endParaRPr>
           </a:p>
-          <a:p>
-            <a:pPr marL="91440" indent="-91440">
-              <a:lnSpc>
-                <a:spcPct val="90000"/>
-              </a:lnSpc>
-              <a:spcBef>
-                <a:spcPts val="1199"/>
-              </a:spcBef>
-              <a:spcAft>
-                <a:spcPts val="201"/>
-              </a:spcAft>
-              <a:buClr>
-                <a:srgbClr val="e48312"/>
-              </a:buClr>
-              <a:buFont typeface="Calibri"/>
-              <a:buChar char=" "/>
-            </a:pPr>
-            <a:r>
-              <a:rPr b="0" lang="en-AU" sz="2000" spc="-1" strike="noStrike">
-                <a:solidFill>
-                  <a:srgbClr val="404040"/>
-                </a:solidFill>
-                <a:latin typeface="Calibri"/>
-              </a:rPr>
-              <a:t>You should include a visual representation of the main component, and how they interrelate</a:t>
-            </a:r>
-            <a:endParaRPr b="0" lang="en-US" sz="2000" spc="-1" strike="noStrike">
-              <a:solidFill>
-                <a:srgbClr val="404040"/>
-              </a:solidFill>
-              <a:latin typeface="Calibri"/>
-            </a:endParaRPr>
-          </a:p>
         </p:txBody>
       </p:sp>
     </p:spTree>
+    <p:extLst>
+      <p:ext uri="{BB962C8B-B14F-4D97-AF65-F5344CB8AC3E}">
+        <p14:creationId xmlns:p14="http://schemas.microsoft.com/office/powerpoint/2010/main" val="3100188678"/>
+      </p:ext>
+    </p:extLst>
   </p:cSld>
-  <mc:AlternateContent>
-    <mc:Choice Requires="p14">
-      <p:transition spd="slow" p14:dur="2000"/>
-    </mc:Choice>
-    <mc:Fallback>
-      <p:transition spd="slow"/>
-    </mc:Fallback>
-  </mc:AlternateContent>
+  <p:clrMapOvr>
+    <a:masterClrMapping/>
+  </p:clrMapOvr>
 </p:sld>
 </file>
 
 <file path=ppt/slides/slide5.xml><?xml version="1.0" encoding="utf-8"?>
-<p:sld xmlns:a="http://schemas.openxmlformats.org/drawingml/2006/main" xmlns:p="http://schemas.openxmlformats.org/presentationml/2006/main" xmlns:r="http://schemas.openxmlformats.org/officeDocument/2006/relationships" xmlns:p14="http://schemas.microsoft.com/office/powerpoint/2010/main" xmlns:p15="http://schemas.microsoft.com/office/powerpoint/2012/main" xmlns:mc="http://schemas.openxmlformats.org/markup-compatibility/2006">
+<p:sld xmlns:a="http://schemas.openxmlformats.org/drawingml/2006/main" xmlns:r="http://schemas.openxmlformats.org/officeDocument/2006/relationships" xmlns:p="http://schemas.openxmlformats.org/presentationml/2006/main">
   <p:cSld>
     <p:spTree>
       <p:nvGrpSpPr>
@@ -7244,7 +10140,7 @@
       </p:grpSpPr>
       <p:sp>
         <p:nvSpPr>
-          <p:cNvPr id="99" name="PlaceHolder 1"/>
+          <p:cNvPr id="95" name="PlaceHolder 1"/>
           <p:cNvSpPr>
             <a:spLocks noGrp="1"/>
           </p:cNvSpPr>
@@ -7269,6 +10165,7 @@
           <a:bodyPr anchor="b">
             <a:noAutofit/>
           </a:bodyPr>
+          <a:lstStyle/>
           <a:p>
             <a:pPr>
               <a:lnSpc>
@@ -7277,15 +10174,15 @@
               <a:buNone/>
             </a:pPr>
             <a:r>
-              <a:rPr b="0" lang="en-AU" sz="4800" spc="-52" strike="noStrike">
+              <a:rPr lang="en-AU" sz="4800" b="0" strike="noStrike" spc="-52">
                 <a:solidFill>
                   <a:srgbClr val="404040"/>
                 </a:solidFill>
                 <a:latin typeface="Calibri Light"/>
               </a:rPr>
-              <a:t>4. Project Quality</a:t>
+              <a:t>2. Project Planning and Design</a:t>
             </a:r>
-            <a:endParaRPr b="0" lang="en-US" sz="4800" spc="-1" strike="noStrike">
+            <a:endParaRPr lang="en-US" sz="4800" b="0" strike="noStrike" spc="-1">
               <a:solidFill>
                 <a:srgbClr val="000000"/>
               </a:solidFill>
@@ -7296,7 +10193,7 @@
       </p:sp>
       <p:sp>
         <p:nvSpPr>
-          <p:cNvPr id="100" name="PlaceHolder 2"/>
+          <p:cNvPr id="96" name="PlaceHolder 2"/>
           <p:cNvSpPr>
             <a:spLocks noGrp="1"/>
           </p:cNvSpPr>
@@ -7321,6 +10218,7 @@
           <a:bodyPr lIns="0" rIns="0" anchor="t">
             <a:noAutofit/>
           </a:bodyPr>
+          <a:lstStyle/>
           <a:p>
             <a:pPr marL="91440" indent="-91440">
               <a:lnSpc>
@@ -7333,143 +10231,30 @@
                 <a:spcPts val="201"/>
               </a:spcAft>
               <a:buClr>
-                <a:srgbClr val="e48312"/>
+                <a:srgbClr val="E48312"/>
               </a:buClr>
               <a:buFont typeface="Calibri"/>
               <a:buChar char=" "/>
             </a:pPr>
-            <a:r>
-              <a:rPr b="0" lang="en-AU" sz="2000" spc="-1" strike="noStrike">
-                <a:solidFill>
-                  <a:srgbClr val="404040"/>
-                </a:solidFill>
-                <a:latin typeface="Calibri"/>
-              </a:rPr>
-              <a:t>Detail your approach to ensuring project quality</a:t>
-            </a:r>
-            <a:endParaRPr b="0" lang="en-US" sz="2000" spc="-1" strike="noStrike">
+            <a:endParaRPr lang="en-US" sz="2000" b="0" strike="noStrike" spc="-1" dirty="0">
               <a:solidFill>
                 <a:srgbClr val="404040"/>
               </a:solidFill>
               <a:latin typeface="Calibri"/>
             </a:endParaRPr>
           </a:p>
-          <a:p>
-            <a:pPr lvl="1" marL="384120" indent="-182880">
-              <a:lnSpc>
-                <a:spcPct val="90000"/>
-              </a:lnSpc>
-              <a:spcBef>
-                <a:spcPts val="201"/>
-              </a:spcBef>
-              <a:spcAft>
-                <a:spcPts val="400"/>
-              </a:spcAft>
-              <a:buClr>
-                <a:srgbClr val="e48312"/>
-              </a:buClr>
-              <a:buFont typeface="Calibri"/>
-              <a:buChar char="◦"/>
-            </a:pPr>
-            <a:r>
-              <a:rPr b="0" lang="en-AU" sz="1800" spc="-1" strike="noStrike">
-                <a:solidFill>
-                  <a:srgbClr val="404040"/>
-                </a:solidFill>
-                <a:latin typeface="Calibri"/>
-              </a:rPr>
-              <a:t>Agile Practices adopted</a:t>
-            </a:r>
-            <a:endParaRPr b="0" lang="en-US" sz="1800" spc="-1" strike="noStrike">
-              <a:solidFill>
-                <a:srgbClr val="404040"/>
-              </a:solidFill>
-              <a:latin typeface="Calibri"/>
-            </a:endParaRPr>
-          </a:p>
-          <a:p>
-            <a:pPr lvl="1" marL="384120" indent="-182880">
-              <a:lnSpc>
-                <a:spcPct val="90000"/>
-              </a:lnSpc>
-              <a:spcBef>
-                <a:spcPts val="201"/>
-              </a:spcBef>
-              <a:spcAft>
-                <a:spcPts val="400"/>
-              </a:spcAft>
-              <a:buClr>
-                <a:srgbClr val="e48312"/>
-              </a:buClr>
-              <a:buFont typeface="Calibri"/>
-              <a:buChar char="◦"/>
-            </a:pPr>
-            <a:r>
-              <a:rPr b="0" lang="en-AU" sz="1800" spc="-1" strike="noStrike">
-                <a:solidFill>
-                  <a:srgbClr val="404040"/>
-                </a:solidFill>
-                <a:latin typeface="Calibri"/>
-              </a:rPr>
-              <a:t>Your reflections on what worked well for your project</a:t>
-            </a:r>
-            <a:endParaRPr b="0" lang="en-US" sz="1800" spc="-1" strike="noStrike">
-              <a:solidFill>
-                <a:srgbClr val="404040"/>
-              </a:solidFill>
-              <a:latin typeface="Calibri"/>
-            </a:endParaRPr>
-          </a:p>
-          <a:p>
-            <a:pPr lvl="1" marL="384120" indent="-182880">
-              <a:lnSpc>
-                <a:spcPct val="90000"/>
-              </a:lnSpc>
-              <a:spcBef>
-                <a:spcPts val="201"/>
-              </a:spcBef>
-              <a:spcAft>
-                <a:spcPts val="400"/>
-              </a:spcAft>
-              <a:buClr>
-                <a:srgbClr val="e48312"/>
-              </a:buClr>
-              <a:buFont typeface="Calibri"/>
-              <a:buChar char="◦"/>
-            </a:pPr>
-            <a:r>
-              <a:rPr b="0" lang="en-AU" sz="1800" spc="-1" strike="noStrike">
-                <a:solidFill>
-                  <a:srgbClr val="404040"/>
-                </a:solidFill>
-                <a:latin typeface="Calibri"/>
-              </a:rPr>
-              <a:t>You should include one example</a:t>
-            </a:r>
-            <a:endParaRPr b="0" lang="en-US" sz="1800" spc="-1" strike="noStrike">
-              <a:solidFill>
-                <a:srgbClr val="404040"/>
-              </a:solidFill>
-              <a:latin typeface="Calibri"/>
-            </a:endParaRPr>
-          </a:p>
         </p:txBody>
       </p:sp>
     </p:spTree>
   </p:cSld>
-  <mc:AlternateContent>
-    <mc:Choice Requires="p14">
-      <p:transition spd="slow" p14:dur="2000"/>
-    </mc:Choice>
-    <mc:Fallback>
-      <p:transition spd="slow"/>
-    </mc:Fallback>
-  </mc:AlternateContent>
+  <p:clrMapOvr>
+    <a:masterClrMapping/>
+  </p:clrMapOvr>
 </p:sld>
 </file>
 
 <file path=ppt/slides/slide6.xml><?xml version="1.0" encoding="utf-8"?>
-<p:sld xmlns:a="http://schemas.openxmlformats.org/drawingml/2006/main" xmlns:p="http://schemas.openxmlformats.org/presentationml/2006/main" xmlns:r="http://schemas.openxmlformats.org/officeDocument/2006/relationships" xmlns:p14="http://schemas.microsoft.com/office/powerpoint/2010/main" xmlns:p15="http://schemas.microsoft.com/office/powerpoint/2012/main" xmlns:mc="http://schemas.openxmlformats.org/markup-compatibility/2006">
+<p:sld xmlns:a="http://schemas.openxmlformats.org/drawingml/2006/main" xmlns:r="http://schemas.openxmlformats.org/officeDocument/2006/relationships" xmlns:p="http://schemas.openxmlformats.org/presentationml/2006/main">
   <p:cSld>
     <p:spTree>
       <p:nvGrpSpPr>
@@ -7487,7 +10272,7 @@
       </p:grpSpPr>
       <p:sp>
         <p:nvSpPr>
-          <p:cNvPr id="101" name="PlaceHolder 1"/>
+          <p:cNvPr id="97" name="PlaceHolder 1"/>
           <p:cNvSpPr>
             <a:spLocks noGrp="1"/>
           </p:cNvSpPr>
@@ -7512,6 +10297,7 @@
           <a:bodyPr anchor="b">
             <a:noAutofit/>
           </a:bodyPr>
+          <a:lstStyle/>
           <a:p>
             <a:pPr>
               <a:lnSpc>
@@ -7520,15 +10306,15 @@
               <a:buNone/>
             </a:pPr>
             <a:r>
-              <a:rPr b="0" lang="en-AU" sz="4800" spc="-52" strike="noStrike">
+              <a:rPr lang="en-AU" sz="4800" b="0" strike="noStrike" spc="-52">
                 <a:solidFill>
                   <a:srgbClr val="404040"/>
                 </a:solidFill>
                 <a:latin typeface="Calibri Light"/>
               </a:rPr>
-              <a:t>5. Teamwork</a:t>
+              <a:t>3. Technical Details</a:t>
             </a:r>
-            <a:endParaRPr b="0" lang="en-US" sz="4800" spc="-1" strike="noStrike">
+            <a:endParaRPr lang="en-US" sz="4800" b="0" strike="noStrike" spc="-1">
               <a:solidFill>
                 <a:srgbClr val="000000"/>
               </a:solidFill>
@@ -7539,7 +10325,7 @@
       </p:sp>
       <p:sp>
         <p:nvSpPr>
-          <p:cNvPr id="102" name="PlaceHolder 2"/>
+          <p:cNvPr id="98" name="PlaceHolder 2"/>
           <p:cNvSpPr>
             <a:spLocks noGrp="1"/>
           </p:cNvSpPr>
@@ -7564,6 +10350,7 @@
           <a:bodyPr lIns="0" rIns="0" anchor="t">
             <a:noAutofit/>
           </a:bodyPr>
+          <a:lstStyle/>
           <a:p>
             <a:pPr marL="91440" indent="-91440">
               <a:lnSpc>
@@ -7576,193 +10363,30 @@
                 <a:spcPts val="201"/>
               </a:spcAft>
               <a:buClr>
-                <a:srgbClr val="e48312"/>
+                <a:srgbClr val="E48312"/>
               </a:buClr>
               <a:buFont typeface="Calibri"/>
               <a:buChar char=" "/>
             </a:pPr>
-            <a:r>
-              <a:rPr b="0" lang="en-AU" sz="2000" spc="-1" strike="noStrike">
-                <a:solidFill>
-                  <a:srgbClr val="404040"/>
-                </a:solidFill>
-                <a:latin typeface="Calibri"/>
-              </a:rPr>
-              <a:t>Discuss your approach for improving teamwork</a:t>
-            </a:r>
-            <a:endParaRPr b="0" lang="en-US" sz="2000" spc="-1" strike="noStrike">
+            <a:endParaRPr lang="en-US" sz="2000" b="0" strike="noStrike" spc="-1" dirty="0">
               <a:solidFill>
                 <a:srgbClr val="404040"/>
               </a:solidFill>
               <a:latin typeface="Calibri"/>
             </a:endParaRPr>
           </a:p>
-          <a:p>
-            <a:pPr lvl="1" marL="384120" indent="-182880">
-              <a:lnSpc>
-                <a:spcPct val="90000"/>
-              </a:lnSpc>
-              <a:spcBef>
-                <a:spcPts val="201"/>
-              </a:spcBef>
-              <a:spcAft>
-                <a:spcPts val="400"/>
-              </a:spcAft>
-              <a:buClr>
-                <a:srgbClr val="e48312"/>
-              </a:buClr>
-              <a:buFont typeface="Calibri"/>
-              <a:buChar char="◦"/>
-            </a:pPr>
-            <a:r>
-              <a:rPr b="0" lang="en-AU" sz="1800" spc="-1" strike="noStrike">
-                <a:solidFill>
-                  <a:srgbClr val="404040"/>
-                </a:solidFill>
-                <a:latin typeface="Calibri"/>
-              </a:rPr>
-              <a:t>What tools did you adopt? </a:t>
-            </a:r>
-            <a:endParaRPr b="0" lang="en-US" sz="1800" spc="-1" strike="noStrike">
-              <a:solidFill>
-                <a:srgbClr val="404040"/>
-              </a:solidFill>
-              <a:latin typeface="Calibri"/>
-            </a:endParaRPr>
-          </a:p>
-          <a:p>
-            <a:pPr lvl="1" marL="384120" indent="-182880">
-              <a:lnSpc>
-                <a:spcPct val="90000"/>
-              </a:lnSpc>
-              <a:spcBef>
-                <a:spcPts val="201"/>
-              </a:spcBef>
-              <a:spcAft>
-                <a:spcPts val="400"/>
-              </a:spcAft>
-              <a:buClr>
-                <a:srgbClr val="e48312"/>
-              </a:buClr>
-              <a:buFont typeface="Calibri"/>
-              <a:buChar char="◦"/>
-            </a:pPr>
-            <a:r>
-              <a:rPr b="0" lang="en-AU" sz="1800" spc="-1" strike="noStrike">
-                <a:solidFill>
-                  <a:srgbClr val="404040"/>
-                </a:solidFill>
-                <a:latin typeface="Calibri"/>
-              </a:rPr>
-              <a:t>What challenges did you encounter? </a:t>
-            </a:r>
-            <a:endParaRPr b="0" lang="en-US" sz="1800" spc="-1" strike="noStrike">
-              <a:solidFill>
-                <a:srgbClr val="404040"/>
-              </a:solidFill>
-              <a:latin typeface="Calibri"/>
-            </a:endParaRPr>
-          </a:p>
-          <a:p>
-            <a:pPr lvl="1" marL="384120" indent="-182880">
-              <a:lnSpc>
-                <a:spcPct val="90000"/>
-              </a:lnSpc>
-              <a:spcBef>
-                <a:spcPts val="201"/>
-              </a:spcBef>
-              <a:spcAft>
-                <a:spcPts val="400"/>
-              </a:spcAft>
-              <a:buClr>
-                <a:srgbClr val="e48312"/>
-              </a:buClr>
-              <a:buFont typeface="Calibri"/>
-              <a:buChar char="◦"/>
-            </a:pPr>
-            <a:r>
-              <a:rPr b="0" lang="en-AU" sz="1800" spc="-1" strike="noStrike">
-                <a:solidFill>
-                  <a:srgbClr val="404040"/>
-                </a:solidFill>
-                <a:latin typeface="Calibri"/>
-              </a:rPr>
-              <a:t>What did you do in response? </a:t>
-            </a:r>
-            <a:endParaRPr b="0" lang="en-US" sz="1800" spc="-1" strike="noStrike">
-              <a:solidFill>
-                <a:srgbClr val="404040"/>
-              </a:solidFill>
-              <a:latin typeface="Calibri"/>
-            </a:endParaRPr>
-          </a:p>
-          <a:p>
-            <a:pPr>
-              <a:lnSpc>
-                <a:spcPct val="90000"/>
-              </a:lnSpc>
-              <a:spcBef>
-                <a:spcPts val="1417"/>
-              </a:spcBef>
-              <a:buNone/>
-            </a:pPr>
-            <a:endParaRPr b="0" lang="en-US" sz="1800" spc="-1" strike="noStrike">
-              <a:solidFill>
-                <a:srgbClr val="404040"/>
-              </a:solidFill>
-              <a:latin typeface="Calibri"/>
-            </a:endParaRPr>
-          </a:p>
-          <a:p>
-            <a:pPr marL="91440" indent="-91440">
-              <a:lnSpc>
-                <a:spcPct val="90000"/>
-              </a:lnSpc>
-              <a:spcBef>
-                <a:spcPts val="1199"/>
-              </a:spcBef>
-              <a:spcAft>
-                <a:spcPts val="201"/>
-              </a:spcAft>
-              <a:buClr>
-                <a:srgbClr val="e48312"/>
-              </a:buClr>
-              <a:buFont typeface="Calibri"/>
-              <a:buChar char=" "/>
-            </a:pPr>
-            <a:r>
-              <a:rPr b="0" lang="en-AU" sz="2000" spc="-1" strike="noStrike">
-                <a:solidFill>
-                  <a:srgbClr val="404040"/>
-                </a:solidFill>
-                <a:latin typeface="Calibri"/>
-              </a:rPr>
-              <a:t>You should include an episode from the semester of a challenging/conflictual situation, and how the team addressed this problem</a:t>
-            </a:r>
-            <a:endParaRPr b="0" lang="en-US" sz="2000" spc="-1" strike="noStrike">
-              <a:solidFill>
-                <a:srgbClr val="404040"/>
-              </a:solidFill>
-              <a:latin typeface="Calibri"/>
-            </a:endParaRPr>
-          </a:p>
         </p:txBody>
       </p:sp>
     </p:spTree>
   </p:cSld>
-  <mc:AlternateContent>
-    <mc:Choice Requires="p14">
-      <p:transition spd="slow" p14:dur="2000"/>
-    </mc:Choice>
-    <mc:Fallback>
-      <p:transition spd="slow"/>
-    </mc:Fallback>
-  </mc:AlternateContent>
+  <p:clrMapOvr>
+    <a:masterClrMapping/>
+  </p:clrMapOvr>
 </p:sld>
 </file>
 
 <file path=ppt/slides/slide7.xml><?xml version="1.0" encoding="utf-8"?>
-<p:sld xmlns:a="http://schemas.openxmlformats.org/drawingml/2006/main" xmlns:p="http://schemas.openxmlformats.org/presentationml/2006/main" xmlns:r="http://schemas.openxmlformats.org/officeDocument/2006/relationships" xmlns:p14="http://schemas.microsoft.com/office/powerpoint/2010/main" xmlns:p15="http://schemas.microsoft.com/office/powerpoint/2012/main" xmlns:mc="http://schemas.openxmlformats.org/markup-compatibility/2006">
+<p:sld xmlns:a="http://schemas.openxmlformats.org/drawingml/2006/main" xmlns:r="http://schemas.openxmlformats.org/officeDocument/2006/relationships" xmlns:p="http://schemas.openxmlformats.org/presentationml/2006/main">
   <p:cSld>
     <p:spTree>
       <p:nvGrpSpPr>
@@ -7780,7 +10404,7 @@
       </p:grpSpPr>
       <p:sp>
         <p:nvSpPr>
-          <p:cNvPr id="103" name="PlaceHolder 1"/>
+          <p:cNvPr id="99" name="PlaceHolder 1"/>
           <p:cNvSpPr>
             <a:spLocks noGrp="1"/>
           </p:cNvSpPr>
@@ -7805,6 +10429,7 @@
           <a:bodyPr anchor="b">
             <a:noAutofit/>
           </a:bodyPr>
+          <a:lstStyle/>
           <a:p>
             <a:pPr>
               <a:lnSpc>
@@ -7813,15 +10438,15 @@
               <a:buNone/>
             </a:pPr>
             <a:r>
-              <a:rPr b="0" lang="en-AU" sz="4800" spc="-52" strike="noStrike">
+              <a:rPr lang="en-AU" sz="4800" b="0" strike="noStrike" spc="-52">
                 <a:solidFill>
                   <a:srgbClr val="404040"/>
                 </a:solidFill>
                 <a:latin typeface="Calibri Light"/>
               </a:rPr>
-              <a:t>Team (do not speak on this slide, live it open on the screen at the end)</a:t>
+              <a:t>4. Project Quality</a:t>
             </a:r>
-            <a:endParaRPr b="0" lang="en-US" sz="4800" spc="-1" strike="noStrike">
+            <a:endParaRPr lang="en-US" sz="4800" b="0" strike="noStrike" spc="-1">
               <a:solidFill>
                 <a:srgbClr val="000000"/>
               </a:solidFill>
@@ -7832,7 +10457,7 @@
       </p:sp>
       <p:sp>
         <p:nvSpPr>
-          <p:cNvPr id="104" name="PlaceHolder 2"/>
+          <p:cNvPr id="100" name="PlaceHolder 2"/>
           <p:cNvSpPr>
             <a:spLocks noGrp="1"/>
           </p:cNvSpPr>
@@ -7843,7 +10468,7 @@
         <p:spPr>
           <a:xfrm>
             <a:off x="1097280" y="1845720"/>
-            <a:ext cx="10058040" cy="1092240"/>
+            <a:ext cx="10058040" cy="4023000"/>
           </a:xfrm>
           <a:prstGeom prst="rect">
             <a:avLst/>
@@ -7857,6 +10482,7 @@
           <a:bodyPr lIns="0" rIns="0" anchor="t">
             <a:noAutofit/>
           </a:bodyPr>
+          <a:lstStyle/>
           <a:p>
             <a:pPr marL="91440" indent="-91440">
               <a:lnSpc>
@@ -7869,27 +10495,258 @@
                 <a:spcPts val="201"/>
               </a:spcAft>
               <a:buClr>
-                <a:srgbClr val="e48312"/>
+                <a:srgbClr val="E48312"/>
               </a:buClr>
               <a:buFont typeface="Calibri"/>
               <a:buChar char=" "/>
             </a:pPr>
-            <a:r>
-              <a:rPr b="0" lang="en-AU" sz="2000" spc="-1" strike="noStrike">
-                <a:solidFill>
-                  <a:srgbClr val="404040"/>
-                </a:solidFill>
-                <a:latin typeface="Calibri"/>
-              </a:rPr>
-              <a:t>State your team name, List team members, and if relevant tell us who focused on what parts, For Example, You may include a photo next to each name, to help us know who we are talking to and direct questions</a:t>
-            </a:r>
-            <a:endParaRPr b="0" lang="en-US" sz="2000" spc="-1" strike="noStrike">
+            <a:endParaRPr lang="en-US" sz="1800" b="0" strike="noStrike" spc="-1" dirty="0">
               <a:solidFill>
                 <a:srgbClr val="404040"/>
               </a:solidFill>
               <a:latin typeface="Calibri"/>
             </a:endParaRPr>
           </a:p>
+        </p:txBody>
+      </p:sp>
+    </p:spTree>
+  </p:cSld>
+  <p:clrMapOvr>
+    <a:masterClrMapping/>
+  </p:clrMapOvr>
+</p:sld>
+</file>
+
+<file path=ppt/slides/slide8.xml><?xml version="1.0" encoding="utf-8"?>
+<p:sld xmlns:a="http://schemas.openxmlformats.org/drawingml/2006/main" xmlns:r="http://schemas.openxmlformats.org/officeDocument/2006/relationships" xmlns:p="http://schemas.openxmlformats.org/presentationml/2006/main">
+  <p:cSld>
+    <p:spTree>
+      <p:nvGrpSpPr>
+        <p:cNvPr id="1" name=""/>
+        <p:cNvGrpSpPr/>
+        <p:nvPr/>
+      </p:nvGrpSpPr>
+      <p:grpSpPr>
+        <a:xfrm>
+          <a:off x="0" y="0"/>
+          <a:ext cx="0" cy="0"/>
+          <a:chOff x="0" y="0"/>
+          <a:chExt cx="0" cy="0"/>
+        </a:xfrm>
+      </p:grpSpPr>
+      <p:sp>
+        <p:nvSpPr>
+          <p:cNvPr id="101" name="PlaceHolder 1"/>
+          <p:cNvSpPr>
+            <a:spLocks noGrp="1"/>
+          </p:cNvSpPr>
+          <p:nvPr>
+            <p:ph type="title"/>
+          </p:nvPr>
+        </p:nvSpPr>
+        <p:spPr>
+          <a:xfrm>
+            <a:off x="1097280" y="286560"/>
+            <a:ext cx="10058040" cy="1450440"/>
+          </a:xfrm>
+          <a:prstGeom prst="rect">
+            <a:avLst/>
+          </a:prstGeom>
+          <a:noFill/>
+          <a:ln w="0">
+            <a:noFill/>
+          </a:ln>
+        </p:spPr>
+        <p:txBody>
+          <a:bodyPr anchor="b">
+            <a:noAutofit/>
+          </a:bodyPr>
+          <a:lstStyle/>
+          <a:p>
+            <a:pPr>
+              <a:lnSpc>
+                <a:spcPct val="85000"/>
+              </a:lnSpc>
+              <a:buNone/>
+            </a:pPr>
+            <a:r>
+              <a:rPr lang="en-AU" sz="4800" b="0" strike="noStrike" spc="-52">
+                <a:solidFill>
+                  <a:srgbClr val="404040"/>
+                </a:solidFill>
+                <a:latin typeface="Calibri Light"/>
+              </a:rPr>
+              <a:t>5. Teamwork</a:t>
+            </a:r>
+            <a:endParaRPr lang="en-US" sz="4800" b="0" strike="noStrike" spc="-1">
+              <a:solidFill>
+                <a:srgbClr val="000000"/>
+              </a:solidFill>
+              <a:latin typeface="Calibri"/>
+            </a:endParaRPr>
+          </a:p>
+        </p:txBody>
+      </p:sp>
+      <p:sp>
+        <p:nvSpPr>
+          <p:cNvPr id="102" name="PlaceHolder 2"/>
+          <p:cNvSpPr>
+            <a:spLocks noGrp="1"/>
+          </p:cNvSpPr>
+          <p:nvPr>
+            <p:ph/>
+          </p:nvPr>
+        </p:nvSpPr>
+        <p:spPr>
+          <a:xfrm>
+            <a:off x="1097280" y="1845720"/>
+            <a:ext cx="10058040" cy="4023000"/>
+          </a:xfrm>
+          <a:prstGeom prst="rect">
+            <a:avLst/>
+          </a:prstGeom>
+          <a:noFill/>
+          <a:ln w="0">
+            <a:noFill/>
+          </a:ln>
+        </p:spPr>
+        <p:txBody>
+          <a:bodyPr lIns="0" rIns="0" anchor="t">
+            <a:noAutofit/>
+          </a:bodyPr>
+          <a:lstStyle/>
+          <a:p>
+            <a:pPr marL="91440" indent="-91440">
+              <a:lnSpc>
+                <a:spcPct val="90000"/>
+              </a:lnSpc>
+              <a:spcBef>
+                <a:spcPts val="1199"/>
+              </a:spcBef>
+              <a:spcAft>
+                <a:spcPts val="201"/>
+              </a:spcAft>
+              <a:buClr>
+                <a:srgbClr val="E48312"/>
+              </a:buClr>
+              <a:buFont typeface="Calibri"/>
+              <a:buChar char=" "/>
+            </a:pPr>
+            <a:endParaRPr lang="en-US" sz="2000" b="0" strike="noStrike" spc="-1" dirty="0">
+              <a:solidFill>
+                <a:srgbClr val="404040"/>
+              </a:solidFill>
+              <a:latin typeface="Calibri"/>
+            </a:endParaRPr>
+          </a:p>
+        </p:txBody>
+      </p:sp>
+    </p:spTree>
+  </p:cSld>
+  <p:clrMapOvr>
+    <a:masterClrMapping/>
+  </p:clrMapOvr>
+</p:sld>
+</file>
+
+<file path=ppt/slides/slide9.xml><?xml version="1.0" encoding="utf-8"?>
+<p:sld xmlns:a="http://schemas.openxmlformats.org/drawingml/2006/main" xmlns:r="http://schemas.openxmlformats.org/officeDocument/2006/relationships" xmlns:p="http://schemas.openxmlformats.org/presentationml/2006/main">
+  <p:cSld>
+    <p:spTree>
+      <p:nvGrpSpPr>
+        <p:cNvPr id="1" name=""/>
+        <p:cNvGrpSpPr/>
+        <p:nvPr/>
+      </p:nvGrpSpPr>
+      <p:grpSpPr>
+        <a:xfrm>
+          <a:off x="0" y="0"/>
+          <a:ext cx="0" cy="0"/>
+          <a:chOff x="0" y="0"/>
+          <a:chExt cx="0" cy="0"/>
+        </a:xfrm>
+      </p:grpSpPr>
+      <p:sp>
+        <p:nvSpPr>
+          <p:cNvPr id="103" name="PlaceHolder 1"/>
+          <p:cNvSpPr>
+            <a:spLocks noGrp="1"/>
+          </p:cNvSpPr>
+          <p:nvPr>
+            <p:ph type="title"/>
+          </p:nvPr>
+        </p:nvSpPr>
+        <p:spPr>
+          <a:xfrm>
+            <a:off x="1097280" y="286560"/>
+            <a:ext cx="10058040" cy="1450440"/>
+          </a:xfrm>
+          <a:prstGeom prst="rect">
+            <a:avLst/>
+          </a:prstGeom>
+          <a:noFill/>
+          <a:ln w="0">
+            <a:noFill/>
+          </a:ln>
+        </p:spPr>
+        <p:txBody>
+          <a:bodyPr anchor="b">
+            <a:noAutofit/>
+          </a:bodyPr>
+          <a:lstStyle/>
+          <a:p>
+            <a:pPr>
+              <a:lnSpc>
+                <a:spcPct val="85000"/>
+              </a:lnSpc>
+              <a:buNone/>
+            </a:pPr>
+            <a:r>
+              <a:rPr lang="en-AU" sz="4800" b="0" strike="noStrike" spc="-52" dirty="0">
+                <a:solidFill>
+                  <a:srgbClr val="404040"/>
+                </a:solidFill>
+                <a:latin typeface="Calibri Light"/>
+              </a:rPr>
+              <a:t>Team WIP </a:t>
+            </a:r>
+            <a:endParaRPr lang="en-US" sz="4800" b="0" strike="noStrike" spc="-1" dirty="0">
+              <a:solidFill>
+                <a:srgbClr val="000000"/>
+              </a:solidFill>
+              <a:latin typeface="Calibri"/>
+            </a:endParaRPr>
+          </a:p>
+        </p:txBody>
+      </p:sp>
+      <p:sp>
+        <p:nvSpPr>
+          <p:cNvPr id="104" name="PlaceHolder 2"/>
+          <p:cNvSpPr>
+            <a:spLocks noGrp="1"/>
+          </p:cNvSpPr>
+          <p:nvPr>
+            <p:ph/>
+          </p:nvPr>
+        </p:nvSpPr>
+        <p:spPr>
+          <a:xfrm>
+            <a:off x="1097280" y="1845719"/>
+            <a:ext cx="10058040" cy="3561549"/>
+          </a:xfrm>
+          <a:prstGeom prst="rect">
+            <a:avLst/>
+          </a:prstGeom>
+          <a:noFill/>
+          <a:ln w="0">
+            <a:noFill/>
+          </a:ln>
+        </p:spPr>
+        <p:txBody>
+          <a:bodyPr lIns="0" rIns="0" anchor="t">
+            <a:noAutofit/>
+          </a:bodyPr>
+          <a:lstStyle/>
           <a:p>
             <a:pPr>
               <a:lnSpc>
@@ -7903,7 +10760,25 @@
               </a:spcAft>
               <a:buNone/>
             </a:pPr>
-            <a:endParaRPr b="0" lang="en-US" sz="2000" spc="-1" strike="noStrike">
+            <a:r>
+              <a:rPr lang="en-US" sz="2000" b="0" strike="noStrike" spc="-1" dirty="0">
+                <a:solidFill>
+                  <a:srgbClr val="404040"/>
+                </a:solidFill>
+                <a:latin typeface="Calibri"/>
+              </a:rPr>
+              <a:t>Ben </a:t>
+            </a:r>
+            <a:r>
+              <a:rPr lang="en-US" sz="2000" b="0" strike="noStrike" spc="-1" dirty="0" err="1">
+                <a:solidFill>
+                  <a:srgbClr val="404040"/>
+                </a:solidFill>
+                <a:latin typeface="Calibri"/>
+              </a:rPr>
+              <a:t>Cikes</a:t>
+            </a:r>
+            <a:endParaRPr lang="en-US" sz="2000" b="0" strike="noStrike" spc="-1" dirty="0">
               <a:solidFill>
                 <a:srgbClr val="404040"/>
               </a:solidFill>
@@ -7923,12 +10798,15 @@
               </a:spcAft>
               <a:buNone/>
             </a:pPr>
-            <a:endParaRPr b="0" lang="en-US" sz="2000" spc="-1" strike="noStrike">
-              <a:solidFill>
-                <a:srgbClr val="404040"/>
-              </a:solidFill>
-              <a:latin typeface="Calibri"/>
-            </a:endParaRPr>
+            <a:r>
+              <a:rPr lang="en-US" sz="2000" b="0" strike="noStrike" spc="-1" dirty="0">
+                <a:solidFill>
+                  <a:srgbClr val="404040"/>
+                </a:solidFill>
+                <a:latin typeface="Calibri"/>
+              </a:rPr>
+              <a:t>Oliver Scully</a:t>
+            </a:r>
           </a:p>
           <a:p>
             <a:pPr>
@@ -7943,25 +10821,109 @@
               </a:spcAft>
               <a:buNone/>
             </a:pPr>
-            <a:endParaRPr b="0" lang="en-US" sz="2000" spc="-1" strike="noStrike">
+            <a:r>
+              <a:rPr lang="en-US" sz="2000" b="0" strike="noStrike" spc="-1" dirty="0">
+                <a:solidFill>
+                  <a:srgbClr val="404040"/>
+                </a:solidFill>
+                <a:latin typeface="Calibri"/>
+              </a:rPr>
+              <a:t>Luis Torres</a:t>
+            </a:r>
+          </a:p>
+          <a:p>
+            <a:pPr>
+              <a:lnSpc>
+                <a:spcPct val="90000"/>
+              </a:lnSpc>
+              <a:spcBef>
+                <a:spcPts val="1199"/>
+              </a:spcBef>
+              <a:spcAft>
+                <a:spcPts val="201"/>
+              </a:spcAft>
+              <a:buNone/>
+            </a:pPr>
+            <a:r>
+              <a:rPr lang="en-US" sz="2000" b="0" strike="noStrike" spc="-1" dirty="0">
+                <a:solidFill>
+                  <a:srgbClr val="404040"/>
+                </a:solidFill>
+                <a:latin typeface="Calibri"/>
+              </a:rPr>
+              <a:t>Joshua Keenan</a:t>
+            </a:r>
+          </a:p>
+          <a:p>
+            <a:pPr>
+              <a:lnSpc>
+                <a:spcPct val="90000"/>
+              </a:lnSpc>
+              <a:spcBef>
+                <a:spcPts val="1199"/>
+              </a:spcBef>
+              <a:spcAft>
+                <a:spcPts val="201"/>
+              </a:spcAft>
+              <a:buNone/>
+            </a:pPr>
+            <a:r>
+              <a:rPr lang="en-US" sz="2000" b="0" strike="noStrike" spc="-1" dirty="0">
+                <a:solidFill>
+                  <a:srgbClr val="404040"/>
+                </a:solidFill>
+                <a:latin typeface="Calibri"/>
+              </a:rPr>
+              <a:t>Dom Cutajar</a:t>
+            </a:r>
+          </a:p>
+          <a:p>
+            <a:pPr>
+              <a:lnSpc>
+                <a:spcPct val="90000"/>
+              </a:lnSpc>
+              <a:spcBef>
+                <a:spcPts val="1199"/>
+              </a:spcBef>
+              <a:spcAft>
+                <a:spcPts val="201"/>
+              </a:spcAft>
+              <a:buNone/>
+            </a:pPr>
+            <a:endParaRPr lang="en-US" sz="2000" b="0" strike="noStrike" spc="-1" dirty="0">
               <a:solidFill>
                 <a:srgbClr val="404040"/>
               </a:solidFill>
               <a:latin typeface="Calibri"/>
             </a:endParaRPr>
           </a:p>
+          <a:p>
+            <a:pPr>
+              <a:lnSpc>
+                <a:spcPct val="90000"/>
+              </a:lnSpc>
+              <a:spcBef>
+                <a:spcPts val="1199"/>
+              </a:spcBef>
+              <a:spcAft>
+                <a:spcPts val="201"/>
+              </a:spcAft>
+              <a:buNone/>
+            </a:pPr>
+            <a:endParaRPr lang="en-US" sz="2000" b="0" strike="noStrike" spc="-1" dirty="0">
+              <a:solidFill>
+                <a:srgbClr val="404040"/>
+              </a:solidFill>
+              <a:latin typeface="Calibri"/>
+            </a:endParaRPr>
+          </a:p>
         </p:txBody>
       </p:sp>
     </p:spTree>
   </p:cSld>
-  <mc:AlternateContent>
-    <mc:Choice Requires="p14">
-      <p:transition spd="slow" p14:dur="2000"/>
-    </mc:Choice>
-    <mc:Fallback>
-      <p:transition spd="slow"/>
-    </mc:Fallback>
-  </mc:AlternateContent>
+  <p:clrMapOvr>
+    <a:masterClrMapping/>
+  </p:clrMapOvr>
 </p:sld>
 </file>
 
@@ -7979,31 +10941,31 @@
         <a:srgbClr val="637052"/>
       </a:dk2>
       <a:lt2>
-        <a:srgbClr val="ccddea"/>
+        <a:srgbClr val="CCDDEA"/>
       </a:lt2>
       <a:accent1>
-        <a:srgbClr val="e48312"/>
+        <a:srgbClr val="E48312"/>
       </a:accent1>
       <a:accent2>
-        <a:srgbClr val="bd582c"/>
+        <a:srgbClr val="BD582C"/>
       </a:accent2>
       <a:accent3>
         <a:srgbClr val="865640"/>
       </a:accent3>
       <a:accent4>
-        <a:srgbClr val="9b8357"/>
+        <a:srgbClr val="9B8357"/>
       </a:accent4>
       <a:accent5>
-        <a:srgbClr val="c2bc80"/>
+        <a:srgbClr val="C2BC80"/>
       </a:accent5>
       <a:accent6>
-        <a:srgbClr val="94a088"/>
+        <a:srgbClr val="94A088"/>
       </a:accent6>
       <a:hlink>
-        <a:srgbClr val="2998e3"/>
+        <a:srgbClr val="2998E3"/>
       </a:hlink>
       <a:folHlink>
-        <a:srgbClr val="8c8c8c"/>
+        <a:srgbClr val="8C8C8C"/>
       </a:folHlink>
     </a:clrScheme>
     <a:fontScheme name="Office">
@@ -8188,6 +11150,8 @@
       </a:bgFillStyleLst>
     </a:fmtScheme>
   </a:themeElements>
+  <a:objectDefaults/>
+  <a:extraClrSchemeLst/>
 </a:theme>
 </file>
 
@@ -8205,31 +11169,31 @@
         <a:srgbClr val="637052"/>
       </a:dk2>
       <a:lt2>
-        <a:srgbClr val="ccddea"/>
+        <a:srgbClr val="CCDDEA"/>
       </a:lt2>
       <a:accent1>
-        <a:srgbClr val="e48312"/>
+        <a:srgbClr val="E48312"/>
       </a:accent1>
       <a:accent2>
-        <a:srgbClr val="bd582c"/>
+        <a:srgbClr val="BD582C"/>
       </a:accent2>
       <a:accent3>
         <a:srgbClr val="865640"/>
       </a:accent3>
       <a:accent4>
-        <a:srgbClr val="9b8357"/>
+        <a:srgbClr val="9B8357"/>
       </a:accent4>
       <a:accent5>
-        <a:srgbClr val="c2bc80"/>
+        <a:srgbClr val="C2BC80"/>
       </a:accent5>
       <a:accent6>
-        <a:srgbClr val="94a088"/>
+        <a:srgbClr val="94A088"/>
       </a:accent6>
       <a:hlink>
-        <a:srgbClr val="2998e3"/>
+        <a:srgbClr val="2998E3"/>
       </a:hlink>
       <a:folHlink>
-        <a:srgbClr val="8c8c8c"/>
+        <a:srgbClr val="8C8C8C"/>
       </a:folHlink>
     </a:clrScheme>
     <a:fontScheme name="Office">
@@ -8414,238 +11378,322 @@
       </a:bgFillStyleLst>
     </a:fmtScheme>
   </a:themeElements>
+  <a:objectDefaults/>
+  <a:extraClrSchemeLst/>
 </a:theme>
 </file>
 
-<file path=customXml/item1.xml><?xml version="1.0" encoding="utf-8"?>
-<ct:contentTypeSchema xmlns:ct="http://schemas.microsoft.com/office/2006/metadata/contentType" xmlns:ma="http://schemas.microsoft.com/office/2006/metadata/properties/metaAttributes" ct:_="" ma:_="" ma:contentTypeName="Document" ma:contentTypeID="0x01010098B8C36236A7794DA05641B5C1417AC6" ma:contentTypeVersion="12" ma:contentTypeDescription="Create a new document." ma:contentTypeScope="" ma:versionID="6a70b788b8021b4458dd1c4e1b9d37a4">
-  <xsd:schema xmlns:xsd="http://www.w3.org/2001/XMLSchema" xmlns:xs="http://www.w3.org/2001/XMLSchema" xmlns:p="http://schemas.microsoft.com/office/2006/metadata/properties" xmlns:ns2="596cf5bd-21dc-4a72-81c0-3899bd9bd868" xmlns:ns3="a018154b-166b-4a1b-8dfd-b64a94e6b0da" targetNamespace="http://schemas.microsoft.com/office/2006/metadata/properties" ma:root="true" ma:fieldsID="187ac2fc51d83183a49acc2c4408bb5b" ns2:_="" ns3:_="">
-    <xsd:import namespace="596cf5bd-21dc-4a72-81c0-3899bd9bd868"/>
-    <xsd:import namespace="a018154b-166b-4a1b-8dfd-b64a94e6b0da"/>
-    <xsd:element name="properties">
-      <xsd:complexType>
-        <xsd:sequence>
-          <xsd:element name="documentManagement">
-            <xsd:complexType>
-              <xsd:all>
-                <xsd:element ref="ns2:MediaServiceMetadata" minOccurs="0"/>
-                <xsd:element ref="ns2:MediaServiceFastMetadata" minOccurs="0"/>
-                <xsd:element ref="ns2:MediaServiceSearchProperties" minOccurs="0"/>
-                <xsd:element ref="ns2:MediaServiceObjectDetectorVersions" minOccurs="0"/>
-                <xsd:element ref="ns2:MediaServiceDateTaken" minOccurs="0"/>
-                <xsd:element ref="ns2:MediaServiceGenerationTime" minOccurs="0"/>
-                <xsd:element ref="ns2:MediaServiceEventHashCode" minOccurs="0"/>
-                <xsd:element ref="ns2:MediaLengthInSeconds" minOccurs="0"/>
-                <xsd:element ref="ns2:lcf76f155ced4ddcb4097134ff3c332f" minOccurs="0"/>
-                <xsd:element ref="ns3:TaxCatchAll" minOccurs="0"/>
-                <xsd:element ref="ns2:MediaServiceOCR" minOccurs="0"/>
-              </xsd:all>
-            </xsd:complexType>
-          </xsd:element>
-        </xsd:sequence>
-      </xsd:complexType>
-    </xsd:element>
-  </xsd:schema>
-  <xsd:schema xmlns:xsd="http://www.w3.org/2001/XMLSchema" xmlns:xs="http://www.w3.org/2001/XMLSchema" xmlns:dms="http://schemas.microsoft.com/office/2006/documentManagement/types" xmlns:pc="http://schemas.microsoft.com/office/infopath/2007/PartnerControls" targetNamespace="596cf5bd-21dc-4a72-81c0-3899bd9bd868" elementFormDefault="qualified">
-    <xsd:import namespace="http://schemas.microsoft.com/office/2006/documentManagement/types"/>
-    <xsd:import namespace="http://schemas.microsoft.com/office/infopath/2007/PartnerControls"/>
-    <xsd:element name="MediaServiceMetadata" ma:index="8" nillable="true" ma:displayName="MediaServiceMetadata" ma:hidden="true" ma:internalName="MediaServiceMetadata" ma:readOnly="true">
-      <xsd:simpleType>
-        <xsd:restriction base="dms:Note"/>
-      </xsd:simpleType>
-    </xsd:element>
-    <xsd:element name="MediaServiceFastMetadata" ma:index="9" nillable="true" ma:displayName="MediaServiceFastMetadata" ma:hidden="true" ma:internalName="MediaServiceFastMetadata" ma:readOnly="true">
-      <xsd:simpleType>
-        <xsd:restriction base="dms:Note"/>
-      </xsd:simpleType>
-    </xsd:element>
-    <xsd:element name="MediaServiceSearchProperties" ma:index="10" nillable="true" ma:displayName="MediaServiceSearchProperties" ma:hidden="true" ma:internalName="MediaServiceSearchProperties" ma:readOnly="true">
-      <xsd:simpleType>
-        <xsd:restriction base="dms:Note"/>
-      </xsd:simpleType>
-    </xsd:element>
-    <xsd:element name="MediaServiceObjectDetectorVersions" ma:index="11" nillable="true" ma:displayName="MediaServiceObjectDetectorVersions" ma:hidden="true" ma:indexed="true" ma:internalName="MediaServiceObjectDetectorVersions" ma:readOnly="true">
-      <xsd:simpleType>
-        <xsd:restriction base="dms:Text"/>
-      </xsd:simpleType>
-    </xsd:element>
-    <xsd:element name="MediaServiceDateTaken" ma:index="12" nillable="true" ma:displayName="MediaServiceDateTaken" ma:hidden="true" ma:indexed="true" ma:internalName="MediaServiceDateTaken" ma:readOnly="true">
-      <xsd:simpleType>
-        <xsd:restriction base="dms:Text"/>
-      </xsd:simpleType>
-    </xsd:element>
-    <xsd:element name="MediaServiceGenerationTime" ma:index="13" nillable="true" ma:displayName="MediaServiceGenerationTime" ma:hidden="true" ma:internalName="MediaServiceGenerationTime" ma:readOnly="true">
-      <xsd:simpleType>
-        <xsd:restriction base="dms:Text"/>
-      </xsd:simpleType>
-    </xsd:element>
-    <xsd:element name="MediaServiceEventHashCode" ma:index="14" nillable="true" ma:displayName="MediaServiceEventHashCode" ma:hidden="true" ma:internalName="MediaServiceEventHashCode" ma:readOnly="true">
-      <xsd:simpleType>
-        <xsd:restriction base="dms:Text"/>
-      </xsd:simpleType>
-    </xsd:element>
-    <xsd:element name="MediaLengthInSeconds" ma:index="15" nillable="true" ma:displayName="MediaLengthInSeconds" ma:hidden="true" ma:internalName="MediaLengthInSeconds" ma:readOnly="true">
-      <xsd:simpleType>
-        <xsd:restriction base="dms:Unknown"/>
-      </xsd:simpleType>
-    </xsd:element>
-    <xsd:element name="lcf76f155ced4ddcb4097134ff3c332f" ma:index="17" nillable="true" ma:taxonomy="true" ma:internalName="lcf76f155ced4ddcb4097134ff3c332f" ma:taxonomyFieldName="MediaServiceImageTags" ma:displayName="Image Tags" ma:readOnly="false" ma:fieldId="{5cf76f15-5ced-4ddc-b409-7134ff3c332f}" ma:taxonomyMulti="true" ma:sspId="2b38a4a9-7397-48a1-b74f-79de11e99f10" ma:termSetId="09814cd3-568e-fe90-9814-8d621ff8fb84" ma:anchorId="fba54fb3-c3e1-fe81-a776-ca4b69148c4d" ma:open="true" ma:isKeyword="false">
-      <xsd:complexType>
-        <xsd:sequence>
-          <xsd:element ref="pc:Terms" minOccurs="0" maxOccurs="1"/>
-        </xsd:sequence>
-      </xsd:complexType>
-    </xsd:element>
-    <xsd:element name="MediaServiceOCR" ma:index="19" nillable="true" ma:displayName="Extracted Text" ma:internalName="MediaServiceOCR" ma:readOnly="true">
-      <xsd:simpleType>
-        <xsd:restriction base="dms:Note">
-          <xsd:maxLength value="255"/>
-        </xsd:restriction>
-      </xsd:simpleType>
-    </xsd:element>
-  </xsd:schema>
-  <xsd:schema xmlns:xsd="http://www.w3.org/2001/XMLSchema" xmlns:xs="http://www.w3.org/2001/XMLSchema" xmlns:dms="http://schemas.microsoft.com/office/2006/documentManagement/types" xmlns:pc="http://schemas.microsoft.com/office/infopath/2007/PartnerControls" targetNamespace="a018154b-166b-4a1b-8dfd-b64a94e6b0da" elementFormDefault="qualified">
-    <xsd:import namespace="http://schemas.microsoft.com/office/2006/documentManagement/types"/>
-    <xsd:import namespace="http://schemas.microsoft.com/office/infopath/2007/PartnerControls"/>
-    <xsd:element name="TaxCatchAll" ma:index="18" nillable="true" ma:displayName="Taxonomy Catch All Column" ma:hidden="true" ma:list="{e1c84ee0-797c-4faf-9736-7d447eace787}" ma:internalName="TaxCatchAll" ma:showField="CatchAllData" ma:web="a018154b-166b-4a1b-8dfd-b64a94e6b0da">
-      <xsd:complexType>
-        <xsd:complexContent>
-          <xsd:extension base="dms:MultiChoiceLookup">
-            <xsd:sequence>
-              <xsd:element name="Value" type="dms:Lookup" maxOccurs="unbounded" minOccurs="0" nillable="true"/>
-            </xsd:sequence>
-          </xsd:extension>
-        </xsd:complexContent>
-      </xsd:complexType>
-    </xsd:element>
-  </xsd:schema>
-  <xsd:schema xmlns="http://schemas.openxmlformats.org/package/2006/metadata/core-properties" xmlns:xsd="http://www.w3.org/2001/XMLSchema" xmlns:xsi="http://www.w3.org/2001/XMLSchema-instance" xmlns:dc="http://purl.org/dc/elements/1.1/" xmlns:dcterms="http://purl.org/dc/terms/" xmlns:odoc="http://schemas.microsoft.com/internal/obd" targetNamespace="http://schemas.openxmlformats.org/package/2006/metadata/core-properties" elementFormDefault="qualified" attributeFormDefault="unqualified" blockDefault="#all">
-    <xsd:import namespace="http://purl.org/dc/elements/1.1/" schemaLocation="http://dublincore.org/schemas/xmls/qdc/2003/04/02/dc.xsd"/>
-    <xsd:import namespace="http://purl.org/dc/terms/" schemaLocation="http://dublincore.org/schemas/xmls/qdc/2003/04/02/dcterms.xsd"/>
-    <xsd:element name="coreProperties" type="CT_coreProperties"/>
-    <xsd:complexType name="CT_coreProperties">
-      <xsd:all>
-        <xsd:element ref="dc:creator" minOccurs="0" maxOccurs="1"/>
-        <xsd:element ref="dcterms:created" minOccurs="0" maxOccurs="1"/>
-        <xsd:element ref="dc:identifier" minOccurs="0" maxOccurs="1"/>
-        <xsd:element name="contentType" minOccurs="0" maxOccurs="1" type="xsd:string" ma:index="0" ma:displayName="Content Type"/>
-        <xsd:element ref="dc:title" minOccurs="0" maxOccurs="1" ma:index="4" ma:displayName="Title"/>
-        <xsd:element ref="dc:subject" minOccurs="0" maxOccurs="1"/>
-        <xsd:element ref="dc:description" minOccurs="0" maxOccurs="1"/>
-        <xsd:element name="keywords" minOccurs="0" maxOccurs="1" type="xsd:string"/>
-        <xsd:element ref="dc:language" minOccurs="0" maxOccurs="1"/>
-        <xsd:element name="category" minOccurs="0" maxOccurs="1" type="xsd:string"/>
-        <xsd:element name="version" minOccurs="0" maxOccurs="1" type="xsd:string"/>
-        <xsd:element name="revision" minOccurs="0" maxOccurs="1" type="xsd:string">
-          <xsd:annotation>
-            <xsd:documentation>
-                        This value indicates the number of saves or revisions. The application is responsible for updating this value after each revision.
-                    </xsd:documentation>
-          </xsd:annotation>
-        </xsd:element>
-        <xsd:element name="lastModifiedBy" minOccurs="0" maxOccurs="1" type="xsd:string"/>
-        <xsd:element ref="dcterms:modified" minOccurs="0" maxOccurs="1"/>
-        <xsd:element name="contentStatus" minOccurs="0" maxOccurs="1" type="xsd:string"/>
-      </xsd:all>
-    </xsd:complexType>
-  </xsd:schema>
-  <xs:schema xmlns:pc="http://schemas.microsoft.com/office/infopath/2007/PartnerControls" xmlns:xs="http://www.w3.org/2001/XMLSchema" targetNamespace="http://schemas.microsoft.com/office/infopath/2007/PartnerControls" elementFormDefault="qualified" attributeFormDefault="unqualified">
-    <xs:element name="Person">
-      <xs:complexType>
-        <xs:sequence>
-          <xs:element ref="pc:DisplayName" minOccurs="0"/>
-          <xs:element ref="pc:AccountId" minOccurs="0"/>
-          <xs:element ref="pc:AccountType" minOccurs="0"/>
-        </xs:sequence>
-      </xs:complexType>
-    </xs:element>
-    <xs:element name="DisplayName" type="xs:string"/>
-    <xs:element name="AccountId" type="xs:string"/>
-    <xs:element name="AccountType" type="xs:string"/>
-    <xs:element name="BDCAssociatedEntity">
-      <xs:complexType>
-        <xs:sequence>
-          <xs:element ref="pc:BDCEntity" minOccurs="0" maxOccurs="unbounded"/>
-        </xs:sequence>
-        <xs:attribute ref="pc:EntityNamespace"/>
-        <xs:attribute ref="pc:EntityName"/>
-        <xs:attribute ref="pc:SystemInstanceName"/>
-        <xs:attribute ref="pc:AssociationName"/>
-      </xs:complexType>
-    </xs:element>
-    <xs:attribute name="EntityNamespace" type="xs:string"/>
-    <xs:attribute name="EntityName" type="xs:string"/>
-    <xs:attribute name="SystemInstanceName" type="xs:string"/>
-    <xs:attribute name="AssociationName" type="xs:string"/>
-    <xs:element name="BDCEntity">
-      <xs:complexType>
-        <xs:sequence>
-          <xs:element ref="pc:EntityDisplayName" minOccurs="0"/>
-          <xs:element ref="pc:EntityInstanceReference" minOccurs="0"/>
-          <xs:element ref="pc:EntityId1" minOccurs="0"/>
-          <xs:element ref="pc:EntityId2" minOccurs="0"/>
-          <xs:element ref="pc:EntityId3" minOccurs="0"/>
-          <xs:element ref="pc:EntityId4" minOccurs="0"/>
-          <xs:element ref="pc:EntityId5" minOccurs="0"/>
-        </xs:sequence>
-      </xs:complexType>
-    </xs:element>
-    <xs:element name="EntityDisplayName" type="xs:string"/>
-    <xs:element name="EntityInstanceReference" type="xs:string"/>
-    <xs:element name="EntityId1" type="xs:string"/>
-    <xs:element name="EntityId2" type="xs:string"/>
-    <xs:element name="EntityId3" type="xs:string"/>
-    <xs:element name="EntityId4" type="xs:string"/>
-    <xs:element name="EntityId5" type="xs:string"/>
-    <xs:element name="Terms">
-      <xs:complexType>
-        <xs:sequence>
-          <xs:element ref="pc:TermInfo" minOccurs="0" maxOccurs="unbounded"/>
-        </xs:sequence>
-      </xs:complexType>
-    </xs:element>
-    <xs:element name="TermInfo">
-      <xs:complexType>
-        <xs:sequence>
-          <xs:element ref="pc:TermName" minOccurs="0"/>
-          <xs:element ref="pc:TermId" minOccurs="0"/>
-        </xs:sequence>
-      </xs:complexType>
-    </xs:element>
-    <xs:element name="TermName" type="xs:string"/>
-    <xs:element name="TermId" type="xs:string"/>
-  </xs:schema>
-</ct:contentTypeSchema>
-</file>
-
-<file path=customXml/item2.xml><?xml version="1.0" encoding="utf-8"?>
-<?mso-contentType ?>
-<FormTemplates xmlns="http://schemas.microsoft.com/sharepoint/v3/contenttype/forms">
-  <Display>DocumentLibraryForm</Display>
-  <Edit>DocumentLibraryForm</Edit>
-  <New>DocumentLibraryForm</New>
-</FormTemplates>
-</file>
-
-<file path=customXml/item3.xml><?xml version="1.0" encoding="utf-8"?>
-<p:properties xmlns:p="http://schemas.microsoft.com/office/2006/metadata/properties" xmlns:xsi="http://www.w3.org/2001/XMLSchema-instance" xmlns:pc="http://schemas.microsoft.com/office/infopath/2007/PartnerControls">
-  <documentManagement>
-    <lcf76f155ced4ddcb4097134ff3c332f xmlns="596cf5bd-21dc-4a72-81c0-3899bd9bd868">
-      <Terms xmlns="http://schemas.microsoft.com/office/infopath/2007/PartnerControls"/>
-    </lcf76f155ced4ddcb4097134ff3c332f>
-    <TaxCatchAll xmlns="a018154b-166b-4a1b-8dfd-b64a94e6b0da" xsi:nil="true"/>
-  </documentManagement>
-</p:properties>
-</file>
-
-<file path=customXml/itemProps1.xml><?xml version="1.0" encoding="utf-8"?>
-<ds:datastoreItem xmlns:ds="http://schemas.openxmlformats.org/officeDocument/2006/customXml" ds:itemID="{C8E41540-A1CB-415E-86B5-4866C8373B52}"/>
-</file>
-
-<file path=customXml/itemProps2.xml><?xml version="1.0" encoding="utf-8"?>
-<ds:datastoreItem xmlns:ds="http://schemas.openxmlformats.org/officeDocument/2006/customXml" ds:itemID="{5D698335-4FC5-49E5-9FF9-8CBD22B2EA20}"/>
-</file>
-
-<file path=customXml/itemProps3.xml><?xml version="1.0" encoding="utf-8"?>
-<ds:datastoreItem xmlns:ds="http://schemas.openxmlformats.org/officeDocument/2006/customXml" ds:itemID="{F5085E8B-C52E-431E-9679-6B637C50685E}"/>
+<file path=ppt/theme/theme3.xml><?xml version="1.0" encoding="utf-8"?>
+<a:theme xmlns:a="http://schemas.openxmlformats.org/drawingml/2006/main" name="Office Theme">
+  <a:themeElements>
+    <a:clrScheme name="Office">
+      <a:dk1>
+        <a:sysClr val="windowText" lastClr="000000"/>
+      </a:dk1>
+      <a:lt1>
+        <a:sysClr val="window" lastClr="FFFFFF"/>
+      </a:lt1>
+      <a:dk2>
+        <a:srgbClr val="0E2841"/>
+      </a:dk2>
+      <a:lt2>
+        <a:srgbClr val="E8E8E8"/>
+      </a:lt2>
+      <a:accent1>
+        <a:srgbClr val="156082"/>
+      </a:accent1>
+      <a:accent2>
+        <a:srgbClr val="E97132"/>
+      </a:accent2>
+      <a:accent3>
+        <a:srgbClr val="196B24"/>
+      </a:accent3>
+      <a:accent4>
+        <a:srgbClr val="0F9ED5"/>
+      </a:accent4>
+      <a:accent5>
+        <a:srgbClr val="A02B93"/>
+      </a:accent5>
+      <a:accent6>
+        <a:srgbClr val="4EA72E"/>
+      </a:accent6>
+      <a:hlink>
+        <a:srgbClr val="467886"/>
+      </a:hlink>
+      <a:folHlink>
+        <a:srgbClr val="96607D"/>
+      </a:folHlink>
+    </a:clrScheme>
+    <a:fontScheme name="Office">
+      <a:majorFont>
+        <a:latin typeface="Aptos Display" panose="02110004020202020204"/>
+        <a:ea typeface=""/>
+        <a:cs typeface=""/>
+        <a:font script="Jpan" typeface="游ゴシック Light"/>
+        <a:font script="Hang" typeface="맑은 고딕"/>
+        <a:font script="Hans" typeface="等线 Light"/>
+        <a:font script="Hant" typeface="新細明體"/>
+        <a:font script="Arab" typeface="Times New Roman"/>
+        <a:font script="Hebr" typeface="Times New Roman"/>
+        <a:font script="Thai" typeface="Angsana New"/>
+        <a:font script="Ethi" typeface="Nyala"/>
+        <a:font script="Beng" typeface="Vrinda"/>
+        <a:font script="Gujr" typeface="Shruti"/>
+        <a:font script="Khmr" typeface="MoolBoran"/>
+        <a:font script="Knda" typeface="Tunga"/>
+        <a:font script="Guru" typeface="Raavi"/>
+        <a:font script="Cans" typeface="Euphemia"/>
+        <a:font script="Cher" typeface="Plantagenet Cherokee"/>
+        <a:font script="Yiii" typeface="Microsoft Yi Baiti"/>
+        <a:font script="Tibt" typeface="Microsoft Himalaya"/>
+        <a:font script="Thaa" typeface="MV Boli"/>
+        <a:font script="Deva" typeface="Mangal"/>
+        <a:font script="Telu" typeface="Gautami"/>
+        <a:font script="Taml" typeface="Latha"/>
+        <a:font script="Syrc" typeface="Estrangelo Edessa"/>
+        <a:font script="Orya" typeface="Kalinga"/>
+        <a:font script="Mlym" typeface="Kartika"/>
+        <a:font script="Laoo" typeface="DokChampa"/>
+        <a:font script="Sinh" typeface="Iskoola Pota"/>
+        <a:font script="Mong" typeface="Mongolian Baiti"/>
+        <a:font script="Viet" typeface="Times New Roman"/>
+        <a:font script="Uigh" typeface="Microsoft Uighur"/>
+        <a:font script="Geor" typeface="Sylfaen"/>
+        <a:font script="Armn" typeface="Arial"/>
+        <a:font script="Bugi" typeface="Leelawadee UI"/>
+        <a:font script="Bopo" typeface="Microsoft JhengHei"/>
+        <a:font script="Java" typeface="Javanese Text"/>
+        <a:font script="Lisu" typeface="Segoe UI"/>
+        <a:font script="Mymr" typeface="Myanmar Text"/>
+        <a:font script="Nkoo" typeface="Ebrima"/>
+        <a:font script="Olck" typeface="Nirmala UI"/>
+        <a:font script="Osma" typeface="Ebrima"/>
+        <a:font script="Phag" typeface="Phagspa"/>
+        <a:font script="Syrn" typeface="Estrangelo Edessa"/>
+        <a:font script="Syrj" typeface="Estrangelo Edessa"/>
+        <a:font script="Syre" typeface="Estrangelo Edessa"/>
+        <a:font script="Sora" typeface="Nirmala UI"/>
+        <a:font script="Tale" typeface="Microsoft Tai Le"/>
+        <a:font script="Talu" typeface="Microsoft New Tai Lue"/>
+        <a:font script="Tfng" typeface="Ebrima"/>
+      </a:majorFont>
+      <a:minorFont>
+        <a:latin typeface="Aptos" panose="02110004020202020204"/>
+        <a:ea typeface=""/>
+        <a:cs typeface=""/>
+        <a:font script="Jpan" typeface="游ゴシック"/>
+        <a:font script="Hang" typeface="맑은 고딕"/>
+        <a:font script="Hans" typeface="等线"/>
+        <a:font script="Hant" typeface="新細明體"/>
+        <a:font script="Arab" typeface="Arial"/>
+        <a:font script="Hebr" typeface="Arial"/>
+        <a:font script="Thai" typeface="Cordia New"/>
+        <a:font script="Ethi" typeface="Nyala"/>
+        <a:font script="Beng" typeface="Vrinda"/>
+        <a:font script="Gujr" typeface="Shruti"/>
+        <a:font script="Khmr" typeface="DaunPenh"/>
+        <a:font script="Knda" typeface="Tunga"/>
+        <a:font script="Guru" typeface="Raavi"/>
+        <a:font script="Cans" typeface="Euphemia"/>
+        <a:font script="Cher" typeface="Plantagenet Cherokee"/>
+        <a:font script="Yiii" typeface="Microsoft Yi Baiti"/>
+        <a:font script="Tibt" typeface="Microsoft Himalaya"/>
+        <a:font script="Thaa" typeface="MV Boli"/>
+        <a:font script="Deva" typeface="Mangal"/>
+        <a:font script="Telu" typeface="Gautami"/>
+        <a:font script="Taml" typeface="Latha"/>
+        <a:font script="Syrc" typeface="Estrangelo Edessa"/>
+        <a:font script="Orya" typeface="Kalinga"/>
+        <a:font script="Mlym" typeface="Kartika"/>
+        <a:font script="Laoo" typeface="DokChampa"/>
+        <a:font script="Sinh" typeface="Iskoola Pota"/>
+        <a:font script="Mong" typeface="Mongolian Baiti"/>
+        <a:font script="Viet" typeface="Arial"/>
+        <a:font script="Uigh" typeface="Microsoft Uighur"/>
+        <a:font script="Geor" typeface="Sylfaen"/>
+        <a:font script="Armn" typeface="Arial"/>
+        <a:font script="Bugi" typeface="Leelawadee UI"/>
+        <a:font script="Bopo" typeface="Microsoft JhengHei"/>
+        <a:font script="Java" typeface="Javanese Text"/>
+        <a:font script="Lisu" typeface="Segoe UI"/>
+        <a:font script="Mymr" typeface="Myanmar Text"/>
+        <a:font script="Nkoo" typeface="Ebrima"/>
+        <a:font script="Olck" typeface="Nirmala UI"/>
+        <a:font script="Osma" typeface="Ebrima"/>
+        <a:font script="Phag" typeface="Phagspa"/>
+        <a:font script="Syrn" typeface="Estrangelo Edessa"/>
+        <a:font script="Syrj" typeface="Estrangelo Edessa"/>
+        <a:font script="Syre" typeface="Estrangelo Edessa"/>
+        <a:font script="Sora" typeface="Nirmala UI"/>
+        <a:font script="Tale" typeface="Microsoft Tai Le"/>
+        <a:font script="Talu" typeface="Microsoft New Tai Lue"/>
+        <a:font script="Tfng" typeface="Ebrima"/>
+      </a:minorFont>
+    </a:fontScheme>
+    <a:fmtScheme name="Office">
+      <a:fillStyleLst>
+        <a:solidFill>
+          <a:schemeClr val="phClr"/>
+        </a:solidFill>
+        <a:gradFill rotWithShape="1">
+          <a:gsLst>
+            <a:gs pos="0">
+              <a:schemeClr val="phClr">
+                <a:lumMod val="110000"/>
+                <a:satMod val="105000"/>
+                <a:tint val="67000"/>
+              </a:schemeClr>
+            </a:gs>
+            <a:gs pos="50000">
+              <a:schemeClr val="phClr">
+                <a:lumMod val="105000"/>
+                <a:satMod val="103000"/>
+                <a:tint val="73000"/>
+              </a:schemeClr>
+            </a:gs>
+            <a:gs pos="100000">
+              <a:schemeClr val="phClr">
+                <a:lumMod val="105000"/>
+                <a:satMod val="109000"/>
+                <a:tint val="81000"/>
+              </a:schemeClr>
+            </a:gs>
+          </a:gsLst>
+          <a:lin ang="5400000" scaled="0"/>
+        </a:gradFill>
+        <a:gradFill rotWithShape="1">
+          <a:gsLst>
+            <a:gs pos="0">
+              <a:schemeClr val="phClr">
+                <a:satMod val="103000"/>
+                <a:lumMod val="102000"/>
+                <a:tint val="94000"/>
+              </a:schemeClr>
+            </a:gs>
+            <a:gs pos="50000">
+              <a:schemeClr val="phClr">
+                <a:satMod val="110000"/>
+                <a:lumMod val="100000"/>
+                <a:shade val="100000"/>
+              </a:schemeClr>
+            </a:gs>
+            <a:gs pos="100000">
+              <a:schemeClr val="phClr">
+                <a:lumMod val="99000"/>
+                <a:satMod val="120000"/>
+                <a:shade val="78000"/>
+              </a:schemeClr>
+            </a:gs>
+          </a:gsLst>
+          <a:lin ang="5400000" scaled="0"/>
+        </a:gradFill>
+      </a:fillStyleLst>
+      <a:lnStyleLst>
+        <a:ln w="12700" cap="flat" cmpd="sng" algn="ctr">
+          <a:solidFill>
+            <a:schemeClr val="phClr"/>
+          </a:solidFill>
+          <a:prstDash val="solid"/>
+          <a:miter lim="800000"/>
+        </a:ln>
+        <a:ln w="19050" cap="flat" cmpd="sng" algn="ctr">
+          <a:solidFill>
+            <a:schemeClr val="phClr"/>
+          </a:solidFill>
+          <a:prstDash val="solid"/>
+          <a:miter lim="800000"/>
+        </a:ln>
+        <a:ln w="25400" cap="flat" cmpd="sng" algn="ctr">
+          <a:solidFill>
+            <a:schemeClr val="phClr"/>
+          </a:solidFill>
+          <a:prstDash val="solid"/>
+          <a:miter lim="800000"/>
+        </a:ln>
+      </a:lnStyleLst>
+      <a:effectStyleLst>
+        <a:effectStyle>
+          <a:effectLst/>
+        </a:effectStyle>
+        <a:effectStyle>
+          <a:effectLst/>
+        </a:effectStyle>
+        <a:effectStyle>
+          <a:effectLst>
+            <a:outerShdw blurRad="57150" dist="19050" dir="5400000" algn="ctr" rotWithShape="0">
+              <a:srgbClr val="000000">
+                <a:alpha val="63000"/>
+              </a:srgbClr>
+            </a:outerShdw>
+          </a:effectLst>
+        </a:effectStyle>
+      </a:effectStyleLst>
+      <a:bgFillStyleLst>
+        <a:solidFill>
+          <a:schemeClr val="phClr"/>
+        </a:solidFill>
+        <a:solidFill>
+          <a:schemeClr val="phClr">
+            <a:tint val="95000"/>
+            <a:satMod val="170000"/>
+          </a:schemeClr>
+        </a:solidFill>
+        <a:gradFill rotWithShape="1">
+          <a:gsLst>
+            <a:gs pos="0">
+              <a:schemeClr val="phClr">
+                <a:tint val="93000"/>
+                <a:satMod val="150000"/>
+                <a:shade val="98000"/>
+                <a:lumMod val="102000"/>
+              </a:schemeClr>
+            </a:gs>
+            <a:gs pos="50000">
+              <a:schemeClr val="phClr">
+                <a:tint val="98000"/>
+                <a:satMod val="130000"/>
+                <a:shade val="90000"/>
+                <a:lumMod val="103000"/>
+              </a:schemeClr>
+            </a:gs>
+            <a:gs pos="100000">
+              <a:schemeClr val="phClr">
+                <a:shade val="63000"/>
+                <a:satMod val="120000"/>
+              </a:schemeClr>
+            </a:gs>
+          </a:gsLst>
+          <a:lin ang="5400000" scaled="0"/>
+        </a:gradFill>
+      </a:bgFillStyleLst>
+    </a:fmtScheme>
+  </a:themeElements>
+  <a:objectDefaults>
+    <a:lnDef>
+      <a:spPr/>
+      <a:bodyPr/>
+      <a:lstStyle/>
+      <a:style>
+        <a:lnRef idx="2">
+          <a:schemeClr val="accent1"/>
+        </a:lnRef>
+        <a:fillRef idx="0">
+          <a:schemeClr val="accent1"/>
+        </a:fillRef>
+        <a:effectRef idx="1">
+          <a:schemeClr val="accent1"/>
+        </a:effectRef>
+        <a:fontRef idx="minor">
+          <a:schemeClr val="tx1"/>
+        </a:fontRef>
+      </a:style>
+    </a:lnDef>
+  </a:objectDefaults>
+  <a:extraClrSchemeLst/>
+  <a:extLst>
+    <a:ext uri="{05A4C25C-085E-4340-85A3-A5531E510DB2}">
+      <thm15:themeFamily xmlns:thm15="http://schemas.microsoft.com/office/thememl/2012/main" name="Office Theme" id="{2E142A2C-CD16-42D6-873A-C26D2A0506FA}" vid="{1BDDFF52-6CD6-40A5-AB3C-68EB2F1E4D0A}"/>
+    </a:ext>
+  </a:extLst>
+</a:theme>
 </file>